--- a/Presentation/CSS_pre.pptx
+++ b/Presentation/CSS_pre.pptx
@@ -6,6 +6,8 @@
   </p:sldMasterIdLst>
   <p:sldIdLst>
     <p:sldId id="256" r:id="rId2"/>
+    <p:sldId id="258" r:id="rId3"/>
+    <p:sldId id="259" r:id="rId4"/>
   </p:sldIdLst>
   <p:sldSz cx="12192000" cy="6858000"/>
   <p:notesSz cx="6858000" cy="9144000"/>
@@ -104,6 +106,11 @@
       </a:defRPr>
     </a:lvl9pPr>
   </p:defaultTextStyle>
+  <p:extLst>
+    <p:ext uri="{EFAFB233-063F-42B5-8137-9DF3F51BA10A}">
+      <p15:sldGuideLst xmlns:p15="http://schemas.microsoft.com/office/powerpoint/2012/main"/>
+    </p:ext>
+  </p:extLst>
 </p:presentation>
 </file>
 
@@ -157,7 +164,7 @@
           <a:noFill/>
           <a:extLst>
             <a:ext uri="{909E8E84-426E-40dd-AFC4-6F175D3DCCD1}">
-              <a14:hiddenFill xmlns:a14="http://schemas.microsoft.com/office/drawing/2010/main" xmlns="">
+              <a14:hiddenFill xmlns="" xmlns:a14="http://schemas.microsoft.com/office/drawing/2010/main">
                 <a:solidFill>
                   <a:srgbClr val="FFFFFF"/>
                 </a:solidFill>
@@ -217,7 +224,7 @@
             </a:ln>
             <a:extLst>
               <a:ext uri="{91240B29-F687-4f45-9708-019B960494DF}">
-                <a14:hiddenLine xmlns:a14="http://schemas.microsoft.com/office/drawing/2010/main" xmlns="" w="9525">
+                <a14:hiddenLine xmlns="" xmlns:a14="http://schemas.microsoft.com/office/drawing/2010/main" w="9525">
                   <a:solidFill>
                     <a:srgbClr val="000000"/>
                   </a:solidFill>
@@ -307,7 +314,7 @@
             </a:ln>
             <a:extLst>
               <a:ext uri="{91240B29-F687-4f45-9708-019B960494DF}">
-                <a14:hiddenLine xmlns:a14="http://schemas.microsoft.com/office/drawing/2010/main" xmlns="" w="9525">
+                <a14:hiddenLine xmlns="" xmlns:a14="http://schemas.microsoft.com/office/drawing/2010/main" w="9525">
                   <a:solidFill>
                     <a:srgbClr val="000000"/>
                   </a:solidFill>
@@ -397,7 +404,7 @@
             </a:ln>
             <a:extLst>
               <a:ext uri="{91240B29-F687-4f45-9708-019B960494DF}">
-                <a14:hiddenLine xmlns:a14="http://schemas.microsoft.com/office/drawing/2010/main" xmlns="" w="9525">
+                <a14:hiddenLine xmlns="" xmlns:a14="http://schemas.microsoft.com/office/drawing/2010/main" w="9525">
                   <a:solidFill>
                     <a:srgbClr val="000000"/>
                   </a:solidFill>
@@ -431,7 +438,7 @@
             </a:ln>
             <a:extLst>
               <a:ext uri="{91240B29-F687-4f45-9708-019B960494DF}">
-                <a14:hiddenLine xmlns:a14="http://schemas.microsoft.com/office/drawing/2010/main" xmlns="" w="9525">
+                <a14:hiddenLine xmlns="" xmlns:a14="http://schemas.microsoft.com/office/drawing/2010/main" w="9525">
                   <a:solidFill>
                     <a:srgbClr val="000000"/>
                   </a:solidFill>
@@ -521,7 +528,7 @@
             </a:ln>
             <a:extLst>
               <a:ext uri="{91240B29-F687-4f45-9708-019B960494DF}">
-                <a14:hiddenLine xmlns:a14="http://schemas.microsoft.com/office/drawing/2010/main" xmlns="" w="9525">
+                <a14:hiddenLine xmlns="" xmlns:a14="http://schemas.microsoft.com/office/drawing/2010/main" w="9525">
                   <a:solidFill>
                     <a:srgbClr val="000000"/>
                   </a:solidFill>
@@ -583,7 +590,7 @@
             </a:ln>
             <a:extLst>
               <a:ext uri="{91240B29-F687-4f45-9708-019B960494DF}">
-                <a14:hiddenLine xmlns:a14="http://schemas.microsoft.com/office/drawing/2010/main" xmlns="" w="9525">
+                <a14:hiddenLine xmlns="" xmlns:a14="http://schemas.microsoft.com/office/drawing/2010/main" w="9525">
                   <a:solidFill>
                     <a:srgbClr val="000000"/>
                   </a:solidFill>
@@ -645,7 +652,7 @@
             </a:ln>
             <a:extLst>
               <a:ext uri="{91240B29-F687-4f45-9708-019B960494DF}">
-                <a14:hiddenLine xmlns:a14="http://schemas.microsoft.com/office/drawing/2010/main" xmlns="" w="9525">
+                <a14:hiddenLine xmlns="" xmlns:a14="http://schemas.microsoft.com/office/drawing/2010/main" w="9525">
                   <a:solidFill>
                     <a:srgbClr val="000000"/>
                   </a:solidFill>
@@ -735,7 +742,7 @@
             </a:ln>
             <a:extLst>
               <a:ext uri="{91240B29-F687-4f45-9708-019B960494DF}">
-                <a14:hiddenLine xmlns:a14="http://schemas.microsoft.com/office/drawing/2010/main" xmlns="" w="9525">
+                <a14:hiddenLine xmlns="" xmlns:a14="http://schemas.microsoft.com/office/drawing/2010/main" w="9525">
                   <a:solidFill>
                     <a:srgbClr val="000000"/>
                   </a:solidFill>
@@ -797,7 +804,7 @@
             </a:ln>
             <a:extLst>
               <a:ext uri="{91240B29-F687-4f45-9708-019B960494DF}">
-                <a14:hiddenLine xmlns:a14="http://schemas.microsoft.com/office/drawing/2010/main" xmlns="" w="9525">
+                <a14:hiddenLine xmlns="" xmlns:a14="http://schemas.microsoft.com/office/drawing/2010/main" w="9525">
                   <a:solidFill>
                     <a:srgbClr val="000000"/>
                   </a:solidFill>
@@ -859,7 +866,7 @@
             </a:ln>
             <a:extLst>
               <a:ext uri="{91240B29-F687-4f45-9708-019B960494DF}">
-                <a14:hiddenLine xmlns:a14="http://schemas.microsoft.com/office/drawing/2010/main" xmlns="" w="9525">
+                <a14:hiddenLine xmlns="" xmlns:a14="http://schemas.microsoft.com/office/drawing/2010/main" w="9525">
                   <a:solidFill>
                     <a:srgbClr val="000000"/>
                   </a:solidFill>
@@ -949,7 +956,7 @@
             </a:ln>
             <a:extLst>
               <a:ext uri="{91240B29-F687-4f45-9708-019B960494DF}">
-                <a14:hiddenLine xmlns:a14="http://schemas.microsoft.com/office/drawing/2010/main" xmlns="" w="9525">
+                <a14:hiddenLine xmlns="" xmlns:a14="http://schemas.microsoft.com/office/drawing/2010/main" w="9525">
                   <a:solidFill>
                     <a:srgbClr val="000000"/>
                   </a:solidFill>
@@ -1039,7 +1046,7 @@
             </a:ln>
             <a:extLst>
               <a:ext uri="{91240B29-F687-4f45-9708-019B960494DF}">
-                <a14:hiddenLine xmlns:a14="http://schemas.microsoft.com/office/drawing/2010/main" xmlns="" w="9525">
+                <a14:hiddenLine xmlns="" xmlns:a14="http://schemas.microsoft.com/office/drawing/2010/main" w="9525">
                   <a:solidFill>
                     <a:srgbClr val="000000"/>
                   </a:solidFill>
@@ -1101,7 +1108,7 @@
             </a:ln>
             <a:extLst>
               <a:ext uri="{91240B29-F687-4f45-9708-019B960494DF}">
-                <a14:hiddenLine xmlns:a14="http://schemas.microsoft.com/office/drawing/2010/main" xmlns="" w="9525">
+                <a14:hiddenLine xmlns="" xmlns:a14="http://schemas.microsoft.com/office/drawing/2010/main" w="9525">
                   <a:solidFill>
                     <a:srgbClr val="000000"/>
                   </a:solidFill>
@@ -1211,7 +1218,7 @@
             </a:ln>
             <a:extLst>
               <a:ext uri="{91240B29-F687-4f45-9708-019B960494DF}">
-                <a14:hiddenLine xmlns:a14="http://schemas.microsoft.com/office/drawing/2010/main" xmlns="" w="9525">
+                <a14:hiddenLine xmlns="" xmlns:a14="http://schemas.microsoft.com/office/drawing/2010/main" w="9525">
                   <a:solidFill>
                     <a:srgbClr val="000000"/>
                   </a:solidFill>
@@ -1273,7 +1280,7 @@
             </a:ln>
             <a:extLst>
               <a:ext uri="{91240B29-F687-4f45-9708-019B960494DF}">
-                <a14:hiddenLine xmlns:a14="http://schemas.microsoft.com/office/drawing/2010/main" xmlns="" w="9525">
+                <a14:hiddenLine xmlns="" xmlns:a14="http://schemas.microsoft.com/office/drawing/2010/main" w="9525">
                   <a:solidFill>
                     <a:srgbClr val="000000"/>
                   </a:solidFill>
@@ -1363,7 +1370,7 @@
             </a:ln>
             <a:extLst>
               <a:ext uri="{91240B29-F687-4f45-9708-019B960494DF}">
-                <a14:hiddenLine xmlns:a14="http://schemas.microsoft.com/office/drawing/2010/main" xmlns="" w="9525">
+                <a14:hiddenLine xmlns="" xmlns:a14="http://schemas.microsoft.com/office/drawing/2010/main" w="9525">
                   <a:solidFill>
                     <a:srgbClr val="000000"/>
                   </a:solidFill>
@@ -1453,7 +1460,7 @@
             </a:ln>
             <a:extLst>
               <a:ext uri="{91240B29-F687-4f45-9708-019B960494DF}">
-                <a14:hiddenLine xmlns:a14="http://schemas.microsoft.com/office/drawing/2010/main" xmlns="" w="9525">
+                <a14:hiddenLine xmlns="" xmlns:a14="http://schemas.microsoft.com/office/drawing/2010/main" w="9525">
                   <a:solidFill>
                     <a:srgbClr val="000000"/>
                   </a:solidFill>
@@ -1515,7 +1522,7 @@
             </a:ln>
             <a:extLst>
               <a:ext uri="{91240B29-F687-4f45-9708-019B960494DF}">
-                <a14:hiddenLine xmlns:a14="http://schemas.microsoft.com/office/drawing/2010/main" xmlns="" w="9525">
+                <a14:hiddenLine xmlns="" xmlns:a14="http://schemas.microsoft.com/office/drawing/2010/main" w="9525">
                   <a:solidFill>
                     <a:srgbClr val="000000"/>
                   </a:solidFill>
@@ -1605,7 +1612,7 @@
             </a:ln>
             <a:extLst>
               <a:ext uri="{91240B29-F687-4f45-9708-019B960494DF}">
-                <a14:hiddenLine xmlns:a14="http://schemas.microsoft.com/office/drawing/2010/main" xmlns="" w="9525">
+                <a14:hiddenLine xmlns="" xmlns:a14="http://schemas.microsoft.com/office/drawing/2010/main" w="9525">
                   <a:solidFill>
                     <a:srgbClr val="000000"/>
                   </a:solidFill>
@@ -1695,7 +1702,7 @@
             </a:ln>
             <a:extLst>
               <a:ext uri="{91240B29-F687-4f45-9708-019B960494DF}">
-                <a14:hiddenLine xmlns:a14="http://schemas.microsoft.com/office/drawing/2010/main" xmlns="" w="9525">
+                <a14:hiddenLine xmlns="" xmlns:a14="http://schemas.microsoft.com/office/drawing/2010/main" w="9525">
                   <a:solidFill>
                     <a:srgbClr val="000000"/>
                   </a:solidFill>
@@ -1751,7 +1758,7 @@
             </a:ln>
             <a:extLst>
               <a:ext uri="{91240B29-F687-4f45-9708-019B960494DF}">
-                <a14:hiddenLine xmlns:a14="http://schemas.microsoft.com/office/drawing/2010/main" xmlns="" w="9525">
+                <a14:hiddenLine xmlns="" xmlns:a14="http://schemas.microsoft.com/office/drawing/2010/main" w="9525">
                   <a:solidFill>
                     <a:srgbClr val="000000"/>
                   </a:solidFill>
@@ -1841,7 +1848,7 @@
             </a:ln>
             <a:extLst>
               <a:ext uri="{91240B29-F687-4f45-9708-019B960494DF}">
-                <a14:hiddenLine xmlns:a14="http://schemas.microsoft.com/office/drawing/2010/main" xmlns="" w="9525">
+                <a14:hiddenLine xmlns="" xmlns:a14="http://schemas.microsoft.com/office/drawing/2010/main" w="9525">
                   <a:solidFill>
                     <a:srgbClr val="000000"/>
                   </a:solidFill>
@@ -1897,7 +1904,7 @@
             </a:ln>
             <a:extLst>
               <a:ext uri="{91240B29-F687-4f45-9708-019B960494DF}">
-                <a14:hiddenLine xmlns:a14="http://schemas.microsoft.com/office/drawing/2010/main" xmlns="" w="9525">
+                <a14:hiddenLine xmlns="" xmlns:a14="http://schemas.microsoft.com/office/drawing/2010/main" w="9525">
                   <a:solidFill>
                     <a:srgbClr val="000000"/>
                   </a:solidFill>
@@ -1987,7 +1994,7 @@
             </a:ln>
             <a:extLst>
               <a:ext uri="{91240B29-F687-4f45-9708-019B960494DF}">
-                <a14:hiddenLine xmlns:a14="http://schemas.microsoft.com/office/drawing/2010/main" xmlns="" w="9525">
+                <a14:hiddenLine xmlns="" xmlns:a14="http://schemas.microsoft.com/office/drawing/2010/main" w="9525">
                   <a:solidFill>
                     <a:srgbClr val="000000"/>
                   </a:solidFill>
@@ -2055,7 +2062,7 @@
             </a:ln>
             <a:extLst>
               <a:ext uri="{91240B29-F687-4f45-9708-019B960494DF}">
-                <a14:hiddenLine xmlns:a14="http://schemas.microsoft.com/office/drawing/2010/main" xmlns="" w="9525">
+                <a14:hiddenLine xmlns="" xmlns:a14="http://schemas.microsoft.com/office/drawing/2010/main" w="9525">
                   <a:solidFill>
                     <a:srgbClr val="000000"/>
                   </a:solidFill>
@@ -2145,7 +2152,7 @@
             </a:ln>
             <a:extLst>
               <a:ext uri="{91240B29-F687-4f45-9708-019B960494DF}">
-                <a14:hiddenLine xmlns:a14="http://schemas.microsoft.com/office/drawing/2010/main" xmlns="" w="9525">
+                <a14:hiddenLine xmlns="" xmlns:a14="http://schemas.microsoft.com/office/drawing/2010/main" w="9525">
                   <a:solidFill>
                     <a:srgbClr val="000000"/>
                   </a:solidFill>
@@ -2213,7 +2220,7 @@
             </a:ln>
             <a:extLst>
               <a:ext uri="{91240B29-F687-4f45-9708-019B960494DF}">
-                <a14:hiddenLine xmlns:a14="http://schemas.microsoft.com/office/drawing/2010/main" xmlns="" w="9525">
+                <a14:hiddenLine xmlns="" xmlns:a14="http://schemas.microsoft.com/office/drawing/2010/main" w="9525">
                   <a:solidFill>
                     <a:srgbClr val="000000"/>
                   </a:solidFill>
@@ -2303,7 +2310,7 @@
             </a:ln>
             <a:extLst>
               <a:ext uri="{91240B29-F687-4f45-9708-019B960494DF}">
-                <a14:hiddenLine xmlns:a14="http://schemas.microsoft.com/office/drawing/2010/main" xmlns="" w="9525">
+                <a14:hiddenLine xmlns="" xmlns:a14="http://schemas.microsoft.com/office/drawing/2010/main" w="9525">
                   <a:solidFill>
                     <a:srgbClr val="000000"/>
                   </a:solidFill>
@@ -2337,7 +2344,7 @@
             </a:ln>
             <a:extLst>
               <a:ext uri="{91240B29-F687-4f45-9708-019B960494DF}">
-                <a14:hiddenLine xmlns:a14="http://schemas.microsoft.com/office/drawing/2010/main" xmlns="" w="9525">
+                <a14:hiddenLine xmlns="" xmlns:a14="http://schemas.microsoft.com/office/drawing/2010/main" w="9525">
                   <a:solidFill>
                     <a:srgbClr val="000000"/>
                   </a:solidFill>
@@ -2427,7 +2434,7 @@
             </a:ln>
             <a:extLst>
               <a:ext uri="{91240B29-F687-4f45-9708-019B960494DF}">
-                <a14:hiddenLine xmlns:a14="http://schemas.microsoft.com/office/drawing/2010/main" xmlns="" w="9525">
+                <a14:hiddenLine xmlns="" xmlns:a14="http://schemas.microsoft.com/office/drawing/2010/main" w="9525">
                   <a:solidFill>
                     <a:srgbClr val="000000"/>
                   </a:solidFill>
@@ -2489,7 +2496,7 @@
             </a:ln>
             <a:extLst>
               <a:ext uri="{91240B29-F687-4f45-9708-019B960494DF}">
-                <a14:hiddenLine xmlns:a14="http://schemas.microsoft.com/office/drawing/2010/main" xmlns="" w="9525">
+                <a14:hiddenLine xmlns="" xmlns:a14="http://schemas.microsoft.com/office/drawing/2010/main" w="9525">
                   <a:solidFill>
                     <a:srgbClr val="000000"/>
                   </a:solidFill>
@@ -2551,7 +2558,7 @@
             </a:ln>
             <a:extLst>
               <a:ext uri="{91240B29-F687-4f45-9708-019B960494DF}">
-                <a14:hiddenLine xmlns:a14="http://schemas.microsoft.com/office/drawing/2010/main" xmlns="" w="9525">
+                <a14:hiddenLine xmlns="" xmlns:a14="http://schemas.microsoft.com/office/drawing/2010/main" w="9525">
                   <a:solidFill>
                     <a:srgbClr val="000000"/>
                   </a:solidFill>
@@ -2641,7 +2648,7 @@
             </a:ln>
             <a:extLst>
               <a:ext uri="{91240B29-F687-4f45-9708-019B960494DF}">
-                <a14:hiddenLine xmlns:a14="http://schemas.microsoft.com/office/drawing/2010/main" xmlns="" w="9525">
+                <a14:hiddenLine xmlns="" xmlns:a14="http://schemas.microsoft.com/office/drawing/2010/main" w="9525">
                   <a:solidFill>
                     <a:srgbClr val="000000"/>
                   </a:solidFill>
@@ -2709,7 +2716,7 @@
             </a:ln>
             <a:extLst>
               <a:ext uri="{91240B29-F687-4f45-9708-019B960494DF}">
-                <a14:hiddenLine xmlns:a14="http://schemas.microsoft.com/office/drawing/2010/main" xmlns="" w="9525">
+                <a14:hiddenLine xmlns="" xmlns:a14="http://schemas.microsoft.com/office/drawing/2010/main" w="9525">
                   <a:solidFill>
                     <a:srgbClr val="000000"/>
                   </a:solidFill>
@@ -2771,7 +2778,7 @@
             </a:ln>
             <a:extLst>
               <a:ext uri="{91240B29-F687-4f45-9708-019B960494DF}">
-                <a14:hiddenLine xmlns:a14="http://schemas.microsoft.com/office/drawing/2010/main" xmlns="" w="9525">
+                <a14:hiddenLine xmlns="" xmlns:a14="http://schemas.microsoft.com/office/drawing/2010/main" w="9525">
                   <a:solidFill>
                     <a:srgbClr val="000000"/>
                   </a:solidFill>
@@ -2861,7 +2868,7 @@
             </a:ln>
             <a:extLst>
               <a:ext uri="{91240B29-F687-4f45-9708-019B960494DF}">
-                <a14:hiddenLine xmlns:a14="http://schemas.microsoft.com/office/drawing/2010/main" xmlns="" w="9525">
+                <a14:hiddenLine xmlns="" xmlns:a14="http://schemas.microsoft.com/office/drawing/2010/main" w="9525">
                   <a:solidFill>
                     <a:srgbClr val="000000"/>
                   </a:solidFill>
@@ -2923,7 +2930,7 @@
             </a:ln>
             <a:extLst>
               <a:ext uri="{91240B29-F687-4f45-9708-019B960494DF}">
-                <a14:hiddenLine xmlns:a14="http://schemas.microsoft.com/office/drawing/2010/main" xmlns="" w="9525">
+                <a14:hiddenLine xmlns="" xmlns:a14="http://schemas.microsoft.com/office/drawing/2010/main" w="9525">
                   <a:solidFill>
                     <a:srgbClr val="000000"/>
                   </a:solidFill>
@@ -3013,7 +3020,7 @@
             </a:ln>
             <a:extLst>
               <a:ext uri="{91240B29-F687-4f45-9708-019B960494DF}">
-                <a14:hiddenLine xmlns:a14="http://schemas.microsoft.com/office/drawing/2010/main" xmlns="" w="9525">
+                <a14:hiddenLine xmlns="" xmlns:a14="http://schemas.microsoft.com/office/drawing/2010/main" w="9525">
                   <a:solidFill>
                     <a:srgbClr val="000000"/>
                   </a:solidFill>
@@ -3075,7 +3082,7 @@
             </a:ln>
             <a:extLst>
               <a:ext uri="{91240B29-F687-4f45-9708-019B960494DF}">
-                <a14:hiddenLine xmlns:a14="http://schemas.microsoft.com/office/drawing/2010/main" xmlns="" w="9525">
+                <a14:hiddenLine xmlns="" xmlns:a14="http://schemas.microsoft.com/office/drawing/2010/main" w="9525">
                   <a:solidFill>
                     <a:srgbClr val="000000"/>
                   </a:solidFill>
@@ -3165,7 +3172,7 @@
             </a:ln>
             <a:extLst>
               <a:ext uri="{91240B29-F687-4f45-9708-019B960494DF}">
-                <a14:hiddenLine xmlns:a14="http://schemas.microsoft.com/office/drawing/2010/main" xmlns="" w="9525">
+                <a14:hiddenLine xmlns="" xmlns:a14="http://schemas.microsoft.com/office/drawing/2010/main" w="9525">
                   <a:solidFill>
                     <a:srgbClr val="000000"/>
                   </a:solidFill>
@@ -3199,7 +3206,7 @@
             </a:ln>
             <a:extLst>
               <a:ext uri="{91240B29-F687-4f45-9708-019B960494DF}">
-                <a14:hiddenLine xmlns:a14="http://schemas.microsoft.com/office/drawing/2010/main" xmlns="" w="9525">
+                <a14:hiddenLine xmlns="" xmlns:a14="http://schemas.microsoft.com/office/drawing/2010/main" w="9525">
                   <a:solidFill>
                     <a:srgbClr val="000000"/>
                   </a:solidFill>
@@ -3264,7 +3271,7 @@
             </a:ln>
             <a:extLst>
               <a:ext uri="{91240B29-F687-4f45-9708-019B960494DF}">
-                <a14:hiddenLine xmlns:a14="http://schemas.microsoft.com/office/drawing/2010/main" xmlns="" w="9525">
+                <a14:hiddenLine xmlns="" xmlns:a14="http://schemas.microsoft.com/office/drawing/2010/main" w="9525">
                   <a:solidFill>
                     <a:srgbClr val="000000"/>
                   </a:solidFill>
@@ -3354,7 +3361,7 @@
             </a:ln>
             <a:extLst>
               <a:ext uri="{91240B29-F687-4f45-9708-019B960494DF}">
-                <a14:hiddenLine xmlns:a14="http://schemas.microsoft.com/office/drawing/2010/main" xmlns="" w="9525">
+                <a14:hiddenLine xmlns="" xmlns:a14="http://schemas.microsoft.com/office/drawing/2010/main" w="9525">
                   <a:solidFill>
                     <a:srgbClr val="000000"/>
                   </a:solidFill>
@@ -3416,7 +3423,7 @@
             </a:ln>
             <a:extLst>
               <a:ext uri="{91240B29-F687-4f45-9708-019B960494DF}">
-                <a14:hiddenLine xmlns:a14="http://schemas.microsoft.com/office/drawing/2010/main" xmlns="" w="9525">
+                <a14:hiddenLine xmlns="" xmlns:a14="http://schemas.microsoft.com/office/drawing/2010/main" w="9525">
                   <a:solidFill>
                     <a:srgbClr val="000000"/>
                   </a:solidFill>
@@ -3506,7 +3513,7 @@
             </a:ln>
             <a:extLst>
               <a:ext uri="{91240B29-F687-4f45-9708-019B960494DF}">
-                <a14:hiddenLine xmlns:a14="http://schemas.microsoft.com/office/drawing/2010/main" xmlns="" w="9525">
+                <a14:hiddenLine xmlns="" xmlns:a14="http://schemas.microsoft.com/office/drawing/2010/main" w="9525">
                   <a:solidFill>
                     <a:srgbClr val="000000"/>
                   </a:solidFill>
@@ -3596,7 +3603,7 @@
             </a:ln>
             <a:extLst>
               <a:ext uri="{91240B29-F687-4f45-9708-019B960494DF}">
-                <a14:hiddenLine xmlns:a14="http://schemas.microsoft.com/office/drawing/2010/main" xmlns="" w="9525">
+                <a14:hiddenLine xmlns="" xmlns:a14="http://schemas.microsoft.com/office/drawing/2010/main" w="9525">
                   <a:solidFill>
                     <a:srgbClr val="000000"/>
                   </a:solidFill>
@@ -3661,7 +3668,7 @@
             </a:ln>
             <a:extLst>
               <a:ext uri="{91240B29-F687-4f45-9708-019B960494DF}">
-                <a14:hiddenLine xmlns:a14="http://schemas.microsoft.com/office/drawing/2010/main" xmlns="" w="9525">
+                <a14:hiddenLine xmlns="" xmlns:a14="http://schemas.microsoft.com/office/drawing/2010/main" w="9525">
                   <a:solidFill>
                     <a:srgbClr val="000000"/>
                   </a:solidFill>
@@ -3723,7 +3730,7 @@
             </a:ln>
             <a:extLst>
               <a:ext uri="{91240B29-F687-4f45-9708-019B960494DF}">
-                <a14:hiddenLine xmlns:a14="http://schemas.microsoft.com/office/drawing/2010/main" xmlns="" w="9525">
+                <a14:hiddenLine xmlns="" xmlns:a14="http://schemas.microsoft.com/office/drawing/2010/main" w="9525">
                   <a:solidFill>
                     <a:srgbClr val="000000"/>
                   </a:solidFill>
@@ -3813,7 +3820,7 @@
             </a:ln>
             <a:extLst>
               <a:ext uri="{91240B29-F687-4f45-9708-019B960494DF}">
-                <a14:hiddenLine xmlns:a14="http://schemas.microsoft.com/office/drawing/2010/main" xmlns="" w="9525">
+                <a14:hiddenLine xmlns="" xmlns:a14="http://schemas.microsoft.com/office/drawing/2010/main" w="9525">
                   <a:solidFill>
                     <a:srgbClr val="000000"/>
                   </a:solidFill>
@@ -3903,7 +3910,7 @@
             </a:ln>
             <a:extLst>
               <a:ext uri="{91240B29-F687-4f45-9708-019B960494DF}">
-                <a14:hiddenLine xmlns:a14="http://schemas.microsoft.com/office/drawing/2010/main" xmlns="" w="9525">
+                <a14:hiddenLine xmlns="" xmlns:a14="http://schemas.microsoft.com/office/drawing/2010/main" w="9525">
                   <a:solidFill>
                     <a:srgbClr val="000000"/>
                   </a:solidFill>
@@ -3965,7 +3972,7 @@
             </a:ln>
             <a:extLst>
               <a:ext uri="{91240B29-F687-4f45-9708-019B960494DF}">
-                <a14:hiddenLine xmlns:a14="http://schemas.microsoft.com/office/drawing/2010/main" xmlns="" w="9525">
+                <a14:hiddenLine xmlns="" xmlns:a14="http://schemas.microsoft.com/office/drawing/2010/main" w="9525">
                   <a:solidFill>
                     <a:srgbClr val="000000"/>
                   </a:solidFill>
@@ -4085,7 +4092,7 @@
             </a:ln>
             <a:extLst>
               <a:ext uri="{91240B29-F687-4f45-9708-019B960494DF}">
-                <a14:hiddenLine xmlns:a14="http://schemas.microsoft.com/office/drawing/2010/main" xmlns="" w="9525">
+                <a14:hiddenLine xmlns="" xmlns:a14="http://schemas.microsoft.com/office/drawing/2010/main" w="9525">
                   <a:solidFill>
                     <a:srgbClr val="000000"/>
                   </a:solidFill>
@@ -4153,7 +4160,7 @@
             </a:ln>
             <a:extLst>
               <a:ext uri="{91240B29-F687-4f45-9708-019B960494DF}">
-                <a14:hiddenLine xmlns:a14="http://schemas.microsoft.com/office/drawing/2010/main" xmlns="" w="9525">
+                <a14:hiddenLine xmlns="" xmlns:a14="http://schemas.microsoft.com/office/drawing/2010/main" w="9525">
                   <a:solidFill>
                     <a:srgbClr val="000000"/>
                   </a:solidFill>
@@ -4243,7 +4250,7 @@
             </a:ln>
             <a:extLst>
               <a:ext uri="{91240B29-F687-4f45-9708-019B960494DF}">
-                <a14:hiddenLine xmlns:a14="http://schemas.microsoft.com/office/drawing/2010/main" xmlns="" w="9525">
+                <a14:hiddenLine xmlns="" xmlns:a14="http://schemas.microsoft.com/office/drawing/2010/main" w="9525">
                   <a:solidFill>
                     <a:srgbClr val="000000"/>
                   </a:solidFill>
@@ -8965,7 +8972,7 @@
           <a:noFill/>
           <a:extLst>
             <a:ext uri="{909E8E84-426E-40dd-AFC4-6F175D3DCCD1}">
-              <a14:hiddenFill xmlns:a14="http://schemas.microsoft.com/office/drawing/2010/main" xmlns="">
+              <a14:hiddenFill xmlns="" xmlns:a14="http://schemas.microsoft.com/office/drawing/2010/main">
                 <a:solidFill>
                   <a:srgbClr val="FFFFFF"/>
                 </a:solidFill>
@@ -9039,7 +9046,7 @@
               </a:ln>
               <a:extLst>
                 <a:ext uri="{91240B29-F687-4f45-9708-019B960494DF}">
-                  <a14:hiddenLine xmlns:a14="http://schemas.microsoft.com/office/drawing/2010/main" xmlns="" w="9525">
+                  <a14:hiddenLine xmlns="" xmlns:a14="http://schemas.microsoft.com/office/drawing/2010/main" w="9525">
                     <a:solidFill>
                       <a:srgbClr val="000000"/>
                     </a:solidFill>
@@ -9129,7 +9136,7 @@
               </a:ln>
               <a:extLst>
                 <a:ext uri="{91240B29-F687-4f45-9708-019B960494DF}">
-                  <a14:hiddenLine xmlns:a14="http://schemas.microsoft.com/office/drawing/2010/main" xmlns="" w="9525">
+                  <a14:hiddenLine xmlns="" xmlns:a14="http://schemas.microsoft.com/office/drawing/2010/main" w="9525">
                     <a:solidFill>
                       <a:srgbClr val="000000"/>
                     </a:solidFill>
@@ -9219,7 +9226,7 @@
               </a:ln>
               <a:extLst>
                 <a:ext uri="{91240B29-F687-4f45-9708-019B960494DF}">
-                  <a14:hiddenLine xmlns:a14="http://schemas.microsoft.com/office/drawing/2010/main" xmlns="" w="9525">
+                  <a14:hiddenLine xmlns="" xmlns:a14="http://schemas.microsoft.com/office/drawing/2010/main" w="9525">
                     <a:solidFill>
                       <a:srgbClr val="000000"/>
                     </a:solidFill>
@@ -9281,7 +9288,7 @@
               </a:ln>
               <a:extLst>
                 <a:ext uri="{91240B29-F687-4f45-9708-019B960494DF}">
-                  <a14:hiddenLine xmlns:a14="http://schemas.microsoft.com/office/drawing/2010/main" xmlns="" w="9525">
+                  <a14:hiddenLine xmlns="" xmlns:a14="http://schemas.microsoft.com/office/drawing/2010/main" w="9525">
                     <a:solidFill>
                       <a:srgbClr val="000000"/>
                     </a:solidFill>
@@ -9371,7 +9378,7 @@
               </a:ln>
               <a:extLst>
                 <a:ext uri="{91240B29-F687-4f45-9708-019B960494DF}">
-                  <a14:hiddenLine xmlns:a14="http://schemas.microsoft.com/office/drawing/2010/main" xmlns="" w="9525">
+                  <a14:hiddenLine xmlns="" xmlns:a14="http://schemas.microsoft.com/office/drawing/2010/main" w="9525">
                     <a:solidFill>
                       <a:srgbClr val="000000"/>
                     </a:solidFill>
@@ -9433,7 +9440,7 @@
               </a:ln>
               <a:extLst>
                 <a:ext uri="{91240B29-F687-4f45-9708-019B960494DF}">
-                  <a14:hiddenLine xmlns:a14="http://schemas.microsoft.com/office/drawing/2010/main" xmlns="" w="9525">
+                  <a14:hiddenLine xmlns="" xmlns:a14="http://schemas.microsoft.com/office/drawing/2010/main" w="9525">
                     <a:solidFill>
                       <a:srgbClr val="000000"/>
                     </a:solidFill>
@@ -9495,7 +9502,7 @@
               </a:ln>
               <a:extLst>
                 <a:ext uri="{91240B29-F687-4f45-9708-019B960494DF}">
-                  <a14:hiddenLine xmlns:a14="http://schemas.microsoft.com/office/drawing/2010/main" xmlns="" w="9525">
+                  <a14:hiddenLine xmlns="" xmlns:a14="http://schemas.microsoft.com/office/drawing/2010/main" w="9525">
                     <a:solidFill>
                       <a:srgbClr val="000000"/>
                     </a:solidFill>
@@ -9585,7 +9592,7 @@
               </a:ln>
               <a:extLst>
                 <a:ext uri="{91240B29-F687-4f45-9708-019B960494DF}">
-                  <a14:hiddenLine xmlns:a14="http://schemas.microsoft.com/office/drawing/2010/main" xmlns="" w="9525">
+                  <a14:hiddenLine xmlns="" xmlns:a14="http://schemas.microsoft.com/office/drawing/2010/main" w="9525">
                     <a:solidFill>
                       <a:srgbClr val="000000"/>
                     </a:solidFill>
@@ -9675,7 +9682,7 @@
               </a:ln>
               <a:extLst>
                 <a:ext uri="{91240B29-F687-4f45-9708-019B960494DF}">
-                  <a14:hiddenLine xmlns:a14="http://schemas.microsoft.com/office/drawing/2010/main" xmlns="" w="9525">
+                  <a14:hiddenLine xmlns="" xmlns:a14="http://schemas.microsoft.com/office/drawing/2010/main" w="9525">
                     <a:solidFill>
                       <a:srgbClr val="000000"/>
                     </a:solidFill>
@@ -9737,7 +9744,7 @@
               </a:ln>
               <a:extLst>
                 <a:ext uri="{91240B29-F687-4f45-9708-019B960494DF}">
-                  <a14:hiddenLine xmlns:a14="http://schemas.microsoft.com/office/drawing/2010/main" xmlns="" w="9525">
+                  <a14:hiddenLine xmlns="" xmlns:a14="http://schemas.microsoft.com/office/drawing/2010/main" w="9525">
                     <a:solidFill>
                       <a:srgbClr val="000000"/>
                     </a:solidFill>
@@ -9847,7 +9854,7 @@
               </a:ln>
               <a:extLst>
                 <a:ext uri="{91240B29-F687-4f45-9708-019B960494DF}">
-                  <a14:hiddenLine xmlns:a14="http://schemas.microsoft.com/office/drawing/2010/main" xmlns="" w="9525">
+                  <a14:hiddenLine xmlns="" xmlns:a14="http://schemas.microsoft.com/office/drawing/2010/main" w="9525">
                     <a:solidFill>
                       <a:srgbClr val="000000"/>
                     </a:solidFill>
@@ -9931,7 +9938,7 @@
               </a:ln>
               <a:extLst>
                 <a:ext uri="{91240B29-F687-4f45-9708-019B960494DF}">
-                  <a14:hiddenLine xmlns:a14="http://schemas.microsoft.com/office/drawing/2010/main" xmlns="" w="9525">
+                  <a14:hiddenLine xmlns="" xmlns:a14="http://schemas.microsoft.com/office/drawing/2010/main" w="9525">
                     <a:solidFill>
                       <a:srgbClr val="000000"/>
                     </a:solidFill>
@@ -9993,7 +10000,7 @@
               </a:ln>
               <a:extLst>
                 <a:ext uri="{91240B29-F687-4f45-9708-019B960494DF}">
-                  <a14:hiddenLine xmlns:a14="http://schemas.microsoft.com/office/drawing/2010/main" xmlns="" w="9525">
+                  <a14:hiddenLine xmlns="" xmlns:a14="http://schemas.microsoft.com/office/drawing/2010/main" w="9525">
                     <a:solidFill>
                       <a:srgbClr val="000000"/>
                     </a:solidFill>
@@ -10055,7 +10062,7 @@
               </a:ln>
               <a:extLst>
                 <a:ext uri="{91240B29-F687-4f45-9708-019B960494DF}">
-                  <a14:hiddenLine xmlns:a14="http://schemas.microsoft.com/office/drawing/2010/main" xmlns="" w="9525">
+                  <a14:hiddenLine xmlns="" xmlns:a14="http://schemas.microsoft.com/office/drawing/2010/main" w="9525">
                     <a:solidFill>
                       <a:srgbClr val="000000"/>
                     </a:solidFill>
@@ -10145,7 +10152,7 @@
               </a:ln>
               <a:extLst>
                 <a:ext uri="{91240B29-F687-4f45-9708-019B960494DF}">
-                  <a14:hiddenLine xmlns:a14="http://schemas.microsoft.com/office/drawing/2010/main" xmlns="" w="9525">
+                  <a14:hiddenLine xmlns="" xmlns:a14="http://schemas.microsoft.com/office/drawing/2010/main" w="9525">
                     <a:solidFill>
                       <a:srgbClr val="000000"/>
                     </a:solidFill>
@@ -10179,7 +10186,7 @@
               </a:ln>
               <a:extLst>
                 <a:ext uri="{91240B29-F687-4f45-9708-019B960494DF}">
-                  <a14:hiddenLine xmlns:a14="http://schemas.microsoft.com/office/drawing/2010/main" xmlns="" w="9525">
+                  <a14:hiddenLine xmlns="" xmlns:a14="http://schemas.microsoft.com/office/drawing/2010/main" w="9525">
                     <a:solidFill>
                       <a:srgbClr val="000000"/>
                     </a:solidFill>
@@ -10244,7 +10251,7 @@
               </a:ln>
               <a:extLst>
                 <a:ext uri="{91240B29-F687-4f45-9708-019B960494DF}">
-                  <a14:hiddenLine xmlns:a14="http://schemas.microsoft.com/office/drawing/2010/main" xmlns="" w="9525">
+                  <a14:hiddenLine xmlns="" xmlns:a14="http://schemas.microsoft.com/office/drawing/2010/main" w="9525">
                     <a:solidFill>
                       <a:srgbClr val="000000"/>
                     </a:solidFill>
@@ -10334,7 +10341,7 @@
               </a:ln>
               <a:extLst>
                 <a:ext uri="{91240B29-F687-4f45-9708-019B960494DF}">
-                  <a14:hiddenLine xmlns:a14="http://schemas.microsoft.com/office/drawing/2010/main" xmlns="" w="9525">
+                  <a14:hiddenLine xmlns="" xmlns:a14="http://schemas.microsoft.com/office/drawing/2010/main" w="9525">
                     <a:solidFill>
                       <a:srgbClr val="000000"/>
                     </a:solidFill>
@@ -10396,7 +10403,7 @@
               </a:ln>
               <a:extLst>
                 <a:ext uri="{91240B29-F687-4f45-9708-019B960494DF}">
-                  <a14:hiddenLine xmlns:a14="http://schemas.microsoft.com/office/drawing/2010/main" xmlns="" w="9525">
+                  <a14:hiddenLine xmlns="" xmlns:a14="http://schemas.microsoft.com/office/drawing/2010/main" w="9525">
                     <a:solidFill>
                       <a:srgbClr val="000000"/>
                     </a:solidFill>
@@ -10486,7 +10493,7 @@
               </a:ln>
               <a:extLst>
                 <a:ext uri="{91240B29-F687-4f45-9708-019B960494DF}">
-                  <a14:hiddenLine xmlns:a14="http://schemas.microsoft.com/office/drawing/2010/main" xmlns="" w="9525">
+                  <a14:hiddenLine xmlns="" xmlns:a14="http://schemas.microsoft.com/office/drawing/2010/main" w="9525">
                     <a:solidFill>
                       <a:srgbClr val="000000"/>
                     </a:solidFill>
@@ -10551,7 +10558,7 @@
               </a:ln>
               <a:extLst>
                 <a:ext uri="{91240B29-F687-4f45-9708-019B960494DF}">
-                  <a14:hiddenLine xmlns:a14="http://schemas.microsoft.com/office/drawing/2010/main" xmlns="" w="9525">
+                  <a14:hiddenLine xmlns="" xmlns:a14="http://schemas.microsoft.com/office/drawing/2010/main" w="9525">
                     <a:solidFill>
                       <a:srgbClr val="000000"/>
                     </a:solidFill>
@@ -10613,7 +10620,7 @@
               </a:ln>
               <a:extLst>
                 <a:ext uri="{91240B29-F687-4f45-9708-019B960494DF}">
-                  <a14:hiddenLine xmlns:a14="http://schemas.microsoft.com/office/drawing/2010/main" xmlns="" w="9525">
+                  <a14:hiddenLine xmlns="" xmlns:a14="http://schemas.microsoft.com/office/drawing/2010/main" w="9525">
                     <a:solidFill>
                       <a:srgbClr val="000000"/>
                     </a:solidFill>
@@ -10703,7 +10710,7 @@
               </a:ln>
               <a:extLst>
                 <a:ext uri="{91240B29-F687-4f45-9708-019B960494DF}">
-                  <a14:hiddenLine xmlns:a14="http://schemas.microsoft.com/office/drawing/2010/main" xmlns="" w="9525">
+                  <a14:hiddenLine xmlns="" xmlns:a14="http://schemas.microsoft.com/office/drawing/2010/main" w="9525">
                     <a:solidFill>
                       <a:srgbClr val="000000"/>
                     </a:solidFill>
@@ -10793,7 +10800,7 @@
               </a:ln>
               <a:extLst>
                 <a:ext uri="{91240B29-F687-4f45-9708-019B960494DF}">
-                  <a14:hiddenLine xmlns:a14="http://schemas.microsoft.com/office/drawing/2010/main" xmlns="" w="9525">
+                  <a14:hiddenLine xmlns="" xmlns:a14="http://schemas.microsoft.com/office/drawing/2010/main" w="9525">
                     <a:solidFill>
                       <a:srgbClr val="000000"/>
                     </a:solidFill>
@@ -10858,7 +10865,7 @@
               </a:ln>
               <a:extLst>
                 <a:ext uri="{91240B29-F687-4f45-9708-019B960494DF}">
-                  <a14:hiddenLine xmlns:a14="http://schemas.microsoft.com/office/drawing/2010/main" xmlns="" w="9525">
+                  <a14:hiddenLine xmlns="" xmlns:a14="http://schemas.microsoft.com/office/drawing/2010/main" w="9525">
                     <a:solidFill>
                       <a:srgbClr val="000000"/>
                     </a:solidFill>
@@ -10978,7 +10985,7 @@
               </a:ln>
               <a:extLst>
                 <a:ext uri="{91240B29-F687-4f45-9708-019B960494DF}">
-                  <a14:hiddenLine xmlns:a14="http://schemas.microsoft.com/office/drawing/2010/main" xmlns="" w="9525">
+                  <a14:hiddenLine xmlns="" xmlns:a14="http://schemas.microsoft.com/office/drawing/2010/main" w="9525">
                     <a:solidFill>
                       <a:srgbClr val="000000"/>
                     </a:solidFill>
@@ -11076,7 +11083,7 @@
               </a:ln>
               <a:extLst>
                 <a:ext uri="{91240B29-F687-4f45-9708-019B960494DF}">
-                  <a14:hiddenLine xmlns:a14="http://schemas.microsoft.com/office/drawing/2010/main" xmlns="" w="9525">
+                  <a14:hiddenLine xmlns="" xmlns:a14="http://schemas.microsoft.com/office/drawing/2010/main" w="9525">
                     <a:solidFill>
                       <a:srgbClr val="000000"/>
                     </a:solidFill>
@@ -11191,7 +11198,7 @@
               </a:ln>
               <a:extLst>
                 <a:ext uri="{91240B29-F687-4f45-9708-019B960494DF}">
-                  <a14:hiddenLine xmlns:a14="http://schemas.microsoft.com/office/drawing/2010/main" xmlns="" w="9525">
+                  <a14:hiddenLine xmlns="" xmlns:a14="http://schemas.microsoft.com/office/drawing/2010/main" w="9525">
                     <a:solidFill>
                       <a:srgbClr val="000000"/>
                     </a:solidFill>
@@ -11281,7 +11288,7 @@
               </a:ln>
               <a:extLst>
                 <a:ext uri="{91240B29-F687-4f45-9708-019B960494DF}">
-                  <a14:hiddenLine xmlns:a14="http://schemas.microsoft.com/office/drawing/2010/main" xmlns="" w="9525">
+                  <a14:hiddenLine xmlns="" xmlns:a14="http://schemas.microsoft.com/office/drawing/2010/main" w="9525">
                     <a:solidFill>
                       <a:srgbClr val="000000"/>
                     </a:solidFill>
@@ -11346,7 +11353,7 @@
               </a:ln>
               <a:extLst>
                 <a:ext uri="{91240B29-F687-4f45-9708-019B960494DF}">
-                  <a14:hiddenLine xmlns:a14="http://schemas.microsoft.com/office/drawing/2010/main" xmlns="" w="9525">
+                  <a14:hiddenLine xmlns="" xmlns:a14="http://schemas.microsoft.com/office/drawing/2010/main" w="9525">
                     <a:solidFill>
                       <a:srgbClr val="000000"/>
                     </a:solidFill>
@@ -11436,7 +11443,7 @@
               </a:ln>
               <a:extLst>
                 <a:ext uri="{91240B29-F687-4f45-9708-019B960494DF}">
-                  <a14:hiddenLine xmlns:a14="http://schemas.microsoft.com/office/drawing/2010/main" xmlns="" w="9525">
+                  <a14:hiddenLine xmlns="" xmlns:a14="http://schemas.microsoft.com/office/drawing/2010/main" w="9525">
                     <a:solidFill>
                       <a:srgbClr val="000000"/>
                     </a:solidFill>
@@ -11504,7 +11511,7 @@
               </a:ln>
               <a:extLst>
                 <a:ext uri="{91240B29-F687-4f45-9708-019B960494DF}">
-                  <a14:hiddenLine xmlns:a14="http://schemas.microsoft.com/office/drawing/2010/main" xmlns="" w="9525">
+                  <a14:hiddenLine xmlns="" xmlns:a14="http://schemas.microsoft.com/office/drawing/2010/main" w="9525">
                     <a:solidFill>
                       <a:srgbClr val="000000"/>
                     </a:solidFill>
@@ -11594,7 +11601,7 @@
               </a:ln>
               <a:extLst>
                 <a:ext uri="{91240B29-F687-4f45-9708-019B960494DF}">
-                  <a14:hiddenLine xmlns:a14="http://schemas.microsoft.com/office/drawing/2010/main" xmlns="" w="9525">
+                  <a14:hiddenLine xmlns="" xmlns:a14="http://schemas.microsoft.com/office/drawing/2010/main" w="9525">
                     <a:solidFill>
                       <a:srgbClr val="000000"/>
                     </a:solidFill>
@@ -11662,7 +11669,7 @@
               </a:ln>
               <a:extLst>
                 <a:ext uri="{91240B29-F687-4f45-9708-019B960494DF}">
-                  <a14:hiddenLine xmlns:a14="http://schemas.microsoft.com/office/drawing/2010/main" xmlns="" w="9525">
+                  <a14:hiddenLine xmlns="" xmlns:a14="http://schemas.microsoft.com/office/drawing/2010/main" w="9525">
                     <a:solidFill>
                       <a:srgbClr val="000000"/>
                     </a:solidFill>
@@ -11752,7 +11759,7 @@
               </a:ln>
               <a:extLst>
                 <a:ext uri="{91240B29-F687-4f45-9708-019B960494DF}">
-                  <a14:hiddenLine xmlns:a14="http://schemas.microsoft.com/office/drawing/2010/main" xmlns="" w="9525">
+                  <a14:hiddenLine xmlns="" xmlns:a14="http://schemas.microsoft.com/office/drawing/2010/main" w="9525">
                     <a:solidFill>
                       <a:srgbClr val="000000"/>
                     </a:solidFill>
@@ -11786,7 +11793,7 @@
               </a:ln>
               <a:extLst>
                 <a:ext uri="{91240B29-F687-4f45-9708-019B960494DF}">
-                  <a14:hiddenLine xmlns:a14="http://schemas.microsoft.com/office/drawing/2010/main" xmlns="" w="9525">
+                  <a14:hiddenLine xmlns="" xmlns:a14="http://schemas.microsoft.com/office/drawing/2010/main" w="9525">
                     <a:solidFill>
                       <a:srgbClr val="000000"/>
                     </a:solidFill>
@@ -12472,6 +12479,268 @@
 </p:sld>
 </file>
 
+<file path=ppt/slides/slide2.xml><?xml version="1.0" encoding="utf-8"?>
+<p:sld xmlns:a="http://schemas.openxmlformats.org/drawingml/2006/main" xmlns:r="http://schemas.openxmlformats.org/officeDocument/2006/relationships" xmlns:p="http://schemas.openxmlformats.org/presentationml/2006/main">
+  <p:cSld>
+    <p:spTree>
+      <p:nvGrpSpPr>
+        <p:cNvPr id="1" name=""/>
+        <p:cNvGrpSpPr/>
+        <p:nvPr/>
+      </p:nvGrpSpPr>
+      <p:grpSpPr>
+        <a:xfrm>
+          <a:off x="0" y="0"/>
+          <a:ext cx="0" cy="0"/>
+          <a:chOff x="0" y="0"/>
+          <a:chExt cx="0" cy="0"/>
+        </a:xfrm>
+      </p:grpSpPr>
+      <p:sp>
+        <p:nvSpPr>
+          <p:cNvPr id="8" name="TextBox 7">
+            <a:extLst>
+              <a:ext uri="{FF2B5EF4-FFF2-40B4-BE49-F238E27FC236}">
+                <a16:creationId xmlns:a16="http://schemas.microsoft.com/office/drawing/2014/main" id="{0865379E-BA95-FC98-90A3-BD996A223D5F}"/>
+              </a:ext>
+            </a:extLst>
+          </p:cNvPr>
+          <p:cNvSpPr txBox="1"/>
+          <p:nvPr/>
+        </p:nvSpPr>
+        <p:spPr>
+          <a:xfrm>
+            <a:off x="2579239" y="1861488"/>
+            <a:ext cx="7718797" cy="1631216"/>
+          </a:xfrm>
+          <a:prstGeom prst="rect">
+            <a:avLst/>
+          </a:prstGeom>
+          <a:noFill/>
+        </p:spPr>
+        <p:txBody>
+          <a:bodyPr wrap="square" rtlCol="0">
+            <a:spAutoFit/>
+          </a:bodyPr>
+          <a:lstStyle/>
+          <a:p>
+            <a:r>
+              <a:rPr lang="en-US" sz="10000" dirty="0">
+                <a:latin typeface="Arial Rounded MT Bold" panose="020F0704030504030204" pitchFamily="34" charset="0"/>
+              </a:rPr>
+              <a:t>Icons</a:t>
+            </a:r>
+          </a:p>
+        </p:txBody>
+      </p:sp>
+      <p:sp>
+        <p:nvSpPr>
+          <p:cNvPr id="9" name="TextBox 8">
+            <a:extLst>
+              <a:ext uri="{FF2B5EF4-FFF2-40B4-BE49-F238E27FC236}">
+                <a16:creationId xmlns:a16="http://schemas.microsoft.com/office/drawing/2014/main" id="{C03A5E7B-BF0B-4B16-5F8C-AEDC5A307CAA}"/>
+              </a:ext>
+            </a:extLst>
+          </p:cNvPr>
+          <p:cNvSpPr txBox="1"/>
+          <p:nvPr/>
+        </p:nvSpPr>
+        <p:spPr>
+          <a:xfrm>
+            <a:off x="2831486" y="3594537"/>
+            <a:ext cx="3544089" cy="707886"/>
+          </a:xfrm>
+          <a:prstGeom prst="rect">
+            <a:avLst/>
+          </a:prstGeom>
+          <a:noFill/>
+        </p:spPr>
+        <p:txBody>
+          <a:bodyPr wrap="square" rtlCol="0">
+            <a:spAutoFit/>
+          </a:bodyPr>
+          <a:lstStyle/>
+          <a:p>
+            <a:pPr marL="285750" indent="-285750">
+              <a:buFont typeface="Wingdings" panose="05000000000000000000" pitchFamily="2" charset="2"/>
+              <a:buChar char="q"/>
+            </a:pPr>
+            <a:r>
+              <a:rPr lang="en-US" sz="2000" dirty="0"/>
+              <a:t>CDN link add</a:t>
+            </a:r>
+          </a:p>
+          <a:p>
+            <a:pPr marL="285750" indent="-285750">
+              <a:buFont typeface="Wingdings" panose="05000000000000000000" pitchFamily="2" charset="2"/>
+              <a:buChar char="q"/>
+            </a:pPr>
+            <a:r>
+              <a:rPr lang="en-US" sz="2000" dirty="0"/>
+              <a:t>Icons name add</a:t>
+            </a:r>
+          </a:p>
+        </p:txBody>
+      </p:sp>
+    </p:spTree>
+    <p:extLst>
+      <p:ext uri="{BB962C8B-B14F-4D97-AF65-F5344CB8AC3E}">
+        <p14:creationId xmlns:p14="http://schemas.microsoft.com/office/powerpoint/2010/main" val="544868572"/>
+      </p:ext>
+    </p:extLst>
+  </p:cSld>
+  <p:clrMapOvr>
+    <a:masterClrMapping/>
+  </p:clrMapOvr>
+</p:sld>
+</file>
+
+<file path=ppt/slides/slide3.xml><?xml version="1.0" encoding="utf-8"?>
+<p:sld xmlns:a="http://schemas.openxmlformats.org/drawingml/2006/main" xmlns:r="http://schemas.openxmlformats.org/officeDocument/2006/relationships" xmlns:p="http://schemas.openxmlformats.org/presentationml/2006/main">
+  <p:cSld>
+    <p:spTree>
+      <p:nvGrpSpPr>
+        <p:cNvPr id="1" name=""/>
+        <p:cNvGrpSpPr/>
+        <p:nvPr/>
+      </p:nvGrpSpPr>
+      <p:grpSpPr>
+        <a:xfrm>
+          <a:off x="0" y="0"/>
+          <a:ext cx="0" cy="0"/>
+          <a:chOff x="0" y="0"/>
+          <a:chExt cx="0" cy="0"/>
+        </a:xfrm>
+      </p:grpSpPr>
+      <p:sp>
+        <p:nvSpPr>
+          <p:cNvPr id="8" name="TextBox 7">
+            <a:extLst>
+              <a:ext uri="{FF2B5EF4-FFF2-40B4-BE49-F238E27FC236}">
+                <a16:creationId xmlns:a16="http://schemas.microsoft.com/office/drawing/2014/main" id="{0865379E-BA95-FC98-90A3-BD996A223D5F}"/>
+              </a:ext>
+            </a:extLst>
+          </p:cNvPr>
+          <p:cNvSpPr txBox="1"/>
+          <p:nvPr/>
+        </p:nvSpPr>
+        <p:spPr>
+          <a:xfrm>
+            <a:off x="2415277" y="1066906"/>
+            <a:ext cx="7718797" cy="1631216"/>
+          </a:xfrm>
+          <a:prstGeom prst="rect">
+            <a:avLst/>
+          </a:prstGeom>
+          <a:noFill/>
+        </p:spPr>
+        <p:txBody>
+          <a:bodyPr wrap="square" rtlCol="0">
+            <a:spAutoFit/>
+          </a:bodyPr>
+          <a:lstStyle/>
+          <a:p>
+            <a:r>
+              <a:rPr lang="en-US" sz="10000" dirty="0">
+                <a:latin typeface="Arial Rounded MT Bold" panose="020F0704030504030204" pitchFamily="34" charset="0"/>
+              </a:rPr>
+              <a:t>Link</a:t>
+            </a:r>
+          </a:p>
+        </p:txBody>
+      </p:sp>
+      <p:sp>
+        <p:nvSpPr>
+          <p:cNvPr id="9" name="TextBox 8">
+            <a:extLst>
+              <a:ext uri="{FF2B5EF4-FFF2-40B4-BE49-F238E27FC236}">
+                <a16:creationId xmlns:a16="http://schemas.microsoft.com/office/drawing/2014/main" id="{C03A5E7B-BF0B-4B16-5F8C-AEDC5A307CAA}"/>
+              </a:ext>
+            </a:extLst>
+          </p:cNvPr>
+          <p:cNvSpPr txBox="1"/>
+          <p:nvPr/>
+        </p:nvSpPr>
+        <p:spPr>
+          <a:xfrm>
+            <a:off x="2497257" y="2748572"/>
+            <a:ext cx="8223295" cy="1631216"/>
+          </a:xfrm>
+          <a:prstGeom prst="rect">
+            <a:avLst/>
+          </a:prstGeom>
+          <a:noFill/>
+        </p:spPr>
+        <p:txBody>
+          <a:bodyPr wrap="square" rtlCol="0">
+            <a:spAutoFit/>
+          </a:bodyPr>
+          <a:lstStyle/>
+          <a:p>
+            <a:pPr marL="285750" indent="-285750">
+              <a:buFont typeface="Wingdings" panose="05000000000000000000" pitchFamily="2" charset="2"/>
+              <a:buChar char="q"/>
+            </a:pPr>
+            <a:r>
+              <a:rPr lang="en-US" sz="2000" dirty="0"/>
+              <a:t>a:link - a normal, unvisited link </a:t>
+            </a:r>
+          </a:p>
+          <a:p>
+            <a:pPr marL="285750" indent="-285750">
+              <a:buFont typeface="Wingdings" panose="05000000000000000000" pitchFamily="2" charset="2"/>
+              <a:buChar char="q"/>
+            </a:pPr>
+            <a:r>
+              <a:rPr lang="en-US" sz="2000" dirty="0"/>
+              <a:t>a:visited - a link the user has visited</a:t>
+            </a:r>
+          </a:p>
+          <a:p>
+            <a:pPr marL="285750" indent="-285750">
+              <a:buFont typeface="Wingdings" panose="05000000000000000000" pitchFamily="2" charset="2"/>
+              <a:buChar char="q"/>
+            </a:pPr>
+            <a:r>
+              <a:rPr lang="en-US" sz="2000" dirty="0"/>
+              <a:t>a:hover - a link when the user mouses over it </a:t>
+            </a:r>
+          </a:p>
+          <a:p>
+            <a:pPr marL="285750" indent="-285750">
+              <a:buFont typeface="Wingdings" panose="05000000000000000000" pitchFamily="2" charset="2"/>
+              <a:buChar char="q"/>
+            </a:pPr>
+            <a:r>
+              <a:rPr lang="en-US" sz="2000" dirty="0"/>
+              <a:t>a:active - a link the moment it is clicked Icons name add</a:t>
+            </a:r>
+          </a:p>
+          <a:p>
+            <a:pPr marL="285750" indent="-285750">
+              <a:buFont typeface="Wingdings" panose="05000000000000000000" pitchFamily="2" charset="2"/>
+              <a:buChar char="q"/>
+            </a:pPr>
+            <a:r>
+              <a:rPr lang="en-US" sz="2000" dirty="0"/>
+              <a:t>background-color</a:t>
+            </a:r>
+          </a:p>
+        </p:txBody>
+      </p:sp>
+    </p:spTree>
+    <p:extLst>
+      <p:ext uri="{BB962C8B-B14F-4D97-AF65-F5344CB8AC3E}">
+        <p14:creationId xmlns:p14="http://schemas.microsoft.com/office/powerpoint/2010/main" val="1620007728"/>
+      </p:ext>
+    </p:extLst>
+  </p:cSld>
+  <p:clrMapOvr>
+    <a:masterClrMapping/>
+  </p:clrMapOvr>
+</p:sld>
+</file>
+
 <file path=ppt/theme/theme1.xml><?xml version="1.0" encoding="utf-8"?>
 <a:theme xmlns:a="http://schemas.openxmlformats.org/drawingml/2006/main" name="Circuit">
   <a:themeElements>

--- a/Presentation/CSS_pre.pptx
+++ b/Presentation/CSS_pre.pptx
@@ -8,6 +8,7 @@
     <p:sldId id="256" r:id="rId2"/>
     <p:sldId id="258" r:id="rId3"/>
     <p:sldId id="259" r:id="rId4"/>
+    <p:sldId id="260" r:id="rId5"/>
   </p:sldIdLst>
   <p:sldSz cx="12192000" cy="6858000"/>
   <p:notesSz cx="6858000" cy="9144000"/>
@@ -164,7 +165,7 @@
           <a:noFill/>
           <a:extLst>
             <a:ext uri="{909E8E84-426E-40dd-AFC4-6F175D3DCCD1}">
-              <a14:hiddenFill xmlns="" xmlns:a14="http://schemas.microsoft.com/office/drawing/2010/main">
+              <a14:hiddenFill xmlns:a14="http://schemas.microsoft.com/office/drawing/2010/main" xmlns="">
                 <a:solidFill>
                   <a:srgbClr val="FFFFFF"/>
                 </a:solidFill>
@@ -224,7 +225,7 @@
             </a:ln>
             <a:extLst>
               <a:ext uri="{91240B29-F687-4f45-9708-019B960494DF}">
-                <a14:hiddenLine xmlns="" xmlns:a14="http://schemas.microsoft.com/office/drawing/2010/main" w="9525">
+                <a14:hiddenLine xmlns:a14="http://schemas.microsoft.com/office/drawing/2010/main" xmlns="" w="9525">
                   <a:solidFill>
                     <a:srgbClr val="000000"/>
                   </a:solidFill>
@@ -314,7 +315,7 @@
             </a:ln>
             <a:extLst>
               <a:ext uri="{91240B29-F687-4f45-9708-019B960494DF}">
-                <a14:hiddenLine xmlns="" xmlns:a14="http://schemas.microsoft.com/office/drawing/2010/main" w="9525">
+                <a14:hiddenLine xmlns:a14="http://schemas.microsoft.com/office/drawing/2010/main" xmlns="" w="9525">
                   <a:solidFill>
                     <a:srgbClr val="000000"/>
                   </a:solidFill>
@@ -404,7 +405,7 @@
             </a:ln>
             <a:extLst>
               <a:ext uri="{91240B29-F687-4f45-9708-019B960494DF}">
-                <a14:hiddenLine xmlns="" xmlns:a14="http://schemas.microsoft.com/office/drawing/2010/main" w="9525">
+                <a14:hiddenLine xmlns:a14="http://schemas.microsoft.com/office/drawing/2010/main" xmlns="" w="9525">
                   <a:solidFill>
                     <a:srgbClr val="000000"/>
                   </a:solidFill>
@@ -438,7 +439,7 @@
             </a:ln>
             <a:extLst>
               <a:ext uri="{91240B29-F687-4f45-9708-019B960494DF}">
-                <a14:hiddenLine xmlns="" xmlns:a14="http://schemas.microsoft.com/office/drawing/2010/main" w="9525">
+                <a14:hiddenLine xmlns:a14="http://schemas.microsoft.com/office/drawing/2010/main" xmlns="" w="9525">
                   <a:solidFill>
                     <a:srgbClr val="000000"/>
                   </a:solidFill>
@@ -528,7 +529,7 @@
             </a:ln>
             <a:extLst>
               <a:ext uri="{91240B29-F687-4f45-9708-019B960494DF}">
-                <a14:hiddenLine xmlns="" xmlns:a14="http://schemas.microsoft.com/office/drawing/2010/main" w="9525">
+                <a14:hiddenLine xmlns:a14="http://schemas.microsoft.com/office/drawing/2010/main" xmlns="" w="9525">
                   <a:solidFill>
                     <a:srgbClr val="000000"/>
                   </a:solidFill>
@@ -590,7 +591,7 @@
             </a:ln>
             <a:extLst>
               <a:ext uri="{91240B29-F687-4f45-9708-019B960494DF}">
-                <a14:hiddenLine xmlns="" xmlns:a14="http://schemas.microsoft.com/office/drawing/2010/main" w="9525">
+                <a14:hiddenLine xmlns:a14="http://schemas.microsoft.com/office/drawing/2010/main" xmlns="" w="9525">
                   <a:solidFill>
                     <a:srgbClr val="000000"/>
                   </a:solidFill>
@@ -652,7 +653,7 @@
             </a:ln>
             <a:extLst>
               <a:ext uri="{91240B29-F687-4f45-9708-019B960494DF}">
-                <a14:hiddenLine xmlns="" xmlns:a14="http://schemas.microsoft.com/office/drawing/2010/main" w="9525">
+                <a14:hiddenLine xmlns:a14="http://schemas.microsoft.com/office/drawing/2010/main" xmlns="" w="9525">
                   <a:solidFill>
                     <a:srgbClr val="000000"/>
                   </a:solidFill>
@@ -742,7 +743,7 @@
             </a:ln>
             <a:extLst>
               <a:ext uri="{91240B29-F687-4f45-9708-019B960494DF}">
-                <a14:hiddenLine xmlns="" xmlns:a14="http://schemas.microsoft.com/office/drawing/2010/main" w="9525">
+                <a14:hiddenLine xmlns:a14="http://schemas.microsoft.com/office/drawing/2010/main" xmlns="" w="9525">
                   <a:solidFill>
                     <a:srgbClr val="000000"/>
                   </a:solidFill>
@@ -804,7 +805,7 @@
             </a:ln>
             <a:extLst>
               <a:ext uri="{91240B29-F687-4f45-9708-019B960494DF}">
-                <a14:hiddenLine xmlns="" xmlns:a14="http://schemas.microsoft.com/office/drawing/2010/main" w="9525">
+                <a14:hiddenLine xmlns:a14="http://schemas.microsoft.com/office/drawing/2010/main" xmlns="" w="9525">
                   <a:solidFill>
                     <a:srgbClr val="000000"/>
                   </a:solidFill>
@@ -866,7 +867,7 @@
             </a:ln>
             <a:extLst>
               <a:ext uri="{91240B29-F687-4f45-9708-019B960494DF}">
-                <a14:hiddenLine xmlns="" xmlns:a14="http://schemas.microsoft.com/office/drawing/2010/main" w="9525">
+                <a14:hiddenLine xmlns:a14="http://schemas.microsoft.com/office/drawing/2010/main" xmlns="" w="9525">
                   <a:solidFill>
                     <a:srgbClr val="000000"/>
                   </a:solidFill>
@@ -956,7 +957,7 @@
             </a:ln>
             <a:extLst>
               <a:ext uri="{91240B29-F687-4f45-9708-019B960494DF}">
-                <a14:hiddenLine xmlns="" xmlns:a14="http://schemas.microsoft.com/office/drawing/2010/main" w="9525">
+                <a14:hiddenLine xmlns:a14="http://schemas.microsoft.com/office/drawing/2010/main" xmlns="" w="9525">
                   <a:solidFill>
                     <a:srgbClr val="000000"/>
                   </a:solidFill>
@@ -1046,7 +1047,7 @@
             </a:ln>
             <a:extLst>
               <a:ext uri="{91240B29-F687-4f45-9708-019B960494DF}">
-                <a14:hiddenLine xmlns="" xmlns:a14="http://schemas.microsoft.com/office/drawing/2010/main" w="9525">
+                <a14:hiddenLine xmlns:a14="http://schemas.microsoft.com/office/drawing/2010/main" xmlns="" w="9525">
                   <a:solidFill>
                     <a:srgbClr val="000000"/>
                   </a:solidFill>
@@ -1108,7 +1109,7 @@
             </a:ln>
             <a:extLst>
               <a:ext uri="{91240B29-F687-4f45-9708-019B960494DF}">
-                <a14:hiddenLine xmlns="" xmlns:a14="http://schemas.microsoft.com/office/drawing/2010/main" w="9525">
+                <a14:hiddenLine xmlns:a14="http://schemas.microsoft.com/office/drawing/2010/main" xmlns="" w="9525">
                   <a:solidFill>
                     <a:srgbClr val="000000"/>
                   </a:solidFill>
@@ -1218,7 +1219,7 @@
             </a:ln>
             <a:extLst>
               <a:ext uri="{91240B29-F687-4f45-9708-019B960494DF}">
-                <a14:hiddenLine xmlns="" xmlns:a14="http://schemas.microsoft.com/office/drawing/2010/main" w="9525">
+                <a14:hiddenLine xmlns:a14="http://schemas.microsoft.com/office/drawing/2010/main" xmlns="" w="9525">
                   <a:solidFill>
                     <a:srgbClr val="000000"/>
                   </a:solidFill>
@@ -1280,7 +1281,7 @@
             </a:ln>
             <a:extLst>
               <a:ext uri="{91240B29-F687-4f45-9708-019B960494DF}">
-                <a14:hiddenLine xmlns="" xmlns:a14="http://schemas.microsoft.com/office/drawing/2010/main" w="9525">
+                <a14:hiddenLine xmlns:a14="http://schemas.microsoft.com/office/drawing/2010/main" xmlns="" w="9525">
                   <a:solidFill>
                     <a:srgbClr val="000000"/>
                   </a:solidFill>
@@ -1370,7 +1371,7 @@
             </a:ln>
             <a:extLst>
               <a:ext uri="{91240B29-F687-4f45-9708-019B960494DF}">
-                <a14:hiddenLine xmlns="" xmlns:a14="http://schemas.microsoft.com/office/drawing/2010/main" w="9525">
+                <a14:hiddenLine xmlns:a14="http://schemas.microsoft.com/office/drawing/2010/main" xmlns="" w="9525">
                   <a:solidFill>
                     <a:srgbClr val="000000"/>
                   </a:solidFill>
@@ -1460,7 +1461,7 @@
             </a:ln>
             <a:extLst>
               <a:ext uri="{91240B29-F687-4f45-9708-019B960494DF}">
-                <a14:hiddenLine xmlns="" xmlns:a14="http://schemas.microsoft.com/office/drawing/2010/main" w="9525">
+                <a14:hiddenLine xmlns:a14="http://schemas.microsoft.com/office/drawing/2010/main" xmlns="" w="9525">
                   <a:solidFill>
                     <a:srgbClr val="000000"/>
                   </a:solidFill>
@@ -1522,7 +1523,7 @@
             </a:ln>
             <a:extLst>
               <a:ext uri="{91240B29-F687-4f45-9708-019B960494DF}">
-                <a14:hiddenLine xmlns="" xmlns:a14="http://schemas.microsoft.com/office/drawing/2010/main" w="9525">
+                <a14:hiddenLine xmlns:a14="http://schemas.microsoft.com/office/drawing/2010/main" xmlns="" w="9525">
                   <a:solidFill>
                     <a:srgbClr val="000000"/>
                   </a:solidFill>
@@ -1612,7 +1613,7 @@
             </a:ln>
             <a:extLst>
               <a:ext uri="{91240B29-F687-4f45-9708-019B960494DF}">
-                <a14:hiddenLine xmlns="" xmlns:a14="http://schemas.microsoft.com/office/drawing/2010/main" w="9525">
+                <a14:hiddenLine xmlns:a14="http://schemas.microsoft.com/office/drawing/2010/main" xmlns="" w="9525">
                   <a:solidFill>
                     <a:srgbClr val="000000"/>
                   </a:solidFill>
@@ -1702,7 +1703,7 @@
             </a:ln>
             <a:extLst>
               <a:ext uri="{91240B29-F687-4f45-9708-019B960494DF}">
-                <a14:hiddenLine xmlns="" xmlns:a14="http://schemas.microsoft.com/office/drawing/2010/main" w="9525">
+                <a14:hiddenLine xmlns:a14="http://schemas.microsoft.com/office/drawing/2010/main" xmlns="" w="9525">
                   <a:solidFill>
                     <a:srgbClr val="000000"/>
                   </a:solidFill>
@@ -1758,7 +1759,7 @@
             </a:ln>
             <a:extLst>
               <a:ext uri="{91240B29-F687-4f45-9708-019B960494DF}">
-                <a14:hiddenLine xmlns="" xmlns:a14="http://schemas.microsoft.com/office/drawing/2010/main" w="9525">
+                <a14:hiddenLine xmlns:a14="http://schemas.microsoft.com/office/drawing/2010/main" xmlns="" w="9525">
                   <a:solidFill>
                     <a:srgbClr val="000000"/>
                   </a:solidFill>
@@ -1848,7 +1849,7 @@
             </a:ln>
             <a:extLst>
               <a:ext uri="{91240B29-F687-4f45-9708-019B960494DF}">
-                <a14:hiddenLine xmlns="" xmlns:a14="http://schemas.microsoft.com/office/drawing/2010/main" w="9525">
+                <a14:hiddenLine xmlns:a14="http://schemas.microsoft.com/office/drawing/2010/main" xmlns="" w="9525">
                   <a:solidFill>
                     <a:srgbClr val="000000"/>
                   </a:solidFill>
@@ -1904,7 +1905,7 @@
             </a:ln>
             <a:extLst>
               <a:ext uri="{91240B29-F687-4f45-9708-019B960494DF}">
-                <a14:hiddenLine xmlns="" xmlns:a14="http://schemas.microsoft.com/office/drawing/2010/main" w="9525">
+                <a14:hiddenLine xmlns:a14="http://schemas.microsoft.com/office/drawing/2010/main" xmlns="" w="9525">
                   <a:solidFill>
                     <a:srgbClr val="000000"/>
                   </a:solidFill>
@@ -1994,7 +1995,7 @@
             </a:ln>
             <a:extLst>
               <a:ext uri="{91240B29-F687-4f45-9708-019B960494DF}">
-                <a14:hiddenLine xmlns="" xmlns:a14="http://schemas.microsoft.com/office/drawing/2010/main" w="9525">
+                <a14:hiddenLine xmlns:a14="http://schemas.microsoft.com/office/drawing/2010/main" xmlns="" w="9525">
                   <a:solidFill>
                     <a:srgbClr val="000000"/>
                   </a:solidFill>
@@ -2062,7 +2063,7 @@
             </a:ln>
             <a:extLst>
               <a:ext uri="{91240B29-F687-4f45-9708-019B960494DF}">
-                <a14:hiddenLine xmlns="" xmlns:a14="http://schemas.microsoft.com/office/drawing/2010/main" w="9525">
+                <a14:hiddenLine xmlns:a14="http://schemas.microsoft.com/office/drawing/2010/main" xmlns="" w="9525">
                   <a:solidFill>
                     <a:srgbClr val="000000"/>
                   </a:solidFill>
@@ -2152,7 +2153,7 @@
             </a:ln>
             <a:extLst>
               <a:ext uri="{91240B29-F687-4f45-9708-019B960494DF}">
-                <a14:hiddenLine xmlns="" xmlns:a14="http://schemas.microsoft.com/office/drawing/2010/main" w="9525">
+                <a14:hiddenLine xmlns:a14="http://schemas.microsoft.com/office/drawing/2010/main" xmlns="" w="9525">
                   <a:solidFill>
                     <a:srgbClr val="000000"/>
                   </a:solidFill>
@@ -2220,7 +2221,7 @@
             </a:ln>
             <a:extLst>
               <a:ext uri="{91240B29-F687-4f45-9708-019B960494DF}">
-                <a14:hiddenLine xmlns="" xmlns:a14="http://schemas.microsoft.com/office/drawing/2010/main" w="9525">
+                <a14:hiddenLine xmlns:a14="http://schemas.microsoft.com/office/drawing/2010/main" xmlns="" w="9525">
                   <a:solidFill>
                     <a:srgbClr val="000000"/>
                   </a:solidFill>
@@ -2310,7 +2311,7 @@
             </a:ln>
             <a:extLst>
               <a:ext uri="{91240B29-F687-4f45-9708-019B960494DF}">
-                <a14:hiddenLine xmlns="" xmlns:a14="http://schemas.microsoft.com/office/drawing/2010/main" w="9525">
+                <a14:hiddenLine xmlns:a14="http://schemas.microsoft.com/office/drawing/2010/main" xmlns="" w="9525">
                   <a:solidFill>
                     <a:srgbClr val="000000"/>
                   </a:solidFill>
@@ -2344,7 +2345,7 @@
             </a:ln>
             <a:extLst>
               <a:ext uri="{91240B29-F687-4f45-9708-019B960494DF}">
-                <a14:hiddenLine xmlns="" xmlns:a14="http://schemas.microsoft.com/office/drawing/2010/main" w="9525">
+                <a14:hiddenLine xmlns:a14="http://schemas.microsoft.com/office/drawing/2010/main" xmlns="" w="9525">
                   <a:solidFill>
                     <a:srgbClr val="000000"/>
                   </a:solidFill>
@@ -2434,7 +2435,7 @@
             </a:ln>
             <a:extLst>
               <a:ext uri="{91240B29-F687-4f45-9708-019B960494DF}">
-                <a14:hiddenLine xmlns="" xmlns:a14="http://schemas.microsoft.com/office/drawing/2010/main" w="9525">
+                <a14:hiddenLine xmlns:a14="http://schemas.microsoft.com/office/drawing/2010/main" xmlns="" w="9525">
                   <a:solidFill>
                     <a:srgbClr val="000000"/>
                   </a:solidFill>
@@ -2496,7 +2497,7 @@
             </a:ln>
             <a:extLst>
               <a:ext uri="{91240B29-F687-4f45-9708-019B960494DF}">
-                <a14:hiddenLine xmlns="" xmlns:a14="http://schemas.microsoft.com/office/drawing/2010/main" w="9525">
+                <a14:hiddenLine xmlns:a14="http://schemas.microsoft.com/office/drawing/2010/main" xmlns="" w="9525">
                   <a:solidFill>
                     <a:srgbClr val="000000"/>
                   </a:solidFill>
@@ -2558,7 +2559,7 @@
             </a:ln>
             <a:extLst>
               <a:ext uri="{91240B29-F687-4f45-9708-019B960494DF}">
-                <a14:hiddenLine xmlns="" xmlns:a14="http://schemas.microsoft.com/office/drawing/2010/main" w="9525">
+                <a14:hiddenLine xmlns:a14="http://schemas.microsoft.com/office/drawing/2010/main" xmlns="" w="9525">
                   <a:solidFill>
                     <a:srgbClr val="000000"/>
                   </a:solidFill>
@@ -2648,7 +2649,7 @@
             </a:ln>
             <a:extLst>
               <a:ext uri="{91240B29-F687-4f45-9708-019B960494DF}">
-                <a14:hiddenLine xmlns="" xmlns:a14="http://schemas.microsoft.com/office/drawing/2010/main" w="9525">
+                <a14:hiddenLine xmlns:a14="http://schemas.microsoft.com/office/drawing/2010/main" xmlns="" w="9525">
                   <a:solidFill>
                     <a:srgbClr val="000000"/>
                   </a:solidFill>
@@ -2716,7 +2717,7 @@
             </a:ln>
             <a:extLst>
               <a:ext uri="{91240B29-F687-4f45-9708-019B960494DF}">
-                <a14:hiddenLine xmlns="" xmlns:a14="http://schemas.microsoft.com/office/drawing/2010/main" w="9525">
+                <a14:hiddenLine xmlns:a14="http://schemas.microsoft.com/office/drawing/2010/main" xmlns="" w="9525">
                   <a:solidFill>
                     <a:srgbClr val="000000"/>
                   </a:solidFill>
@@ -2778,7 +2779,7 @@
             </a:ln>
             <a:extLst>
               <a:ext uri="{91240B29-F687-4f45-9708-019B960494DF}">
-                <a14:hiddenLine xmlns="" xmlns:a14="http://schemas.microsoft.com/office/drawing/2010/main" w="9525">
+                <a14:hiddenLine xmlns:a14="http://schemas.microsoft.com/office/drawing/2010/main" xmlns="" w="9525">
                   <a:solidFill>
                     <a:srgbClr val="000000"/>
                   </a:solidFill>
@@ -2868,7 +2869,7 @@
             </a:ln>
             <a:extLst>
               <a:ext uri="{91240B29-F687-4f45-9708-019B960494DF}">
-                <a14:hiddenLine xmlns="" xmlns:a14="http://schemas.microsoft.com/office/drawing/2010/main" w="9525">
+                <a14:hiddenLine xmlns:a14="http://schemas.microsoft.com/office/drawing/2010/main" xmlns="" w="9525">
                   <a:solidFill>
                     <a:srgbClr val="000000"/>
                   </a:solidFill>
@@ -2930,7 +2931,7 @@
             </a:ln>
             <a:extLst>
               <a:ext uri="{91240B29-F687-4f45-9708-019B960494DF}">
-                <a14:hiddenLine xmlns="" xmlns:a14="http://schemas.microsoft.com/office/drawing/2010/main" w="9525">
+                <a14:hiddenLine xmlns:a14="http://schemas.microsoft.com/office/drawing/2010/main" xmlns="" w="9525">
                   <a:solidFill>
                     <a:srgbClr val="000000"/>
                   </a:solidFill>
@@ -3020,7 +3021,7 @@
             </a:ln>
             <a:extLst>
               <a:ext uri="{91240B29-F687-4f45-9708-019B960494DF}">
-                <a14:hiddenLine xmlns="" xmlns:a14="http://schemas.microsoft.com/office/drawing/2010/main" w="9525">
+                <a14:hiddenLine xmlns:a14="http://schemas.microsoft.com/office/drawing/2010/main" xmlns="" w="9525">
                   <a:solidFill>
                     <a:srgbClr val="000000"/>
                   </a:solidFill>
@@ -3082,7 +3083,7 @@
             </a:ln>
             <a:extLst>
               <a:ext uri="{91240B29-F687-4f45-9708-019B960494DF}">
-                <a14:hiddenLine xmlns="" xmlns:a14="http://schemas.microsoft.com/office/drawing/2010/main" w="9525">
+                <a14:hiddenLine xmlns:a14="http://schemas.microsoft.com/office/drawing/2010/main" xmlns="" w="9525">
                   <a:solidFill>
                     <a:srgbClr val="000000"/>
                   </a:solidFill>
@@ -3172,7 +3173,7 @@
             </a:ln>
             <a:extLst>
               <a:ext uri="{91240B29-F687-4f45-9708-019B960494DF}">
-                <a14:hiddenLine xmlns="" xmlns:a14="http://schemas.microsoft.com/office/drawing/2010/main" w="9525">
+                <a14:hiddenLine xmlns:a14="http://schemas.microsoft.com/office/drawing/2010/main" xmlns="" w="9525">
                   <a:solidFill>
                     <a:srgbClr val="000000"/>
                   </a:solidFill>
@@ -3206,7 +3207,7 @@
             </a:ln>
             <a:extLst>
               <a:ext uri="{91240B29-F687-4f45-9708-019B960494DF}">
-                <a14:hiddenLine xmlns="" xmlns:a14="http://schemas.microsoft.com/office/drawing/2010/main" w="9525">
+                <a14:hiddenLine xmlns:a14="http://schemas.microsoft.com/office/drawing/2010/main" xmlns="" w="9525">
                   <a:solidFill>
                     <a:srgbClr val="000000"/>
                   </a:solidFill>
@@ -3271,7 +3272,7 @@
             </a:ln>
             <a:extLst>
               <a:ext uri="{91240B29-F687-4f45-9708-019B960494DF}">
-                <a14:hiddenLine xmlns="" xmlns:a14="http://schemas.microsoft.com/office/drawing/2010/main" w="9525">
+                <a14:hiddenLine xmlns:a14="http://schemas.microsoft.com/office/drawing/2010/main" xmlns="" w="9525">
                   <a:solidFill>
                     <a:srgbClr val="000000"/>
                   </a:solidFill>
@@ -3361,7 +3362,7 @@
             </a:ln>
             <a:extLst>
               <a:ext uri="{91240B29-F687-4f45-9708-019B960494DF}">
-                <a14:hiddenLine xmlns="" xmlns:a14="http://schemas.microsoft.com/office/drawing/2010/main" w="9525">
+                <a14:hiddenLine xmlns:a14="http://schemas.microsoft.com/office/drawing/2010/main" xmlns="" w="9525">
                   <a:solidFill>
                     <a:srgbClr val="000000"/>
                   </a:solidFill>
@@ -3423,7 +3424,7 @@
             </a:ln>
             <a:extLst>
               <a:ext uri="{91240B29-F687-4f45-9708-019B960494DF}">
-                <a14:hiddenLine xmlns="" xmlns:a14="http://schemas.microsoft.com/office/drawing/2010/main" w="9525">
+                <a14:hiddenLine xmlns:a14="http://schemas.microsoft.com/office/drawing/2010/main" xmlns="" w="9525">
                   <a:solidFill>
                     <a:srgbClr val="000000"/>
                   </a:solidFill>
@@ -3513,7 +3514,7 @@
             </a:ln>
             <a:extLst>
               <a:ext uri="{91240B29-F687-4f45-9708-019B960494DF}">
-                <a14:hiddenLine xmlns="" xmlns:a14="http://schemas.microsoft.com/office/drawing/2010/main" w="9525">
+                <a14:hiddenLine xmlns:a14="http://schemas.microsoft.com/office/drawing/2010/main" xmlns="" w="9525">
                   <a:solidFill>
                     <a:srgbClr val="000000"/>
                   </a:solidFill>
@@ -3603,7 +3604,7 @@
             </a:ln>
             <a:extLst>
               <a:ext uri="{91240B29-F687-4f45-9708-019B960494DF}">
-                <a14:hiddenLine xmlns="" xmlns:a14="http://schemas.microsoft.com/office/drawing/2010/main" w="9525">
+                <a14:hiddenLine xmlns:a14="http://schemas.microsoft.com/office/drawing/2010/main" xmlns="" w="9525">
                   <a:solidFill>
                     <a:srgbClr val="000000"/>
                   </a:solidFill>
@@ -3668,7 +3669,7 @@
             </a:ln>
             <a:extLst>
               <a:ext uri="{91240B29-F687-4f45-9708-019B960494DF}">
-                <a14:hiddenLine xmlns="" xmlns:a14="http://schemas.microsoft.com/office/drawing/2010/main" w="9525">
+                <a14:hiddenLine xmlns:a14="http://schemas.microsoft.com/office/drawing/2010/main" xmlns="" w="9525">
                   <a:solidFill>
                     <a:srgbClr val="000000"/>
                   </a:solidFill>
@@ -3730,7 +3731,7 @@
             </a:ln>
             <a:extLst>
               <a:ext uri="{91240B29-F687-4f45-9708-019B960494DF}">
-                <a14:hiddenLine xmlns="" xmlns:a14="http://schemas.microsoft.com/office/drawing/2010/main" w="9525">
+                <a14:hiddenLine xmlns:a14="http://schemas.microsoft.com/office/drawing/2010/main" xmlns="" w="9525">
                   <a:solidFill>
                     <a:srgbClr val="000000"/>
                   </a:solidFill>
@@ -3820,7 +3821,7 @@
             </a:ln>
             <a:extLst>
               <a:ext uri="{91240B29-F687-4f45-9708-019B960494DF}">
-                <a14:hiddenLine xmlns="" xmlns:a14="http://schemas.microsoft.com/office/drawing/2010/main" w="9525">
+                <a14:hiddenLine xmlns:a14="http://schemas.microsoft.com/office/drawing/2010/main" xmlns="" w="9525">
                   <a:solidFill>
                     <a:srgbClr val="000000"/>
                   </a:solidFill>
@@ -3910,7 +3911,7 @@
             </a:ln>
             <a:extLst>
               <a:ext uri="{91240B29-F687-4f45-9708-019B960494DF}">
-                <a14:hiddenLine xmlns="" xmlns:a14="http://schemas.microsoft.com/office/drawing/2010/main" w="9525">
+                <a14:hiddenLine xmlns:a14="http://schemas.microsoft.com/office/drawing/2010/main" xmlns="" w="9525">
                   <a:solidFill>
                     <a:srgbClr val="000000"/>
                   </a:solidFill>
@@ -3972,7 +3973,7 @@
             </a:ln>
             <a:extLst>
               <a:ext uri="{91240B29-F687-4f45-9708-019B960494DF}">
-                <a14:hiddenLine xmlns="" xmlns:a14="http://schemas.microsoft.com/office/drawing/2010/main" w="9525">
+                <a14:hiddenLine xmlns:a14="http://schemas.microsoft.com/office/drawing/2010/main" xmlns="" w="9525">
                   <a:solidFill>
                     <a:srgbClr val="000000"/>
                   </a:solidFill>
@@ -4092,7 +4093,7 @@
             </a:ln>
             <a:extLst>
               <a:ext uri="{91240B29-F687-4f45-9708-019B960494DF}">
-                <a14:hiddenLine xmlns="" xmlns:a14="http://schemas.microsoft.com/office/drawing/2010/main" w="9525">
+                <a14:hiddenLine xmlns:a14="http://schemas.microsoft.com/office/drawing/2010/main" xmlns="" w="9525">
                   <a:solidFill>
                     <a:srgbClr val="000000"/>
                   </a:solidFill>
@@ -4160,7 +4161,7 @@
             </a:ln>
             <a:extLst>
               <a:ext uri="{91240B29-F687-4f45-9708-019B960494DF}">
-                <a14:hiddenLine xmlns="" xmlns:a14="http://schemas.microsoft.com/office/drawing/2010/main" w="9525">
+                <a14:hiddenLine xmlns:a14="http://schemas.microsoft.com/office/drawing/2010/main" xmlns="" w="9525">
                   <a:solidFill>
                     <a:srgbClr val="000000"/>
                   </a:solidFill>
@@ -4250,7 +4251,7 @@
             </a:ln>
             <a:extLst>
               <a:ext uri="{91240B29-F687-4f45-9708-019B960494DF}">
-                <a14:hiddenLine xmlns="" xmlns:a14="http://schemas.microsoft.com/office/drawing/2010/main" w="9525">
+                <a14:hiddenLine xmlns:a14="http://schemas.microsoft.com/office/drawing/2010/main" xmlns="" w="9525">
                   <a:solidFill>
                     <a:srgbClr val="000000"/>
                   </a:solidFill>
@@ -4390,7 +4391,7 @@
           <a:p>
             <a:fld id="{48A87A34-81AB-432B-8DAE-1953F412C126}" type="datetimeFigureOut">
               <a:rPr lang="en-US" dirty="0"/>
-              <a:t>11/5/2023</a:t>
+              <a:t>11/6/2023</a:t>
             </a:fld>
             <a:endParaRPr lang="en-US" dirty="0"/>
           </a:p>
@@ -4652,7 +4653,7 @@
           <a:p>
             <a:fld id="{48A87A34-81AB-432B-8DAE-1953F412C126}" type="datetimeFigureOut">
               <a:rPr lang="en-US" dirty="0"/>
-              <a:t>11/5/2023</a:t>
+              <a:t>11/6/2023</a:t>
             </a:fld>
             <a:endParaRPr lang="en-US" dirty="0"/>
           </a:p>
@@ -4843,7 +4844,7 @@
           <a:p>
             <a:fld id="{48A87A34-81AB-432B-8DAE-1953F412C126}" type="datetimeFigureOut">
               <a:rPr lang="en-US" dirty="0"/>
-              <a:t>11/5/2023</a:t>
+              <a:t>11/6/2023</a:t>
             </a:fld>
             <a:endParaRPr lang="en-US" dirty="0"/>
           </a:p>
@@ -5101,7 +5102,7 @@
           <a:p>
             <a:fld id="{48A87A34-81AB-432B-8DAE-1953F412C126}" type="datetimeFigureOut">
               <a:rPr lang="en-US" dirty="0"/>
-              <a:t>11/5/2023</a:t>
+              <a:t>11/6/2023</a:t>
             </a:fld>
             <a:endParaRPr lang="en-US" dirty="0"/>
           </a:p>
@@ -5530,7 +5531,7 @@
           <a:p>
             <a:fld id="{48A87A34-81AB-432B-8DAE-1953F412C126}" type="datetimeFigureOut">
               <a:rPr lang="en-US" dirty="0"/>
-              <a:t>11/5/2023</a:t>
+              <a:t>11/6/2023</a:t>
             </a:fld>
             <a:endParaRPr lang="en-US" dirty="0"/>
           </a:p>
@@ -6071,7 +6072,7 @@
           <a:p>
             <a:fld id="{48A87A34-81AB-432B-8DAE-1953F412C126}" type="datetimeFigureOut">
               <a:rPr lang="en-US" dirty="0"/>
-              <a:t>11/5/2023</a:t>
+              <a:t>11/6/2023</a:t>
             </a:fld>
             <a:endParaRPr lang="en-US" dirty="0"/>
           </a:p>
@@ -6786,7 +6787,7 @@
           <a:p>
             <a:fld id="{48A87A34-81AB-432B-8DAE-1953F412C126}" type="datetimeFigureOut">
               <a:rPr lang="en-US" dirty="0"/>
-              <a:t>11/5/2023</a:t>
+              <a:t>11/6/2023</a:t>
             </a:fld>
             <a:endParaRPr lang="en-US" dirty="0"/>
           </a:p>
@@ -6951,7 +6952,7 @@
           <a:p>
             <a:fld id="{48A87A34-81AB-432B-8DAE-1953F412C126}" type="datetimeFigureOut">
               <a:rPr lang="en-US" dirty="0"/>
-              <a:t>11/5/2023</a:t>
+              <a:t>11/6/2023</a:t>
             </a:fld>
             <a:endParaRPr lang="en-US" dirty="0"/>
           </a:p>
@@ -7126,7 +7127,7 @@
           <a:p>
             <a:fld id="{48A87A34-81AB-432B-8DAE-1953F412C126}" type="datetimeFigureOut">
               <a:rPr lang="en-US" dirty="0"/>
-              <a:t>11/5/2023</a:t>
+              <a:t>11/6/2023</a:t>
             </a:fld>
             <a:endParaRPr lang="en-US" dirty="0"/>
           </a:p>
@@ -7291,7 +7292,7 @@
           <a:p>
             <a:fld id="{48A87A34-81AB-432B-8DAE-1953F412C126}" type="datetimeFigureOut">
               <a:rPr lang="en-US" dirty="0"/>
-              <a:t>11/5/2023</a:t>
+              <a:t>11/6/2023</a:t>
             </a:fld>
             <a:endParaRPr lang="en-US" dirty="0"/>
           </a:p>
@@ -7536,7 +7537,7 @@
           <a:p>
             <a:fld id="{48A87A34-81AB-432B-8DAE-1953F412C126}" type="datetimeFigureOut">
               <a:rPr lang="en-US" dirty="0"/>
-              <a:t>11/5/2023</a:t>
+              <a:t>11/6/2023</a:t>
             </a:fld>
             <a:endParaRPr lang="en-US" dirty="0"/>
           </a:p>
@@ -7763,7 +7764,7 @@
           <a:p>
             <a:fld id="{48A87A34-81AB-432B-8DAE-1953F412C126}" type="datetimeFigureOut">
               <a:rPr lang="en-US" dirty="0"/>
-              <a:t>11/5/2023</a:t>
+              <a:t>11/6/2023</a:t>
             </a:fld>
             <a:endParaRPr lang="en-US" dirty="0"/>
           </a:p>
@@ -8139,7 +8140,7 @@
           <a:p>
             <a:fld id="{48A87A34-81AB-432B-8DAE-1953F412C126}" type="datetimeFigureOut">
               <a:rPr lang="en-US" dirty="0"/>
-              <a:t>11/5/2023</a:t>
+              <a:t>11/6/2023</a:t>
             </a:fld>
             <a:endParaRPr lang="en-US" dirty="0"/>
           </a:p>
@@ -8252,7 +8253,7 @@
           <a:p>
             <a:fld id="{48A87A34-81AB-432B-8DAE-1953F412C126}" type="datetimeFigureOut">
               <a:rPr lang="en-US" dirty="0"/>
-              <a:t>11/5/2023</a:t>
+              <a:t>11/6/2023</a:t>
             </a:fld>
             <a:endParaRPr lang="en-US" dirty="0"/>
           </a:p>
@@ -8342,7 +8343,7 @@
           <a:p>
             <a:fld id="{48A87A34-81AB-432B-8DAE-1953F412C126}" type="datetimeFigureOut">
               <a:rPr lang="en-US" dirty="0"/>
-              <a:t>11/5/2023</a:t>
+              <a:t>11/6/2023</a:t>
             </a:fld>
             <a:endParaRPr lang="en-US" dirty="0"/>
           </a:p>
@@ -8586,7 +8587,7 @@
           <a:p>
             <a:fld id="{48A87A34-81AB-432B-8DAE-1953F412C126}" type="datetimeFigureOut">
               <a:rPr lang="en-US" dirty="0"/>
-              <a:t>11/5/2023</a:t>
+              <a:t>11/6/2023</a:t>
             </a:fld>
             <a:endParaRPr lang="en-US" dirty="0"/>
           </a:p>
@@ -8861,7 +8862,7 @@
           <a:p>
             <a:fld id="{48A87A34-81AB-432B-8DAE-1953F412C126}" type="datetimeFigureOut">
               <a:rPr lang="en-US" dirty="0"/>
-              <a:t>11/5/2023</a:t>
+              <a:t>11/6/2023</a:t>
             </a:fld>
             <a:endParaRPr lang="en-US" dirty="0"/>
           </a:p>
@@ -8972,7 +8973,7 @@
           <a:noFill/>
           <a:extLst>
             <a:ext uri="{909E8E84-426E-40dd-AFC4-6F175D3DCCD1}">
-              <a14:hiddenFill xmlns="" xmlns:a14="http://schemas.microsoft.com/office/drawing/2010/main">
+              <a14:hiddenFill xmlns:a14="http://schemas.microsoft.com/office/drawing/2010/main" xmlns="">
                 <a:solidFill>
                   <a:srgbClr val="FFFFFF"/>
                 </a:solidFill>
@@ -9046,7 +9047,7 @@
               </a:ln>
               <a:extLst>
                 <a:ext uri="{91240B29-F687-4f45-9708-019B960494DF}">
-                  <a14:hiddenLine xmlns="" xmlns:a14="http://schemas.microsoft.com/office/drawing/2010/main" w="9525">
+                  <a14:hiddenLine xmlns:a14="http://schemas.microsoft.com/office/drawing/2010/main" xmlns="" w="9525">
                     <a:solidFill>
                       <a:srgbClr val="000000"/>
                     </a:solidFill>
@@ -9136,7 +9137,7 @@
               </a:ln>
               <a:extLst>
                 <a:ext uri="{91240B29-F687-4f45-9708-019B960494DF}">
-                  <a14:hiddenLine xmlns="" xmlns:a14="http://schemas.microsoft.com/office/drawing/2010/main" w="9525">
+                  <a14:hiddenLine xmlns:a14="http://schemas.microsoft.com/office/drawing/2010/main" xmlns="" w="9525">
                     <a:solidFill>
                       <a:srgbClr val="000000"/>
                     </a:solidFill>
@@ -9226,7 +9227,7 @@
               </a:ln>
               <a:extLst>
                 <a:ext uri="{91240B29-F687-4f45-9708-019B960494DF}">
-                  <a14:hiddenLine xmlns="" xmlns:a14="http://schemas.microsoft.com/office/drawing/2010/main" w="9525">
+                  <a14:hiddenLine xmlns:a14="http://schemas.microsoft.com/office/drawing/2010/main" xmlns="" w="9525">
                     <a:solidFill>
                       <a:srgbClr val="000000"/>
                     </a:solidFill>
@@ -9288,7 +9289,7 @@
               </a:ln>
               <a:extLst>
                 <a:ext uri="{91240B29-F687-4f45-9708-019B960494DF}">
-                  <a14:hiddenLine xmlns="" xmlns:a14="http://schemas.microsoft.com/office/drawing/2010/main" w="9525">
+                  <a14:hiddenLine xmlns:a14="http://schemas.microsoft.com/office/drawing/2010/main" xmlns="" w="9525">
                     <a:solidFill>
                       <a:srgbClr val="000000"/>
                     </a:solidFill>
@@ -9378,7 +9379,7 @@
               </a:ln>
               <a:extLst>
                 <a:ext uri="{91240B29-F687-4f45-9708-019B960494DF}">
-                  <a14:hiddenLine xmlns="" xmlns:a14="http://schemas.microsoft.com/office/drawing/2010/main" w="9525">
+                  <a14:hiddenLine xmlns:a14="http://schemas.microsoft.com/office/drawing/2010/main" xmlns="" w="9525">
                     <a:solidFill>
                       <a:srgbClr val="000000"/>
                     </a:solidFill>
@@ -9440,7 +9441,7 @@
               </a:ln>
               <a:extLst>
                 <a:ext uri="{91240B29-F687-4f45-9708-019B960494DF}">
-                  <a14:hiddenLine xmlns="" xmlns:a14="http://schemas.microsoft.com/office/drawing/2010/main" w="9525">
+                  <a14:hiddenLine xmlns:a14="http://schemas.microsoft.com/office/drawing/2010/main" xmlns="" w="9525">
                     <a:solidFill>
                       <a:srgbClr val="000000"/>
                     </a:solidFill>
@@ -9502,7 +9503,7 @@
               </a:ln>
               <a:extLst>
                 <a:ext uri="{91240B29-F687-4f45-9708-019B960494DF}">
-                  <a14:hiddenLine xmlns="" xmlns:a14="http://schemas.microsoft.com/office/drawing/2010/main" w="9525">
+                  <a14:hiddenLine xmlns:a14="http://schemas.microsoft.com/office/drawing/2010/main" xmlns="" w="9525">
                     <a:solidFill>
                       <a:srgbClr val="000000"/>
                     </a:solidFill>
@@ -9592,7 +9593,7 @@
               </a:ln>
               <a:extLst>
                 <a:ext uri="{91240B29-F687-4f45-9708-019B960494DF}">
-                  <a14:hiddenLine xmlns="" xmlns:a14="http://schemas.microsoft.com/office/drawing/2010/main" w="9525">
+                  <a14:hiddenLine xmlns:a14="http://schemas.microsoft.com/office/drawing/2010/main" xmlns="" w="9525">
                     <a:solidFill>
                       <a:srgbClr val="000000"/>
                     </a:solidFill>
@@ -9682,7 +9683,7 @@
               </a:ln>
               <a:extLst>
                 <a:ext uri="{91240B29-F687-4f45-9708-019B960494DF}">
-                  <a14:hiddenLine xmlns="" xmlns:a14="http://schemas.microsoft.com/office/drawing/2010/main" w="9525">
+                  <a14:hiddenLine xmlns:a14="http://schemas.microsoft.com/office/drawing/2010/main" xmlns="" w="9525">
                     <a:solidFill>
                       <a:srgbClr val="000000"/>
                     </a:solidFill>
@@ -9744,7 +9745,7 @@
               </a:ln>
               <a:extLst>
                 <a:ext uri="{91240B29-F687-4f45-9708-019B960494DF}">
-                  <a14:hiddenLine xmlns="" xmlns:a14="http://schemas.microsoft.com/office/drawing/2010/main" w="9525">
+                  <a14:hiddenLine xmlns:a14="http://schemas.microsoft.com/office/drawing/2010/main" xmlns="" w="9525">
                     <a:solidFill>
                       <a:srgbClr val="000000"/>
                     </a:solidFill>
@@ -9854,7 +9855,7 @@
               </a:ln>
               <a:extLst>
                 <a:ext uri="{91240B29-F687-4f45-9708-019B960494DF}">
-                  <a14:hiddenLine xmlns="" xmlns:a14="http://schemas.microsoft.com/office/drawing/2010/main" w="9525">
+                  <a14:hiddenLine xmlns:a14="http://schemas.microsoft.com/office/drawing/2010/main" xmlns="" w="9525">
                     <a:solidFill>
                       <a:srgbClr val="000000"/>
                     </a:solidFill>
@@ -9938,7 +9939,7 @@
               </a:ln>
               <a:extLst>
                 <a:ext uri="{91240B29-F687-4f45-9708-019B960494DF}">
-                  <a14:hiddenLine xmlns="" xmlns:a14="http://schemas.microsoft.com/office/drawing/2010/main" w="9525">
+                  <a14:hiddenLine xmlns:a14="http://schemas.microsoft.com/office/drawing/2010/main" xmlns="" w="9525">
                     <a:solidFill>
                       <a:srgbClr val="000000"/>
                     </a:solidFill>
@@ -10000,7 +10001,7 @@
               </a:ln>
               <a:extLst>
                 <a:ext uri="{91240B29-F687-4f45-9708-019B960494DF}">
-                  <a14:hiddenLine xmlns="" xmlns:a14="http://schemas.microsoft.com/office/drawing/2010/main" w="9525">
+                  <a14:hiddenLine xmlns:a14="http://schemas.microsoft.com/office/drawing/2010/main" xmlns="" w="9525">
                     <a:solidFill>
                       <a:srgbClr val="000000"/>
                     </a:solidFill>
@@ -10062,7 +10063,7 @@
               </a:ln>
               <a:extLst>
                 <a:ext uri="{91240B29-F687-4f45-9708-019B960494DF}">
-                  <a14:hiddenLine xmlns="" xmlns:a14="http://schemas.microsoft.com/office/drawing/2010/main" w="9525">
+                  <a14:hiddenLine xmlns:a14="http://schemas.microsoft.com/office/drawing/2010/main" xmlns="" w="9525">
                     <a:solidFill>
                       <a:srgbClr val="000000"/>
                     </a:solidFill>
@@ -10152,7 +10153,7 @@
               </a:ln>
               <a:extLst>
                 <a:ext uri="{91240B29-F687-4f45-9708-019B960494DF}">
-                  <a14:hiddenLine xmlns="" xmlns:a14="http://schemas.microsoft.com/office/drawing/2010/main" w="9525">
+                  <a14:hiddenLine xmlns:a14="http://schemas.microsoft.com/office/drawing/2010/main" xmlns="" w="9525">
                     <a:solidFill>
                       <a:srgbClr val="000000"/>
                     </a:solidFill>
@@ -10186,7 +10187,7 @@
               </a:ln>
               <a:extLst>
                 <a:ext uri="{91240B29-F687-4f45-9708-019B960494DF}">
-                  <a14:hiddenLine xmlns="" xmlns:a14="http://schemas.microsoft.com/office/drawing/2010/main" w="9525">
+                  <a14:hiddenLine xmlns:a14="http://schemas.microsoft.com/office/drawing/2010/main" xmlns="" w="9525">
                     <a:solidFill>
                       <a:srgbClr val="000000"/>
                     </a:solidFill>
@@ -10251,7 +10252,7 @@
               </a:ln>
               <a:extLst>
                 <a:ext uri="{91240B29-F687-4f45-9708-019B960494DF}">
-                  <a14:hiddenLine xmlns="" xmlns:a14="http://schemas.microsoft.com/office/drawing/2010/main" w="9525">
+                  <a14:hiddenLine xmlns:a14="http://schemas.microsoft.com/office/drawing/2010/main" xmlns="" w="9525">
                     <a:solidFill>
                       <a:srgbClr val="000000"/>
                     </a:solidFill>
@@ -10341,7 +10342,7 @@
               </a:ln>
               <a:extLst>
                 <a:ext uri="{91240B29-F687-4f45-9708-019B960494DF}">
-                  <a14:hiddenLine xmlns="" xmlns:a14="http://schemas.microsoft.com/office/drawing/2010/main" w="9525">
+                  <a14:hiddenLine xmlns:a14="http://schemas.microsoft.com/office/drawing/2010/main" xmlns="" w="9525">
                     <a:solidFill>
                       <a:srgbClr val="000000"/>
                     </a:solidFill>
@@ -10403,7 +10404,7 @@
               </a:ln>
               <a:extLst>
                 <a:ext uri="{91240B29-F687-4f45-9708-019B960494DF}">
-                  <a14:hiddenLine xmlns="" xmlns:a14="http://schemas.microsoft.com/office/drawing/2010/main" w="9525">
+                  <a14:hiddenLine xmlns:a14="http://schemas.microsoft.com/office/drawing/2010/main" xmlns="" w="9525">
                     <a:solidFill>
                       <a:srgbClr val="000000"/>
                     </a:solidFill>
@@ -10493,7 +10494,7 @@
               </a:ln>
               <a:extLst>
                 <a:ext uri="{91240B29-F687-4f45-9708-019B960494DF}">
-                  <a14:hiddenLine xmlns="" xmlns:a14="http://schemas.microsoft.com/office/drawing/2010/main" w="9525">
+                  <a14:hiddenLine xmlns:a14="http://schemas.microsoft.com/office/drawing/2010/main" xmlns="" w="9525">
                     <a:solidFill>
                       <a:srgbClr val="000000"/>
                     </a:solidFill>
@@ -10558,7 +10559,7 @@
               </a:ln>
               <a:extLst>
                 <a:ext uri="{91240B29-F687-4f45-9708-019B960494DF}">
-                  <a14:hiddenLine xmlns="" xmlns:a14="http://schemas.microsoft.com/office/drawing/2010/main" w="9525">
+                  <a14:hiddenLine xmlns:a14="http://schemas.microsoft.com/office/drawing/2010/main" xmlns="" w="9525">
                     <a:solidFill>
                       <a:srgbClr val="000000"/>
                     </a:solidFill>
@@ -10620,7 +10621,7 @@
               </a:ln>
               <a:extLst>
                 <a:ext uri="{91240B29-F687-4f45-9708-019B960494DF}">
-                  <a14:hiddenLine xmlns="" xmlns:a14="http://schemas.microsoft.com/office/drawing/2010/main" w="9525">
+                  <a14:hiddenLine xmlns:a14="http://schemas.microsoft.com/office/drawing/2010/main" xmlns="" w="9525">
                     <a:solidFill>
                       <a:srgbClr val="000000"/>
                     </a:solidFill>
@@ -10710,7 +10711,7 @@
               </a:ln>
               <a:extLst>
                 <a:ext uri="{91240B29-F687-4f45-9708-019B960494DF}">
-                  <a14:hiddenLine xmlns="" xmlns:a14="http://schemas.microsoft.com/office/drawing/2010/main" w="9525">
+                  <a14:hiddenLine xmlns:a14="http://schemas.microsoft.com/office/drawing/2010/main" xmlns="" w="9525">
                     <a:solidFill>
                       <a:srgbClr val="000000"/>
                     </a:solidFill>
@@ -10800,7 +10801,7 @@
               </a:ln>
               <a:extLst>
                 <a:ext uri="{91240B29-F687-4f45-9708-019B960494DF}">
-                  <a14:hiddenLine xmlns="" xmlns:a14="http://schemas.microsoft.com/office/drawing/2010/main" w="9525">
+                  <a14:hiddenLine xmlns:a14="http://schemas.microsoft.com/office/drawing/2010/main" xmlns="" w="9525">
                     <a:solidFill>
                       <a:srgbClr val="000000"/>
                     </a:solidFill>
@@ -10865,7 +10866,7 @@
               </a:ln>
               <a:extLst>
                 <a:ext uri="{91240B29-F687-4f45-9708-019B960494DF}">
-                  <a14:hiddenLine xmlns="" xmlns:a14="http://schemas.microsoft.com/office/drawing/2010/main" w="9525">
+                  <a14:hiddenLine xmlns:a14="http://schemas.microsoft.com/office/drawing/2010/main" xmlns="" w="9525">
                     <a:solidFill>
                       <a:srgbClr val="000000"/>
                     </a:solidFill>
@@ -10985,7 +10986,7 @@
               </a:ln>
               <a:extLst>
                 <a:ext uri="{91240B29-F687-4f45-9708-019B960494DF}">
-                  <a14:hiddenLine xmlns="" xmlns:a14="http://schemas.microsoft.com/office/drawing/2010/main" w="9525">
+                  <a14:hiddenLine xmlns:a14="http://schemas.microsoft.com/office/drawing/2010/main" xmlns="" w="9525">
                     <a:solidFill>
                       <a:srgbClr val="000000"/>
                     </a:solidFill>
@@ -11083,7 +11084,7 @@
               </a:ln>
               <a:extLst>
                 <a:ext uri="{91240B29-F687-4f45-9708-019B960494DF}">
-                  <a14:hiddenLine xmlns="" xmlns:a14="http://schemas.microsoft.com/office/drawing/2010/main" w="9525">
+                  <a14:hiddenLine xmlns:a14="http://schemas.microsoft.com/office/drawing/2010/main" xmlns="" w="9525">
                     <a:solidFill>
                       <a:srgbClr val="000000"/>
                     </a:solidFill>
@@ -11198,7 +11199,7 @@
               </a:ln>
               <a:extLst>
                 <a:ext uri="{91240B29-F687-4f45-9708-019B960494DF}">
-                  <a14:hiddenLine xmlns="" xmlns:a14="http://schemas.microsoft.com/office/drawing/2010/main" w="9525">
+                  <a14:hiddenLine xmlns:a14="http://schemas.microsoft.com/office/drawing/2010/main" xmlns="" w="9525">
                     <a:solidFill>
                       <a:srgbClr val="000000"/>
                     </a:solidFill>
@@ -11288,7 +11289,7 @@
               </a:ln>
               <a:extLst>
                 <a:ext uri="{91240B29-F687-4f45-9708-019B960494DF}">
-                  <a14:hiddenLine xmlns="" xmlns:a14="http://schemas.microsoft.com/office/drawing/2010/main" w="9525">
+                  <a14:hiddenLine xmlns:a14="http://schemas.microsoft.com/office/drawing/2010/main" xmlns="" w="9525">
                     <a:solidFill>
                       <a:srgbClr val="000000"/>
                     </a:solidFill>
@@ -11353,7 +11354,7 @@
               </a:ln>
               <a:extLst>
                 <a:ext uri="{91240B29-F687-4f45-9708-019B960494DF}">
-                  <a14:hiddenLine xmlns="" xmlns:a14="http://schemas.microsoft.com/office/drawing/2010/main" w="9525">
+                  <a14:hiddenLine xmlns:a14="http://schemas.microsoft.com/office/drawing/2010/main" xmlns="" w="9525">
                     <a:solidFill>
                       <a:srgbClr val="000000"/>
                     </a:solidFill>
@@ -11443,7 +11444,7 @@
               </a:ln>
               <a:extLst>
                 <a:ext uri="{91240B29-F687-4f45-9708-019B960494DF}">
-                  <a14:hiddenLine xmlns="" xmlns:a14="http://schemas.microsoft.com/office/drawing/2010/main" w="9525">
+                  <a14:hiddenLine xmlns:a14="http://schemas.microsoft.com/office/drawing/2010/main" xmlns="" w="9525">
                     <a:solidFill>
                       <a:srgbClr val="000000"/>
                     </a:solidFill>
@@ -11511,7 +11512,7 @@
               </a:ln>
               <a:extLst>
                 <a:ext uri="{91240B29-F687-4f45-9708-019B960494DF}">
-                  <a14:hiddenLine xmlns="" xmlns:a14="http://schemas.microsoft.com/office/drawing/2010/main" w="9525">
+                  <a14:hiddenLine xmlns:a14="http://schemas.microsoft.com/office/drawing/2010/main" xmlns="" w="9525">
                     <a:solidFill>
                       <a:srgbClr val="000000"/>
                     </a:solidFill>
@@ -11601,7 +11602,7 @@
               </a:ln>
               <a:extLst>
                 <a:ext uri="{91240B29-F687-4f45-9708-019B960494DF}">
-                  <a14:hiddenLine xmlns="" xmlns:a14="http://schemas.microsoft.com/office/drawing/2010/main" w="9525">
+                  <a14:hiddenLine xmlns:a14="http://schemas.microsoft.com/office/drawing/2010/main" xmlns="" w="9525">
                     <a:solidFill>
                       <a:srgbClr val="000000"/>
                     </a:solidFill>
@@ -11669,7 +11670,7 @@
               </a:ln>
               <a:extLst>
                 <a:ext uri="{91240B29-F687-4f45-9708-019B960494DF}">
-                  <a14:hiddenLine xmlns="" xmlns:a14="http://schemas.microsoft.com/office/drawing/2010/main" w="9525">
+                  <a14:hiddenLine xmlns:a14="http://schemas.microsoft.com/office/drawing/2010/main" xmlns="" w="9525">
                     <a:solidFill>
                       <a:srgbClr val="000000"/>
                     </a:solidFill>
@@ -11759,7 +11760,7 @@
               </a:ln>
               <a:extLst>
                 <a:ext uri="{91240B29-F687-4f45-9708-019B960494DF}">
-                  <a14:hiddenLine xmlns="" xmlns:a14="http://schemas.microsoft.com/office/drawing/2010/main" w="9525">
+                  <a14:hiddenLine xmlns:a14="http://schemas.microsoft.com/office/drawing/2010/main" xmlns="" w="9525">
                     <a:solidFill>
                       <a:srgbClr val="000000"/>
                     </a:solidFill>
@@ -11793,7 +11794,7 @@
               </a:ln>
               <a:extLst>
                 <a:ext uri="{91240B29-F687-4f45-9708-019B960494DF}">
-                  <a14:hiddenLine xmlns="" xmlns:a14="http://schemas.microsoft.com/office/drawing/2010/main" w="9525">
+                  <a14:hiddenLine xmlns:a14="http://schemas.microsoft.com/office/drawing/2010/main" xmlns="" w="9525">
                     <a:solidFill>
                       <a:srgbClr val="000000"/>
                     </a:solidFill>
@@ -11934,7 +11935,7 @@
             <a:fld id="{48A87A34-81AB-432B-8DAE-1953F412C126}" type="datetimeFigureOut">
               <a:rPr lang="en-US" dirty="0"/>
               <a:pPr/>
-              <a:t>11/5/2023</a:t>
+              <a:t>11/6/2023</a:t>
             </a:fld>
             <a:endParaRPr lang="en-US" dirty="0"/>
           </a:p>
@@ -12741,6 +12742,338 @@
 </p:sld>
 </file>
 
+<file path=ppt/slides/slide4.xml><?xml version="1.0" encoding="utf-8"?>
+<p:sld xmlns:a="http://schemas.openxmlformats.org/drawingml/2006/main" xmlns:r="http://schemas.openxmlformats.org/officeDocument/2006/relationships" xmlns:p="http://schemas.openxmlformats.org/presentationml/2006/main">
+  <p:cSld>
+    <p:spTree>
+      <p:nvGrpSpPr>
+        <p:cNvPr id="1" name=""/>
+        <p:cNvGrpSpPr/>
+        <p:nvPr/>
+      </p:nvGrpSpPr>
+      <p:grpSpPr>
+        <a:xfrm>
+          <a:off x="0" y="0"/>
+          <a:ext cx="0" cy="0"/>
+          <a:chOff x="0" y="0"/>
+          <a:chExt cx="0" cy="0"/>
+        </a:xfrm>
+      </p:grpSpPr>
+      <p:sp>
+        <p:nvSpPr>
+          <p:cNvPr id="8" name="TextBox 7">
+            <a:extLst>
+              <a:ext uri="{FF2B5EF4-FFF2-40B4-BE49-F238E27FC236}">
+                <a16:creationId xmlns:a16="http://schemas.microsoft.com/office/drawing/2014/main" id="{0865379E-BA95-FC98-90A3-BD996A223D5F}"/>
+              </a:ext>
+            </a:extLst>
+          </p:cNvPr>
+          <p:cNvSpPr txBox="1"/>
+          <p:nvPr/>
+        </p:nvSpPr>
+        <p:spPr>
+          <a:xfrm>
+            <a:off x="2465726" y="209263"/>
+            <a:ext cx="7718797" cy="1323439"/>
+          </a:xfrm>
+          <a:prstGeom prst="rect">
+            <a:avLst/>
+          </a:prstGeom>
+          <a:noFill/>
+        </p:spPr>
+        <p:txBody>
+          <a:bodyPr wrap="square" rtlCol="0">
+            <a:spAutoFit/>
+          </a:bodyPr>
+          <a:lstStyle/>
+          <a:p>
+            <a:r>
+              <a:rPr lang="en-US" sz="8000" dirty="0">
+                <a:solidFill>
+                  <a:schemeClr val="bg2">
+                    <a:lumMod val="50000"/>
+                  </a:schemeClr>
+                </a:solidFill>
+                <a:latin typeface="Arial Rounded MT Bold" panose="020F0704030504030204" pitchFamily="34" charset="0"/>
+              </a:rPr>
+              <a:t>List</a:t>
+            </a:r>
+          </a:p>
+        </p:txBody>
+      </p:sp>
+      <p:sp>
+        <p:nvSpPr>
+          <p:cNvPr id="9" name="TextBox 8">
+            <a:extLst>
+              <a:ext uri="{FF2B5EF4-FFF2-40B4-BE49-F238E27FC236}">
+                <a16:creationId xmlns:a16="http://schemas.microsoft.com/office/drawing/2014/main" id="{C03A5E7B-BF0B-4B16-5F8C-AEDC5A307CAA}"/>
+              </a:ext>
+            </a:extLst>
+          </p:cNvPr>
+          <p:cNvSpPr txBox="1"/>
+          <p:nvPr/>
+        </p:nvSpPr>
+        <p:spPr>
+          <a:xfrm>
+            <a:off x="2541400" y="1419273"/>
+            <a:ext cx="8223295" cy="1323439"/>
+          </a:xfrm>
+          <a:prstGeom prst="rect">
+            <a:avLst/>
+          </a:prstGeom>
+          <a:noFill/>
+        </p:spPr>
+        <p:txBody>
+          <a:bodyPr wrap="square" rtlCol="0">
+            <a:spAutoFit/>
+          </a:bodyPr>
+          <a:lstStyle/>
+          <a:p>
+            <a:pPr marL="285750" indent="-285750">
+              <a:lnSpc>
+                <a:spcPct val="150000"/>
+              </a:lnSpc>
+              <a:buFont typeface="Wingdings" panose="05000000000000000000" pitchFamily="2" charset="2"/>
+              <a:buChar char="q"/>
+            </a:pPr>
+            <a:r>
+              <a:rPr lang="en-US" sz="2000" dirty="0"/>
+              <a:t>Unordered Lists &lt;</a:t>
+            </a:r>
+            <a:r>
+              <a:rPr lang="en-US" sz="2000" dirty="0" err="1"/>
+              <a:t>ul</a:t>
+            </a:r>
+            <a:r>
+              <a:rPr lang="en-US" sz="2000" dirty="0"/>
+              <a:t>&gt; &lt;/</a:t>
+            </a:r>
+            <a:r>
+              <a:rPr lang="en-US" sz="2000" dirty="0" err="1"/>
+              <a:t>ul</a:t>
+            </a:r>
+            <a:r>
+              <a:rPr lang="en-US" sz="2000" dirty="0"/>
+              <a:t>&gt;</a:t>
+            </a:r>
+          </a:p>
+          <a:p>
+            <a:pPr marL="285750" indent="-285750">
+              <a:lnSpc>
+                <a:spcPct val="150000"/>
+              </a:lnSpc>
+              <a:buFont typeface="Wingdings" panose="05000000000000000000" pitchFamily="2" charset="2"/>
+              <a:buChar char="q"/>
+            </a:pPr>
+            <a:r>
+              <a:rPr lang="en-US" sz="2000" dirty="0"/>
+              <a:t>Ordered Lists &lt;</a:t>
+            </a:r>
+            <a:r>
+              <a:rPr lang="en-US" sz="2000" dirty="0" err="1"/>
+              <a:t>ol</a:t>
+            </a:r>
+            <a:r>
+              <a:rPr lang="en-US" sz="2000" dirty="0"/>
+              <a:t>&gt; &lt;/</a:t>
+            </a:r>
+            <a:r>
+              <a:rPr lang="en-US" sz="2000" dirty="0" err="1"/>
+              <a:t>ol</a:t>
+            </a:r>
+            <a:r>
+              <a:rPr lang="en-US" sz="2000" dirty="0"/>
+              <a:t>&gt;</a:t>
+            </a:r>
+          </a:p>
+          <a:p>
+            <a:pPr marL="285750" indent="-285750">
+              <a:buFont typeface="Wingdings" panose="05000000000000000000" pitchFamily="2" charset="2"/>
+              <a:buChar char="q"/>
+            </a:pPr>
+            <a:endParaRPr lang="en-US" sz="2000" dirty="0"/>
+          </a:p>
+        </p:txBody>
+      </p:sp>
+      <p:sp>
+        <p:nvSpPr>
+          <p:cNvPr id="3" name="TextBox 2">
+            <a:extLst>
+              <a:ext uri="{FF2B5EF4-FFF2-40B4-BE49-F238E27FC236}">
+                <a16:creationId xmlns:a16="http://schemas.microsoft.com/office/drawing/2014/main" id="{51EB74C1-700E-0FD4-7DBD-BFF17C7A8334}"/>
+              </a:ext>
+            </a:extLst>
+          </p:cNvPr>
+          <p:cNvSpPr txBox="1"/>
+          <p:nvPr/>
+        </p:nvSpPr>
+        <p:spPr>
+          <a:xfrm>
+            <a:off x="2402664" y="2299967"/>
+            <a:ext cx="7718797" cy="1323439"/>
+          </a:xfrm>
+          <a:prstGeom prst="rect">
+            <a:avLst/>
+          </a:prstGeom>
+          <a:noFill/>
+        </p:spPr>
+        <p:txBody>
+          <a:bodyPr wrap="square" rtlCol="0">
+            <a:spAutoFit/>
+          </a:bodyPr>
+          <a:lstStyle/>
+          <a:p>
+            <a:r>
+              <a:rPr lang="en-US" sz="8000" dirty="0">
+                <a:solidFill>
+                  <a:schemeClr val="bg1"/>
+                </a:solidFill>
+                <a:latin typeface="Arial Rounded MT Bold" panose="020F0704030504030204" pitchFamily="34" charset="0"/>
+              </a:rPr>
+              <a:t>List style</a:t>
+            </a:r>
+          </a:p>
+        </p:txBody>
+      </p:sp>
+      <p:sp>
+        <p:nvSpPr>
+          <p:cNvPr id="4" name="TextBox 3">
+            <a:extLst>
+              <a:ext uri="{FF2B5EF4-FFF2-40B4-BE49-F238E27FC236}">
+                <a16:creationId xmlns:a16="http://schemas.microsoft.com/office/drawing/2014/main" id="{E2BBC087-507D-3F04-D5A0-7F817EB6FF8B}"/>
+              </a:ext>
+            </a:extLst>
+          </p:cNvPr>
+          <p:cNvSpPr txBox="1"/>
+          <p:nvPr/>
+        </p:nvSpPr>
+        <p:spPr>
+          <a:xfrm>
+            <a:off x="2541401" y="3623406"/>
+            <a:ext cx="8223295" cy="1889556"/>
+          </a:xfrm>
+          <a:prstGeom prst="rect">
+            <a:avLst/>
+          </a:prstGeom>
+          <a:noFill/>
+        </p:spPr>
+        <p:txBody>
+          <a:bodyPr wrap="square" rtlCol="0">
+            <a:spAutoFit/>
+          </a:bodyPr>
+          <a:lstStyle/>
+          <a:p>
+            <a:pPr marL="285750" indent="-285750">
+              <a:lnSpc>
+                <a:spcPct val="150000"/>
+              </a:lnSpc>
+              <a:buFont typeface="Wingdings" panose="05000000000000000000" pitchFamily="2" charset="2"/>
+              <a:buChar char="q"/>
+            </a:pPr>
+            <a:r>
+              <a:rPr lang="en-US" sz="2000" dirty="0"/>
+              <a:t>list-style-type ( </a:t>
+            </a:r>
+            <a:r>
+              <a:rPr lang="en-US" sz="2000" b="0" i="0" dirty="0">
+                <a:effectLst/>
+                <a:latin typeface="Consolas" panose="020B0609020204030204" pitchFamily="49" charset="0"/>
+              </a:rPr>
+              <a:t>circle , square , upper-roman , none)</a:t>
+            </a:r>
+          </a:p>
+          <a:p>
+            <a:pPr marL="285750" indent="-285750">
+              <a:lnSpc>
+                <a:spcPct val="150000"/>
+              </a:lnSpc>
+              <a:buFont typeface="Wingdings" panose="05000000000000000000" pitchFamily="2" charset="2"/>
+              <a:buChar char="q"/>
+            </a:pPr>
+            <a:r>
+              <a:rPr lang="en-US" sz="2000" b="0" i="0" dirty="0">
+                <a:effectLst/>
+                <a:latin typeface="Consolas" panose="020B0609020204030204" pitchFamily="49" charset="0"/>
+              </a:rPr>
+              <a:t>list-style-image: </a:t>
+            </a:r>
+            <a:r>
+              <a:rPr lang="en-US" sz="2000" b="0" i="0" dirty="0" err="1">
+                <a:effectLst/>
+                <a:latin typeface="Consolas" panose="020B0609020204030204" pitchFamily="49" charset="0"/>
+              </a:rPr>
+              <a:t>url</a:t>
+            </a:r>
+            <a:r>
+              <a:rPr lang="en-US" sz="2000" b="0" i="0" dirty="0">
+                <a:effectLst/>
+                <a:latin typeface="Consolas" panose="020B0609020204030204" pitchFamily="49" charset="0"/>
+              </a:rPr>
+              <a:t>('sqpurple.gif’);</a:t>
+            </a:r>
+          </a:p>
+          <a:p>
+            <a:pPr marL="285750" indent="-285750">
+              <a:lnSpc>
+                <a:spcPct val="150000"/>
+              </a:lnSpc>
+              <a:buFont typeface="Wingdings" panose="05000000000000000000" pitchFamily="2" charset="2"/>
+              <a:buChar char="q"/>
+            </a:pPr>
+            <a:r>
+              <a:rPr lang="en-US" sz="2000" b="0" i="0" dirty="0">
+                <a:effectLst/>
+                <a:latin typeface="Consolas" panose="020B0609020204030204" pitchFamily="49" charset="0"/>
+              </a:rPr>
+              <a:t>list-style-position: outside; (inside )</a:t>
+            </a:r>
+          </a:p>
+          <a:p>
+            <a:pPr marL="285750" indent="-285750">
+              <a:lnSpc>
+                <a:spcPct val="150000"/>
+              </a:lnSpc>
+              <a:buFont typeface="Wingdings" panose="05000000000000000000" pitchFamily="2" charset="2"/>
+              <a:buChar char="q"/>
+            </a:pPr>
+            <a:r>
+              <a:rPr lang="en-US" sz="2000" b="0" i="0" dirty="0">
+                <a:effectLst/>
+                <a:latin typeface="Consolas" panose="020B0609020204030204" pitchFamily="49" charset="0"/>
+              </a:rPr>
+              <a:t>list-style: square inside </a:t>
+            </a:r>
+            <a:r>
+              <a:rPr lang="en-US" sz="2000" b="0" i="0" dirty="0" err="1">
+                <a:effectLst/>
+                <a:latin typeface="Consolas" panose="020B0609020204030204" pitchFamily="49" charset="0"/>
+              </a:rPr>
+              <a:t>url</a:t>
+            </a:r>
+            <a:r>
+              <a:rPr lang="en-US" sz="2000" b="0" i="0" dirty="0">
+                <a:effectLst/>
+                <a:latin typeface="Consolas" panose="020B0609020204030204" pitchFamily="49" charset="0"/>
+              </a:rPr>
+              <a:t>("sqpurple.gif");</a:t>
+            </a:r>
+            <a:endParaRPr lang="en-US" sz="2000" dirty="0"/>
+          </a:p>
+        </p:txBody>
+      </p:sp>
+    </p:spTree>
+    <p:extLst>
+      <p:ext uri="{BB962C8B-B14F-4D97-AF65-F5344CB8AC3E}">
+        <p14:creationId xmlns:p14="http://schemas.microsoft.com/office/powerpoint/2010/main" val="4288510214"/>
+      </p:ext>
+    </p:extLst>
+  </p:cSld>
+  <p:clrMapOvr>
+    <a:masterClrMapping/>
+  </p:clrMapOvr>
+</p:sld>
+</file>
+
 <file path=ppt/theme/theme1.xml><?xml version="1.0" encoding="utf-8"?>
 <a:theme xmlns:a="http://schemas.openxmlformats.org/drawingml/2006/main" name="Circuit">
   <a:themeElements>

--- a/Presentation/CSS_pre.pptx
+++ b/Presentation/CSS_pre.pptx
@@ -9,6 +9,7 @@
     <p:sldId id="258" r:id="rId3"/>
     <p:sldId id="259" r:id="rId4"/>
     <p:sldId id="260" r:id="rId5"/>
+    <p:sldId id="261" r:id="rId6"/>
   </p:sldIdLst>
   <p:sldSz cx="12192000" cy="6858000"/>
   <p:notesSz cx="6858000" cy="9144000"/>
@@ -4391,7 +4392,7 @@
           <a:p>
             <a:fld id="{48A87A34-81AB-432B-8DAE-1953F412C126}" type="datetimeFigureOut">
               <a:rPr lang="en-US" dirty="0"/>
-              <a:t>11/6/2023</a:t>
+              <a:t>11/7/2023</a:t>
             </a:fld>
             <a:endParaRPr lang="en-US" dirty="0"/>
           </a:p>
@@ -4653,7 +4654,7 @@
           <a:p>
             <a:fld id="{48A87A34-81AB-432B-8DAE-1953F412C126}" type="datetimeFigureOut">
               <a:rPr lang="en-US" dirty="0"/>
-              <a:t>11/6/2023</a:t>
+              <a:t>11/7/2023</a:t>
             </a:fld>
             <a:endParaRPr lang="en-US" dirty="0"/>
           </a:p>
@@ -4844,7 +4845,7 @@
           <a:p>
             <a:fld id="{48A87A34-81AB-432B-8DAE-1953F412C126}" type="datetimeFigureOut">
               <a:rPr lang="en-US" dirty="0"/>
-              <a:t>11/6/2023</a:t>
+              <a:t>11/7/2023</a:t>
             </a:fld>
             <a:endParaRPr lang="en-US" dirty="0"/>
           </a:p>
@@ -5102,7 +5103,7 @@
           <a:p>
             <a:fld id="{48A87A34-81AB-432B-8DAE-1953F412C126}" type="datetimeFigureOut">
               <a:rPr lang="en-US" dirty="0"/>
-              <a:t>11/6/2023</a:t>
+              <a:t>11/7/2023</a:t>
             </a:fld>
             <a:endParaRPr lang="en-US" dirty="0"/>
           </a:p>
@@ -5531,7 +5532,7 @@
           <a:p>
             <a:fld id="{48A87A34-81AB-432B-8DAE-1953F412C126}" type="datetimeFigureOut">
               <a:rPr lang="en-US" dirty="0"/>
-              <a:t>11/6/2023</a:t>
+              <a:t>11/7/2023</a:t>
             </a:fld>
             <a:endParaRPr lang="en-US" dirty="0"/>
           </a:p>
@@ -6072,7 +6073,7 @@
           <a:p>
             <a:fld id="{48A87A34-81AB-432B-8DAE-1953F412C126}" type="datetimeFigureOut">
               <a:rPr lang="en-US" dirty="0"/>
-              <a:t>11/6/2023</a:t>
+              <a:t>11/7/2023</a:t>
             </a:fld>
             <a:endParaRPr lang="en-US" dirty="0"/>
           </a:p>
@@ -6787,7 +6788,7 @@
           <a:p>
             <a:fld id="{48A87A34-81AB-432B-8DAE-1953F412C126}" type="datetimeFigureOut">
               <a:rPr lang="en-US" dirty="0"/>
-              <a:t>11/6/2023</a:t>
+              <a:t>11/7/2023</a:t>
             </a:fld>
             <a:endParaRPr lang="en-US" dirty="0"/>
           </a:p>
@@ -6952,7 +6953,7 @@
           <a:p>
             <a:fld id="{48A87A34-81AB-432B-8DAE-1953F412C126}" type="datetimeFigureOut">
               <a:rPr lang="en-US" dirty="0"/>
-              <a:t>11/6/2023</a:t>
+              <a:t>11/7/2023</a:t>
             </a:fld>
             <a:endParaRPr lang="en-US" dirty="0"/>
           </a:p>
@@ -7127,7 +7128,7 @@
           <a:p>
             <a:fld id="{48A87A34-81AB-432B-8DAE-1953F412C126}" type="datetimeFigureOut">
               <a:rPr lang="en-US" dirty="0"/>
-              <a:t>11/6/2023</a:t>
+              <a:t>11/7/2023</a:t>
             </a:fld>
             <a:endParaRPr lang="en-US" dirty="0"/>
           </a:p>
@@ -7292,7 +7293,7 @@
           <a:p>
             <a:fld id="{48A87A34-81AB-432B-8DAE-1953F412C126}" type="datetimeFigureOut">
               <a:rPr lang="en-US" dirty="0"/>
-              <a:t>11/6/2023</a:t>
+              <a:t>11/7/2023</a:t>
             </a:fld>
             <a:endParaRPr lang="en-US" dirty="0"/>
           </a:p>
@@ -7537,7 +7538,7 @@
           <a:p>
             <a:fld id="{48A87A34-81AB-432B-8DAE-1953F412C126}" type="datetimeFigureOut">
               <a:rPr lang="en-US" dirty="0"/>
-              <a:t>11/6/2023</a:t>
+              <a:t>11/7/2023</a:t>
             </a:fld>
             <a:endParaRPr lang="en-US" dirty="0"/>
           </a:p>
@@ -7764,7 +7765,7 @@
           <a:p>
             <a:fld id="{48A87A34-81AB-432B-8DAE-1953F412C126}" type="datetimeFigureOut">
               <a:rPr lang="en-US" dirty="0"/>
-              <a:t>11/6/2023</a:t>
+              <a:t>11/7/2023</a:t>
             </a:fld>
             <a:endParaRPr lang="en-US" dirty="0"/>
           </a:p>
@@ -8140,7 +8141,7 @@
           <a:p>
             <a:fld id="{48A87A34-81AB-432B-8DAE-1953F412C126}" type="datetimeFigureOut">
               <a:rPr lang="en-US" dirty="0"/>
-              <a:t>11/6/2023</a:t>
+              <a:t>11/7/2023</a:t>
             </a:fld>
             <a:endParaRPr lang="en-US" dirty="0"/>
           </a:p>
@@ -8253,7 +8254,7 @@
           <a:p>
             <a:fld id="{48A87A34-81AB-432B-8DAE-1953F412C126}" type="datetimeFigureOut">
               <a:rPr lang="en-US" dirty="0"/>
-              <a:t>11/6/2023</a:t>
+              <a:t>11/7/2023</a:t>
             </a:fld>
             <a:endParaRPr lang="en-US" dirty="0"/>
           </a:p>
@@ -8343,7 +8344,7 @@
           <a:p>
             <a:fld id="{48A87A34-81AB-432B-8DAE-1953F412C126}" type="datetimeFigureOut">
               <a:rPr lang="en-US" dirty="0"/>
-              <a:t>11/6/2023</a:t>
+              <a:t>11/7/2023</a:t>
             </a:fld>
             <a:endParaRPr lang="en-US" dirty="0"/>
           </a:p>
@@ -8587,7 +8588,7 @@
           <a:p>
             <a:fld id="{48A87A34-81AB-432B-8DAE-1953F412C126}" type="datetimeFigureOut">
               <a:rPr lang="en-US" dirty="0"/>
-              <a:t>11/6/2023</a:t>
+              <a:t>11/7/2023</a:t>
             </a:fld>
             <a:endParaRPr lang="en-US" dirty="0"/>
           </a:p>
@@ -8862,7 +8863,7 @@
           <a:p>
             <a:fld id="{48A87A34-81AB-432B-8DAE-1953F412C126}" type="datetimeFigureOut">
               <a:rPr lang="en-US" dirty="0"/>
-              <a:t>11/6/2023</a:t>
+              <a:t>11/7/2023</a:t>
             </a:fld>
             <a:endParaRPr lang="en-US" dirty="0"/>
           </a:p>
@@ -11935,7 +11936,7 @@
             <a:fld id="{48A87A34-81AB-432B-8DAE-1953F412C126}" type="datetimeFigureOut">
               <a:rPr lang="en-US" dirty="0"/>
               <a:pPr/>
-              <a:t>11/6/2023</a:t>
+              <a:t>11/7/2023</a:t>
             </a:fld>
             <a:endParaRPr lang="en-US" dirty="0"/>
           </a:p>
@@ -13074,6 +13075,239 @@
 </p:sld>
 </file>
 
+<file path=ppt/slides/slide5.xml><?xml version="1.0" encoding="utf-8"?>
+<p:sld xmlns:a="http://schemas.openxmlformats.org/drawingml/2006/main" xmlns:r="http://schemas.openxmlformats.org/officeDocument/2006/relationships" xmlns:p="http://schemas.openxmlformats.org/presentationml/2006/main">
+  <p:cSld>
+    <p:spTree>
+      <p:nvGrpSpPr>
+        <p:cNvPr id="1" name=""/>
+        <p:cNvGrpSpPr/>
+        <p:nvPr/>
+      </p:nvGrpSpPr>
+      <p:grpSpPr>
+        <a:xfrm>
+          <a:off x="0" y="0"/>
+          <a:ext cx="0" cy="0"/>
+          <a:chOff x="0" y="0"/>
+          <a:chExt cx="0" cy="0"/>
+        </a:xfrm>
+      </p:grpSpPr>
+      <p:pic>
+        <p:nvPicPr>
+          <p:cNvPr id="3" name="Picture 2">
+            <a:extLst>
+              <a:ext uri="{FF2B5EF4-FFF2-40B4-BE49-F238E27FC236}">
+                <a16:creationId xmlns:a16="http://schemas.microsoft.com/office/drawing/2014/main" id="{5EA48D48-1436-499E-5D9F-E9A884FF78CF}"/>
+              </a:ext>
+            </a:extLst>
+          </p:cNvPr>
+          <p:cNvPicPr>
+            <a:picLocks noChangeAspect="1"/>
+          </p:cNvPicPr>
+          <p:nvPr/>
+        </p:nvPicPr>
+        <p:blipFill>
+          <a:blip r:embed="rId2"/>
+          <a:stretch>
+            <a:fillRect/>
+          </a:stretch>
+        </p:blipFill>
+        <p:spPr>
+          <a:xfrm>
+            <a:off x="5780075" y="2017234"/>
+            <a:ext cx="5760284" cy="2041564"/>
+          </a:xfrm>
+          <a:prstGeom prst="rect">
+            <a:avLst/>
+          </a:prstGeom>
+        </p:spPr>
+      </p:pic>
+      <p:sp>
+        <p:nvSpPr>
+          <p:cNvPr id="8" name="TextBox 7">
+            <a:extLst>
+              <a:ext uri="{FF2B5EF4-FFF2-40B4-BE49-F238E27FC236}">
+                <a16:creationId xmlns:a16="http://schemas.microsoft.com/office/drawing/2014/main" id="{0865379E-BA95-FC98-90A3-BD996A223D5F}"/>
+              </a:ext>
+            </a:extLst>
+          </p:cNvPr>
+          <p:cNvSpPr txBox="1"/>
+          <p:nvPr/>
+        </p:nvSpPr>
+        <p:spPr>
+          <a:xfrm>
+            <a:off x="1910779" y="1122516"/>
+            <a:ext cx="7718797" cy="1015663"/>
+          </a:xfrm>
+          <a:prstGeom prst="rect">
+            <a:avLst/>
+          </a:prstGeom>
+          <a:noFill/>
+        </p:spPr>
+        <p:txBody>
+          <a:bodyPr wrap="square" rtlCol="0">
+            <a:spAutoFit/>
+          </a:bodyPr>
+          <a:lstStyle/>
+          <a:p>
+            <a:r>
+              <a:rPr lang="en-US" sz="6000" dirty="0">
+                <a:solidFill>
+                  <a:schemeClr val="bg2">
+                    <a:lumMod val="50000"/>
+                  </a:schemeClr>
+                </a:solidFill>
+                <a:latin typeface="Algerian" panose="04020705040A02060702" pitchFamily="82" charset="0"/>
+              </a:rPr>
+              <a:t>Table Style</a:t>
+            </a:r>
+          </a:p>
+        </p:txBody>
+      </p:sp>
+      <p:sp>
+        <p:nvSpPr>
+          <p:cNvPr id="9" name="TextBox 8">
+            <a:extLst>
+              <a:ext uri="{FF2B5EF4-FFF2-40B4-BE49-F238E27FC236}">
+                <a16:creationId xmlns:a16="http://schemas.microsoft.com/office/drawing/2014/main" id="{C03A5E7B-BF0B-4B16-5F8C-AEDC5A307CAA}"/>
+              </a:ext>
+            </a:extLst>
+          </p:cNvPr>
+          <p:cNvSpPr txBox="1"/>
+          <p:nvPr/>
+        </p:nvSpPr>
+        <p:spPr>
+          <a:xfrm>
+            <a:off x="1910779" y="2138179"/>
+            <a:ext cx="9629580" cy="3274551"/>
+          </a:xfrm>
+          <a:prstGeom prst="rect">
+            <a:avLst/>
+          </a:prstGeom>
+          <a:noFill/>
+        </p:spPr>
+        <p:txBody>
+          <a:bodyPr wrap="square" rtlCol="0">
+            <a:spAutoFit/>
+          </a:bodyPr>
+          <a:lstStyle/>
+          <a:p>
+            <a:pPr marL="285750" indent="-285750">
+              <a:lnSpc>
+                <a:spcPct val="150000"/>
+              </a:lnSpc>
+              <a:buFont typeface="Wingdings" panose="05000000000000000000" pitchFamily="2" charset="2"/>
+              <a:buChar char="q"/>
+            </a:pPr>
+            <a:r>
+              <a:rPr lang="en-US" sz="2000" dirty="0"/>
+              <a:t>Border</a:t>
+            </a:r>
+          </a:p>
+          <a:p>
+            <a:pPr marL="285750" indent="-285750">
+              <a:lnSpc>
+                <a:spcPct val="150000"/>
+              </a:lnSpc>
+              <a:buFont typeface="Wingdings" panose="05000000000000000000" pitchFamily="2" charset="2"/>
+              <a:buChar char="q"/>
+            </a:pPr>
+            <a:r>
+              <a:rPr lang="en-US" sz="2000" dirty="0"/>
+              <a:t>border-collapse</a:t>
+            </a:r>
+          </a:p>
+          <a:p>
+            <a:pPr marL="285750" indent="-285750">
+              <a:lnSpc>
+                <a:spcPct val="150000"/>
+              </a:lnSpc>
+              <a:buFont typeface="Wingdings" panose="05000000000000000000" pitchFamily="2" charset="2"/>
+              <a:buChar char="q"/>
+            </a:pPr>
+            <a:r>
+              <a:rPr lang="en-US" sz="2000" dirty="0"/>
+              <a:t>width and height properties</a:t>
+            </a:r>
+          </a:p>
+          <a:p>
+            <a:pPr marL="285750" indent="-285750">
+              <a:lnSpc>
+                <a:spcPct val="150000"/>
+              </a:lnSpc>
+              <a:buFont typeface="Wingdings" panose="05000000000000000000" pitchFamily="2" charset="2"/>
+              <a:buChar char="q"/>
+            </a:pPr>
+            <a:r>
+              <a:rPr lang="en-US" sz="2000" b="0" i="0" dirty="0">
+                <a:effectLst/>
+                <a:latin typeface="Consolas" panose="020B0609020204030204" pitchFamily="49" charset="0"/>
+              </a:rPr>
+              <a:t>text-align</a:t>
+            </a:r>
+          </a:p>
+          <a:p>
+            <a:pPr marL="285750" indent="-285750">
+              <a:lnSpc>
+                <a:spcPct val="150000"/>
+              </a:lnSpc>
+              <a:buFont typeface="Wingdings" panose="05000000000000000000" pitchFamily="2" charset="2"/>
+              <a:buChar char="q"/>
+            </a:pPr>
+            <a:r>
+              <a:rPr lang="en-US" sz="2000" b="0" i="0" dirty="0">
+                <a:effectLst/>
+                <a:latin typeface="Consolas" panose="020B0609020204030204" pitchFamily="49" charset="0"/>
+              </a:rPr>
+              <a:t>TR style =&gt; tr:nth-child(even) {</a:t>
+            </a:r>
+          </a:p>
+          <a:p>
+            <a:pPr>
+              <a:lnSpc>
+                <a:spcPct val="150000"/>
+              </a:lnSpc>
+            </a:pPr>
+            <a:r>
+              <a:rPr lang="en-US" sz="2000" b="0" i="0" dirty="0">
+                <a:effectLst/>
+                <a:latin typeface="Consolas" panose="020B0609020204030204" pitchFamily="49" charset="0"/>
+              </a:rPr>
+              <a:t>background-color: #f2f2f2;}</a:t>
+            </a:r>
+          </a:p>
+          <a:p>
+            <a:pPr marL="285750" indent="-285750">
+              <a:lnSpc>
+                <a:spcPct val="150000"/>
+              </a:lnSpc>
+              <a:buFont typeface="Wingdings" panose="05000000000000000000" pitchFamily="2" charset="2"/>
+              <a:buChar char="q"/>
+            </a:pPr>
+            <a:r>
+              <a:rPr lang="en-US" sz="2000" b="0" i="0" dirty="0">
+                <a:effectLst/>
+                <a:latin typeface="Consolas" panose="020B0609020204030204" pitchFamily="49" charset="0"/>
+              </a:rPr>
+              <a:t>Responsive =&gt; overflow-x:auto;</a:t>
+            </a:r>
+            <a:endParaRPr lang="en-US" sz="2000" dirty="0"/>
+          </a:p>
+        </p:txBody>
+      </p:sp>
+    </p:spTree>
+    <p:extLst>
+      <p:ext uri="{BB962C8B-B14F-4D97-AF65-F5344CB8AC3E}">
+        <p14:creationId xmlns:p14="http://schemas.microsoft.com/office/powerpoint/2010/main" val="1129304904"/>
+      </p:ext>
+    </p:extLst>
+  </p:cSld>
+  <p:clrMapOvr>
+    <a:masterClrMapping/>
+  </p:clrMapOvr>
+</p:sld>
+</file>
+
 <file path=ppt/theme/theme1.xml><?xml version="1.0" encoding="utf-8"?>
 <a:theme xmlns:a="http://schemas.openxmlformats.org/drawingml/2006/main" name="Circuit">
   <a:themeElements>

--- a/Presentation/CSS_pre.pptx
+++ b/Presentation/CSS_pre.pptx
@@ -10,6 +10,7 @@
     <p:sldId id="259" r:id="rId4"/>
     <p:sldId id="260" r:id="rId5"/>
     <p:sldId id="261" r:id="rId6"/>
+    <p:sldId id="262" r:id="rId7"/>
   </p:sldIdLst>
   <p:sldSz cx="12192000" cy="6858000"/>
   <p:notesSz cx="6858000" cy="9144000"/>
@@ -166,7 +167,7 @@
           <a:noFill/>
           <a:extLst>
             <a:ext uri="{909E8E84-426E-40dd-AFC4-6F175D3DCCD1}">
-              <a14:hiddenFill xmlns:a14="http://schemas.microsoft.com/office/drawing/2010/main" xmlns="">
+              <a14:hiddenFill xmlns="" xmlns:a14="http://schemas.microsoft.com/office/drawing/2010/main">
                 <a:solidFill>
                   <a:srgbClr val="FFFFFF"/>
                 </a:solidFill>
@@ -226,7 +227,7 @@
             </a:ln>
             <a:extLst>
               <a:ext uri="{91240B29-F687-4f45-9708-019B960494DF}">
-                <a14:hiddenLine xmlns:a14="http://schemas.microsoft.com/office/drawing/2010/main" xmlns="" w="9525">
+                <a14:hiddenLine xmlns="" xmlns:a14="http://schemas.microsoft.com/office/drawing/2010/main" w="9525">
                   <a:solidFill>
                     <a:srgbClr val="000000"/>
                   </a:solidFill>
@@ -316,7 +317,7 @@
             </a:ln>
             <a:extLst>
               <a:ext uri="{91240B29-F687-4f45-9708-019B960494DF}">
-                <a14:hiddenLine xmlns:a14="http://schemas.microsoft.com/office/drawing/2010/main" xmlns="" w="9525">
+                <a14:hiddenLine xmlns="" xmlns:a14="http://schemas.microsoft.com/office/drawing/2010/main" w="9525">
                   <a:solidFill>
                     <a:srgbClr val="000000"/>
                   </a:solidFill>
@@ -406,7 +407,7 @@
             </a:ln>
             <a:extLst>
               <a:ext uri="{91240B29-F687-4f45-9708-019B960494DF}">
-                <a14:hiddenLine xmlns:a14="http://schemas.microsoft.com/office/drawing/2010/main" xmlns="" w="9525">
+                <a14:hiddenLine xmlns="" xmlns:a14="http://schemas.microsoft.com/office/drawing/2010/main" w="9525">
                   <a:solidFill>
                     <a:srgbClr val="000000"/>
                   </a:solidFill>
@@ -440,7 +441,7 @@
             </a:ln>
             <a:extLst>
               <a:ext uri="{91240B29-F687-4f45-9708-019B960494DF}">
-                <a14:hiddenLine xmlns:a14="http://schemas.microsoft.com/office/drawing/2010/main" xmlns="" w="9525">
+                <a14:hiddenLine xmlns="" xmlns:a14="http://schemas.microsoft.com/office/drawing/2010/main" w="9525">
                   <a:solidFill>
                     <a:srgbClr val="000000"/>
                   </a:solidFill>
@@ -530,7 +531,7 @@
             </a:ln>
             <a:extLst>
               <a:ext uri="{91240B29-F687-4f45-9708-019B960494DF}">
-                <a14:hiddenLine xmlns:a14="http://schemas.microsoft.com/office/drawing/2010/main" xmlns="" w="9525">
+                <a14:hiddenLine xmlns="" xmlns:a14="http://schemas.microsoft.com/office/drawing/2010/main" w="9525">
                   <a:solidFill>
                     <a:srgbClr val="000000"/>
                   </a:solidFill>
@@ -592,7 +593,7 @@
             </a:ln>
             <a:extLst>
               <a:ext uri="{91240B29-F687-4f45-9708-019B960494DF}">
-                <a14:hiddenLine xmlns:a14="http://schemas.microsoft.com/office/drawing/2010/main" xmlns="" w="9525">
+                <a14:hiddenLine xmlns="" xmlns:a14="http://schemas.microsoft.com/office/drawing/2010/main" w="9525">
                   <a:solidFill>
                     <a:srgbClr val="000000"/>
                   </a:solidFill>
@@ -654,7 +655,7 @@
             </a:ln>
             <a:extLst>
               <a:ext uri="{91240B29-F687-4f45-9708-019B960494DF}">
-                <a14:hiddenLine xmlns:a14="http://schemas.microsoft.com/office/drawing/2010/main" xmlns="" w="9525">
+                <a14:hiddenLine xmlns="" xmlns:a14="http://schemas.microsoft.com/office/drawing/2010/main" w="9525">
                   <a:solidFill>
                     <a:srgbClr val="000000"/>
                   </a:solidFill>
@@ -744,7 +745,7 @@
             </a:ln>
             <a:extLst>
               <a:ext uri="{91240B29-F687-4f45-9708-019B960494DF}">
-                <a14:hiddenLine xmlns:a14="http://schemas.microsoft.com/office/drawing/2010/main" xmlns="" w="9525">
+                <a14:hiddenLine xmlns="" xmlns:a14="http://schemas.microsoft.com/office/drawing/2010/main" w="9525">
                   <a:solidFill>
                     <a:srgbClr val="000000"/>
                   </a:solidFill>
@@ -806,7 +807,7 @@
             </a:ln>
             <a:extLst>
               <a:ext uri="{91240B29-F687-4f45-9708-019B960494DF}">
-                <a14:hiddenLine xmlns:a14="http://schemas.microsoft.com/office/drawing/2010/main" xmlns="" w="9525">
+                <a14:hiddenLine xmlns="" xmlns:a14="http://schemas.microsoft.com/office/drawing/2010/main" w="9525">
                   <a:solidFill>
                     <a:srgbClr val="000000"/>
                   </a:solidFill>
@@ -868,7 +869,7 @@
             </a:ln>
             <a:extLst>
               <a:ext uri="{91240B29-F687-4f45-9708-019B960494DF}">
-                <a14:hiddenLine xmlns:a14="http://schemas.microsoft.com/office/drawing/2010/main" xmlns="" w="9525">
+                <a14:hiddenLine xmlns="" xmlns:a14="http://schemas.microsoft.com/office/drawing/2010/main" w="9525">
                   <a:solidFill>
                     <a:srgbClr val="000000"/>
                   </a:solidFill>
@@ -958,7 +959,7 @@
             </a:ln>
             <a:extLst>
               <a:ext uri="{91240B29-F687-4f45-9708-019B960494DF}">
-                <a14:hiddenLine xmlns:a14="http://schemas.microsoft.com/office/drawing/2010/main" xmlns="" w="9525">
+                <a14:hiddenLine xmlns="" xmlns:a14="http://schemas.microsoft.com/office/drawing/2010/main" w="9525">
                   <a:solidFill>
                     <a:srgbClr val="000000"/>
                   </a:solidFill>
@@ -1048,7 +1049,7 @@
             </a:ln>
             <a:extLst>
               <a:ext uri="{91240B29-F687-4f45-9708-019B960494DF}">
-                <a14:hiddenLine xmlns:a14="http://schemas.microsoft.com/office/drawing/2010/main" xmlns="" w="9525">
+                <a14:hiddenLine xmlns="" xmlns:a14="http://schemas.microsoft.com/office/drawing/2010/main" w="9525">
                   <a:solidFill>
                     <a:srgbClr val="000000"/>
                   </a:solidFill>
@@ -1110,7 +1111,7 @@
             </a:ln>
             <a:extLst>
               <a:ext uri="{91240B29-F687-4f45-9708-019B960494DF}">
-                <a14:hiddenLine xmlns:a14="http://schemas.microsoft.com/office/drawing/2010/main" xmlns="" w="9525">
+                <a14:hiddenLine xmlns="" xmlns:a14="http://schemas.microsoft.com/office/drawing/2010/main" w="9525">
                   <a:solidFill>
                     <a:srgbClr val="000000"/>
                   </a:solidFill>
@@ -1220,7 +1221,7 @@
             </a:ln>
             <a:extLst>
               <a:ext uri="{91240B29-F687-4f45-9708-019B960494DF}">
-                <a14:hiddenLine xmlns:a14="http://schemas.microsoft.com/office/drawing/2010/main" xmlns="" w="9525">
+                <a14:hiddenLine xmlns="" xmlns:a14="http://schemas.microsoft.com/office/drawing/2010/main" w="9525">
                   <a:solidFill>
                     <a:srgbClr val="000000"/>
                   </a:solidFill>
@@ -1282,7 +1283,7 @@
             </a:ln>
             <a:extLst>
               <a:ext uri="{91240B29-F687-4f45-9708-019B960494DF}">
-                <a14:hiddenLine xmlns:a14="http://schemas.microsoft.com/office/drawing/2010/main" xmlns="" w="9525">
+                <a14:hiddenLine xmlns="" xmlns:a14="http://schemas.microsoft.com/office/drawing/2010/main" w="9525">
                   <a:solidFill>
                     <a:srgbClr val="000000"/>
                   </a:solidFill>
@@ -1372,7 +1373,7 @@
             </a:ln>
             <a:extLst>
               <a:ext uri="{91240B29-F687-4f45-9708-019B960494DF}">
-                <a14:hiddenLine xmlns:a14="http://schemas.microsoft.com/office/drawing/2010/main" xmlns="" w="9525">
+                <a14:hiddenLine xmlns="" xmlns:a14="http://schemas.microsoft.com/office/drawing/2010/main" w="9525">
                   <a:solidFill>
                     <a:srgbClr val="000000"/>
                   </a:solidFill>
@@ -1462,7 +1463,7 @@
             </a:ln>
             <a:extLst>
               <a:ext uri="{91240B29-F687-4f45-9708-019B960494DF}">
-                <a14:hiddenLine xmlns:a14="http://schemas.microsoft.com/office/drawing/2010/main" xmlns="" w="9525">
+                <a14:hiddenLine xmlns="" xmlns:a14="http://schemas.microsoft.com/office/drawing/2010/main" w="9525">
                   <a:solidFill>
                     <a:srgbClr val="000000"/>
                   </a:solidFill>
@@ -1524,7 +1525,7 @@
             </a:ln>
             <a:extLst>
               <a:ext uri="{91240B29-F687-4f45-9708-019B960494DF}">
-                <a14:hiddenLine xmlns:a14="http://schemas.microsoft.com/office/drawing/2010/main" xmlns="" w="9525">
+                <a14:hiddenLine xmlns="" xmlns:a14="http://schemas.microsoft.com/office/drawing/2010/main" w="9525">
                   <a:solidFill>
                     <a:srgbClr val="000000"/>
                   </a:solidFill>
@@ -1614,7 +1615,7 @@
             </a:ln>
             <a:extLst>
               <a:ext uri="{91240B29-F687-4f45-9708-019B960494DF}">
-                <a14:hiddenLine xmlns:a14="http://schemas.microsoft.com/office/drawing/2010/main" xmlns="" w="9525">
+                <a14:hiddenLine xmlns="" xmlns:a14="http://schemas.microsoft.com/office/drawing/2010/main" w="9525">
                   <a:solidFill>
                     <a:srgbClr val="000000"/>
                   </a:solidFill>
@@ -1704,7 +1705,7 @@
             </a:ln>
             <a:extLst>
               <a:ext uri="{91240B29-F687-4f45-9708-019B960494DF}">
-                <a14:hiddenLine xmlns:a14="http://schemas.microsoft.com/office/drawing/2010/main" xmlns="" w="9525">
+                <a14:hiddenLine xmlns="" xmlns:a14="http://schemas.microsoft.com/office/drawing/2010/main" w="9525">
                   <a:solidFill>
                     <a:srgbClr val="000000"/>
                   </a:solidFill>
@@ -1760,7 +1761,7 @@
             </a:ln>
             <a:extLst>
               <a:ext uri="{91240B29-F687-4f45-9708-019B960494DF}">
-                <a14:hiddenLine xmlns:a14="http://schemas.microsoft.com/office/drawing/2010/main" xmlns="" w="9525">
+                <a14:hiddenLine xmlns="" xmlns:a14="http://schemas.microsoft.com/office/drawing/2010/main" w="9525">
                   <a:solidFill>
                     <a:srgbClr val="000000"/>
                   </a:solidFill>
@@ -1850,7 +1851,7 @@
             </a:ln>
             <a:extLst>
               <a:ext uri="{91240B29-F687-4f45-9708-019B960494DF}">
-                <a14:hiddenLine xmlns:a14="http://schemas.microsoft.com/office/drawing/2010/main" xmlns="" w="9525">
+                <a14:hiddenLine xmlns="" xmlns:a14="http://schemas.microsoft.com/office/drawing/2010/main" w="9525">
                   <a:solidFill>
                     <a:srgbClr val="000000"/>
                   </a:solidFill>
@@ -1906,7 +1907,7 @@
             </a:ln>
             <a:extLst>
               <a:ext uri="{91240B29-F687-4f45-9708-019B960494DF}">
-                <a14:hiddenLine xmlns:a14="http://schemas.microsoft.com/office/drawing/2010/main" xmlns="" w="9525">
+                <a14:hiddenLine xmlns="" xmlns:a14="http://schemas.microsoft.com/office/drawing/2010/main" w="9525">
                   <a:solidFill>
                     <a:srgbClr val="000000"/>
                   </a:solidFill>
@@ -1996,7 +1997,7 @@
             </a:ln>
             <a:extLst>
               <a:ext uri="{91240B29-F687-4f45-9708-019B960494DF}">
-                <a14:hiddenLine xmlns:a14="http://schemas.microsoft.com/office/drawing/2010/main" xmlns="" w="9525">
+                <a14:hiddenLine xmlns="" xmlns:a14="http://schemas.microsoft.com/office/drawing/2010/main" w="9525">
                   <a:solidFill>
                     <a:srgbClr val="000000"/>
                   </a:solidFill>
@@ -2064,7 +2065,7 @@
             </a:ln>
             <a:extLst>
               <a:ext uri="{91240B29-F687-4f45-9708-019B960494DF}">
-                <a14:hiddenLine xmlns:a14="http://schemas.microsoft.com/office/drawing/2010/main" xmlns="" w="9525">
+                <a14:hiddenLine xmlns="" xmlns:a14="http://schemas.microsoft.com/office/drawing/2010/main" w="9525">
                   <a:solidFill>
                     <a:srgbClr val="000000"/>
                   </a:solidFill>
@@ -2154,7 +2155,7 @@
             </a:ln>
             <a:extLst>
               <a:ext uri="{91240B29-F687-4f45-9708-019B960494DF}">
-                <a14:hiddenLine xmlns:a14="http://schemas.microsoft.com/office/drawing/2010/main" xmlns="" w="9525">
+                <a14:hiddenLine xmlns="" xmlns:a14="http://schemas.microsoft.com/office/drawing/2010/main" w="9525">
                   <a:solidFill>
                     <a:srgbClr val="000000"/>
                   </a:solidFill>
@@ -2222,7 +2223,7 @@
             </a:ln>
             <a:extLst>
               <a:ext uri="{91240B29-F687-4f45-9708-019B960494DF}">
-                <a14:hiddenLine xmlns:a14="http://schemas.microsoft.com/office/drawing/2010/main" xmlns="" w="9525">
+                <a14:hiddenLine xmlns="" xmlns:a14="http://schemas.microsoft.com/office/drawing/2010/main" w="9525">
                   <a:solidFill>
                     <a:srgbClr val="000000"/>
                   </a:solidFill>
@@ -2312,7 +2313,7 @@
             </a:ln>
             <a:extLst>
               <a:ext uri="{91240B29-F687-4f45-9708-019B960494DF}">
-                <a14:hiddenLine xmlns:a14="http://schemas.microsoft.com/office/drawing/2010/main" xmlns="" w="9525">
+                <a14:hiddenLine xmlns="" xmlns:a14="http://schemas.microsoft.com/office/drawing/2010/main" w="9525">
                   <a:solidFill>
                     <a:srgbClr val="000000"/>
                   </a:solidFill>
@@ -2346,7 +2347,7 @@
             </a:ln>
             <a:extLst>
               <a:ext uri="{91240B29-F687-4f45-9708-019B960494DF}">
-                <a14:hiddenLine xmlns:a14="http://schemas.microsoft.com/office/drawing/2010/main" xmlns="" w="9525">
+                <a14:hiddenLine xmlns="" xmlns:a14="http://schemas.microsoft.com/office/drawing/2010/main" w="9525">
                   <a:solidFill>
                     <a:srgbClr val="000000"/>
                   </a:solidFill>
@@ -2436,7 +2437,7 @@
             </a:ln>
             <a:extLst>
               <a:ext uri="{91240B29-F687-4f45-9708-019B960494DF}">
-                <a14:hiddenLine xmlns:a14="http://schemas.microsoft.com/office/drawing/2010/main" xmlns="" w="9525">
+                <a14:hiddenLine xmlns="" xmlns:a14="http://schemas.microsoft.com/office/drawing/2010/main" w="9525">
                   <a:solidFill>
                     <a:srgbClr val="000000"/>
                   </a:solidFill>
@@ -2498,7 +2499,7 @@
             </a:ln>
             <a:extLst>
               <a:ext uri="{91240B29-F687-4f45-9708-019B960494DF}">
-                <a14:hiddenLine xmlns:a14="http://schemas.microsoft.com/office/drawing/2010/main" xmlns="" w="9525">
+                <a14:hiddenLine xmlns="" xmlns:a14="http://schemas.microsoft.com/office/drawing/2010/main" w="9525">
                   <a:solidFill>
                     <a:srgbClr val="000000"/>
                   </a:solidFill>
@@ -2560,7 +2561,7 @@
             </a:ln>
             <a:extLst>
               <a:ext uri="{91240B29-F687-4f45-9708-019B960494DF}">
-                <a14:hiddenLine xmlns:a14="http://schemas.microsoft.com/office/drawing/2010/main" xmlns="" w="9525">
+                <a14:hiddenLine xmlns="" xmlns:a14="http://schemas.microsoft.com/office/drawing/2010/main" w="9525">
                   <a:solidFill>
                     <a:srgbClr val="000000"/>
                   </a:solidFill>
@@ -2650,7 +2651,7 @@
             </a:ln>
             <a:extLst>
               <a:ext uri="{91240B29-F687-4f45-9708-019B960494DF}">
-                <a14:hiddenLine xmlns:a14="http://schemas.microsoft.com/office/drawing/2010/main" xmlns="" w="9525">
+                <a14:hiddenLine xmlns="" xmlns:a14="http://schemas.microsoft.com/office/drawing/2010/main" w="9525">
                   <a:solidFill>
                     <a:srgbClr val="000000"/>
                   </a:solidFill>
@@ -2718,7 +2719,7 @@
             </a:ln>
             <a:extLst>
               <a:ext uri="{91240B29-F687-4f45-9708-019B960494DF}">
-                <a14:hiddenLine xmlns:a14="http://schemas.microsoft.com/office/drawing/2010/main" xmlns="" w="9525">
+                <a14:hiddenLine xmlns="" xmlns:a14="http://schemas.microsoft.com/office/drawing/2010/main" w="9525">
                   <a:solidFill>
                     <a:srgbClr val="000000"/>
                   </a:solidFill>
@@ -2780,7 +2781,7 @@
             </a:ln>
             <a:extLst>
               <a:ext uri="{91240B29-F687-4f45-9708-019B960494DF}">
-                <a14:hiddenLine xmlns:a14="http://schemas.microsoft.com/office/drawing/2010/main" xmlns="" w="9525">
+                <a14:hiddenLine xmlns="" xmlns:a14="http://schemas.microsoft.com/office/drawing/2010/main" w="9525">
                   <a:solidFill>
                     <a:srgbClr val="000000"/>
                   </a:solidFill>
@@ -2870,7 +2871,7 @@
             </a:ln>
             <a:extLst>
               <a:ext uri="{91240B29-F687-4f45-9708-019B960494DF}">
-                <a14:hiddenLine xmlns:a14="http://schemas.microsoft.com/office/drawing/2010/main" xmlns="" w="9525">
+                <a14:hiddenLine xmlns="" xmlns:a14="http://schemas.microsoft.com/office/drawing/2010/main" w="9525">
                   <a:solidFill>
                     <a:srgbClr val="000000"/>
                   </a:solidFill>
@@ -2932,7 +2933,7 @@
             </a:ln>
             <a:extLst>
               <a:ext uri="{91240B29-F687-4f45-9708-019B960494DF}">
-                <a14:hiddenLine xmlns:a14="http://schemas.microsoft.com/office/drawing/2010/main" xmlns="" w="9525">
+                <a14:hiddenLine xmlns="" xmlns:a14="http://schemas.microsoft.com/office/drawing/2010/main" w="9525">
                   <a:solidFill>
                     <a:srgbClr val="000000"/>
                   </a:solidFill>
@@ -3022,7 +3023,7 @@
             </a:ln>
             <a:extLst>
               <a:ext uri="{91240B29-F687-4f45-9708-019B960494DF}">
-                <a14:hiddenLine xmlns:a14="http://schemas.microsoft.com/office/drawing/2010/main" xmlns="" w="9525">
+                <a14:hiddenLine xmlns="" xmlns:a14="http://schemas.microsoft.com/office/drawing/2010/main" w="9525">
                   <a:solidFill>
                     <a:srgbClr val="000000"/>
                   </a:solidFill>
@@ -3084,7 +3085,7 @@
             </a:ln>
             <a:extLst>
               <a:ext uri="{91240B29-F687-4f45-9708-019B960494DF}">
-                <a14:hiddenLine xmlns:a14="http://schemas.microsoft.com/office/drawing/2010/main" xmlns="" w="9525">
+                <a14:hiddenLine xmlns="" xmlns:a14="http://schemas.microsoft.com/office/drawing/2010/main" w="9525">
                   <a:solidFill>
                     <a:srgbClr val="000000"/>
                   </a:solidFill>
@@ -3174,7 +3175,7 @@
             </a:ln>
             <a:extLst>
               <a:ext uri="{91240B29-F687-4f45-9708-019B960494DF}">
-                <a14:hiddenLine xmlns:a14="http://schemas.microsoft.com/office/drawing/2010/main" xmlns="" w="9525">
+                <a14:hiddenLine xmlns="" xmlns:a14="http://schemas.microsoft.com/office/drawing/2010/main" w="9525">
                   <a:solidFill>
                     <a:srgbClr val="000000"/>
                   </a:solidFill>
@@ -3208,7 +3209,7 @@
             </a:ln>
             <a:extLst>
               <a:ext uri="{91240B29-F687-4f45-9708-019B960494DF}">
-                <a14:hiddenLine xmlns:a14="http://schemas.microsoft.com/office/drawing/2010/main" xmlns="" w="9525">
+                <a14:hiddenLine xmlns="" xmlns:a14="http://schemas.microsoft.com/office/drawing/2010/main" w="9525">
                   <a:solidFill>
                     <a:srgbClr val="000000"/>
                   </a:solidFill>
@@ -3273,7 +3274,7 @@
             </a:ln>
             <a:extLst>
               <a:ext uri="{91240B29-F687-4f45-9708-019B960494DF}">
-                <a14:hiddenLine xmlns:a14="http://schemas.microsoft.com/office/drawing/2010/main" xmlns="" w="9525">
+                <a14:hiddenLine xmlns="" xmlns:a14="http://schemas.microsoft.com/office/drawing/2010/main" w="9525">
                   <a:solidFill>
                     <a:srgbClr val="000000"/>
                   </a:solidFill>
@@ -3363,7 +3364,7 @@
             </a:ln>
             <a:extLst>
               <a:ext uri="{91240B29-F687-4f45-9708-019B960494DF}">
-                <a14:hiddenLine xmlns:a14="http://schemas.microsoft.com/office/drawing/2010/main" xmlns="" w="9525">
+                <a14:hiddenLine xmlns="" xmlns:a14="http://schemas.microsoft.com/office/drawing/2010/main" w="9525">
                   <a:solidFill>
                     <a:srgbClr val="000000"/>
                   </a:solidFill>
@@ -3425,7 +3426,7 @@
             </a:ln>
             <a:extLst>
               <a:ext uri="{91240B29-F687-4f45-9708-019B960494DF}">
-                <a14:hiddenLine xmlns:a14="http://schemas.microsoft.com/office/drawing/2010/main" xmlns="" w="9525">
+                <a14:hiddenLine xmlns="" xmlns:a14="http://schemas.microsoft.com/office/drawing/2010/main" w="9525">
                   <a:solidFill>
                     <a:srgbClr val="000000"/>
                   </a:solidFill>
@@ -3515,7 +3516,7 @@
             </a:ln>
             <a:extLst>
               <a:ext uri="{91240B29-F687-4f45-9708-019B960494DF}">
-                <a14:hiddenLine xmlns:a14="http://schemas.microsoft.com/office/drawing/2010/main" xmlns="" w="9525">
+                <a14:hiddenLine xmlns="" xmlns:a14="http://schemas.microsoft.com/office/drawing/2010/main" w="9525">
                   <a:solidFill>
                     <a:srgbClr val="000000"/>
                   </a:solidFill>
@@ -3605,7 +3606,7 @@
             </a:ln>
             <a:extLst>
               <a:ext uri="{91240B29-F687-4f45-9708-019B960494DF}">
-                <a14:hiddenLine xmlns:a14="http://schemas.microsoft.com/office/drawing/2010/main" xmlns="" w="9525">
+                <a14:hiddenLine xmlns="" xmlns:a14="http://schemas.microsoft.com/office/drawing/2010/main" w="9525">
                   <a:solidFill>
                     <a:srgbClr val="000000"/>
                   </a:solidFill>
@@ -3670,7 +3671,7 @@
             </a:ln>
             <a:extLst>
               <a:ext uri="{91240B29-F687-4f45-9708-019B960494DF}">
-                <a14:hiddenLine xmlns:a14="http://schemas.microsoft.com/office/drawing/2010/main" xmlns="" w="9525">
+                <a14:hiddenLine xmlns="" xmlns:a14="http://schemas.microsoft.com/office/drawing/2010/main" w="9525">
                   <a:solidFill>
                     <a:srgbClr val="000000"/>
                   </a:solidFill>
@@ -3732,7 +3733,7 @@
             </a:ln>
             <a:extLst>
               <a:ext uri="{91240B29-F687-4f45-9708-019B960494DF}">
-                <a14:hiddenLine xmlns:a14="http://schemas.microsoft.com/office/drawing/2010/main" xmlns="" w="9525">
+                <a14:hiddenLine xmlns="" xmlns:a14="http://schemas.microsoft.com/office/drawing/2010/main" w="9525">
                   <a:solidFill>
                     <a:srgbClr val="000000"/>
                   </a:solidFill>
@@ -3822,7 +3823,7 @@
             </a:ln>
             <a:extLst>
               <a:ext uri="{91240B29-F687-4f45-9708-019B960494DF}">
-                <a14:hiddenLine xmlns:a14="http://schemas.microsoft.com/office/drawing/2010/main" xmlns="" w="9525">
+                <a14:hiddenLine xmlns="" xmlns:a14="http://schemas.microsoft.com/office/drawing/2010/main" w="9525">
                   <a:solidFill>
                     <a:srgbClr val="000000"/>
                   </a:solidFill>
@@ -3912,7 +3913,7 @@
             </a:ln>
             <a:extLst>
               <a:ext uri="{91240B29-F687-4f45-9708-019B960494DF}">
-                <a14:hiddenLine xmlns:a14="http://schemas.microsoft.com/office/drawing/2010/main" xmlns="" w="9525">
+                <a14:hiddenLine xmlns="" xmlns:a14="http://schemas.microsoft.com/office/drawing/2010/main" w="9525">
                   <a:solidFill>
                     <a:srgbClr val="000000"/>
                   </a:solidFill>
@@ -3974,7 +3975,7 @@
             </a:ln>
             <a:extLst>
               <a:ext uri="{91240B29-F687-4f45-9708-019B960494DF}">
-                <a14:hiddenLine xmlns:a14="http://schemas.microsoft.com/office/drawing/2010/main" xmlns="" w="9525">
+                <a14:hiddenLine xmlns="" xmlns:a14="http://schemas.microsoft.com/office/drawing/2010/main" w="9525">
                   <a:solidFill>
                     <a:srgbClr val="000000"/>
                   </a:solidFill>
@@ -4094,7 +4095,7 @@
             </a:ln>
             <a:extLst>
               <a:ext uri="{91240B29-F687-4f45-9708-019B960494DF}">
-                <a14:hiddenLine xmlns:a14="http://schemas.microsoft.com/office/drawing/2010/main" xmlns="" w="9525">
+                <a14:hiddenLine xmlns="" xmlns:a14="http://schemas.microsoft.com/office/drawing/2010/main" w="9525">
                   <a:solidFill>
                     <a:srgbClr val="000000"/>
                   </a:solidFill>
@@ -4162,7 +4163,7 @@
             </a:ln>
             <a:extLst>
               <a:ext uri="{91240B29-F687-4f45-9708-019B960494DF}">
-                <a14:hiddenLine xmlns:a14="http://schemas.microsoft.com/office/drawing/2010/main" xmlns="" w="9525">
+                <a14:hiddenLine xmlns="" xmlns:a14="http://schemas.microsoft.com/office/drawing/2010/main" w="9525">
                   <a:solidFill>
                     <a:srgbClr val="000000"/>
                   </a:solidFill>
@@ -4252,7 +4253,7 @@
             </a:ln>
             <a:extLst>
               <a:ext uri="{91240B29-F687-4f45-9708-019B960494DF}">
-                <a14:hiddenLine xmlns:a14="http://schemas.microsoft.com/office/drawing/2010/main" xmlns="" w="9525">
+                <a14:hiddenLine xmlns="" xmlns:a14="http://schemas.microsoft.com/office/drawing/2010/main" w="9525">
                   <a:solidFill>
                     <a:srgbClr val="000000"/>
                   </a:solidFill>
@@ -4392,7 +4393,7 @@
           <a:p>
             <a:fld id="{48A87A34-81AB-432B-8DAE-1953F412C126}" type="datetimeFigureOut">
               <a:rPr lang="en-US" dirty="0"/>
-              <a:t>11/7/2023</a:t>
+              <a:t>11/11/2023</a:t>
             </a:fld>
             <a:endParaRPr lang="en-US" dirty="0"/>
           </a:p>
@@ -4654,7 +4655,7 @@
           <a:p>
             <a:fld id="{48A87A34-81AB-432B-8DAE-1953F412C126}" type="datetimeFigureOut">
               <a:rPr lang="en-US" dirty="0"/>
-              <a:t>11/7/2023</a:t>
+              <a:t>11/11/2023</a:t>
             </a:fld>
             <a:endParaRPr lang="en-US" dirty="0"/>
           </a:p>
@@ -4845,7 +4846,7 @@
           <a:p>
             <a:fld id="{48A87A34-81AB-432B-8DAE-1953F412C126}" type="datetimeFigureOut">
               <a:rPr lang="en-US" dirty="0"/>
-              <a:t>11/7/2023</a:t>
+              <a:t>11/11/2023</a:t>
             </a:fld>
             <a:endParaRPr lang="en-US" dirty="0"/>
           </a:p>
@@ -5103,7 +5104,7 @@
           <a:p>
             <a:fld id="{48A87A34-81AB-432B-8DAE-1953F412C126}" type="datetimeFigureOut">
               <a:rPr lang="en-US" dirty="0"/>
-              <a:t>11/7/2023</a:t>
+              <a:t>11/11/2023</a:t>
             </a:fld>
             <a:endParaRPr lang="en-US" dirty="0"/>
           </a:p>
@@ -5532,7 +5533,7 @@
           <a:p>
             <a:fld id="{48A87A34-81AB-432B-8DAE-1953F412C126}" type="datetimeFigureOut">
               <a:rPr lang="en-US" dirty="0"/>
-              <a:t>11/7/2023</a:t>
+              <a:t>11/11/2023</a:t>
             </a:fld>
             <a:endParaRPr lang="en-US" dirty="0"/>
           </a:p>
@@ -6073,7 +6074,7 @@
           <a:p>
             <a:fld id="{48A87A34-81AB-432B-8DAE-1953F412C126}" type="datetimeFigureOut">
               <a:rPr lang="en-US" dirty="0"/>
-              <a:t>11/7/2023</a:t>
+              <a:t>11/11/2023</a:t>
             </a:fld>
             <a:endParaRPr lang="en-US" dirty="0"/>
           </a:p>
@@ -6788,7 +6789,7 @@
           <a:p>
             <a:fld id="{48A87A34-81AB-432B-8DAE-1953F412C126}" type="datetimeFigureOut">
               <a:rPr lang="en-US" dirty="0"/>
-              <a:t>11/7/2023</a:t>
+              <a:t>11/11/2023</a:t>
             </a:fld>
             <a:endParaRPr lang="en-US" dirty="0"/>
           </a:p>
@@ -6953,7 +6954,7 @@
           <a:p>
             <a:fld id="{48A87A34-81AB-432B-8DAE-1953F412C126}" type="datetimeFigureOut">
               <a:rPr lang="en-US" dirty="0"/>
-              <a:t>11/7/2023</a:t>
+              <a:t>11/11/2023</a:t>
             </a:fld>
             <a:endParaRPr lang="en-US" dirty="0"/>
           </a:p>
@@ -7128,7 +7129,7 @@
           <a:p>
             <a:fld id="{48A87A34-81AB-432B-8DAE-1953F412C126}" type="datetimeFigureOut">
               <a:rPr lang="en-US" dirty="0"/>
-              <a:t>11/7/2023</a:t>
+              <a:t>11/11/2023</a:t>
             </a:fld>
             <a:endParaRPr lang="en-US" dirty="0"/>
           </a:p>
@@ -7293,7 +7294,7 @@
           <a:p>
             <a:fld id="{48A87A34-81AB-432B-8DAE-1953F412C126}" type="datetimeFigureOut">
               <a:rPr lang="en-US" dirty="0"/>
-              <a:t>11/7/2023</a:t>
+              <a:t>11/11/2023</a:t>
             </a:fld>
             <a:endParaRPr lang="en-US" dirty="0"/>
           </a:p>
@@ -7538,7 +7539,7 @@
           <a:p>
             <a:fld id="{48A87A34-81AB-432B-8DAE-1953F412C126}" type="datetimeFigureOut">
               <a:rPr lang="en-US" dirty="0"/>
-              <a:t>11/7/2023</a:t>
+              <a:t>11/11/2023</a:t>
             </a:fld>
             <a:endParaRPr lang="en-US" dirty="0"/>
           </a:p>
@@ -7765,7 +7766,7 @@
           <a:p>
             <a:fld id="{48A87A34-81AB-432B-8DAE-1953F412C126}" type="datetimeFigureOut">
               <a:rPr lang="en-US" dirty="0"/>
-              <a:t>11/7/2023</a:t>
+              <a:t>11/11/2023</a:t>
             </a:fld>
             <a:endParaRPr lang="en-US" dirty="0"/>
           </a:p>
@@ -8141,7 +8142,7 @@
           <a:p>
             <a:fld id="{48A87A34-81AB-432B-8DAE-1953F412C126}" type="datetimeFigureOut">
               <a:rPr lang="en-US" dirty="0"/>
-              <a:t>11/7/2023</a:t>
+              <a:t>11/11/2023</a:t>
             </a:fld>
             <a:endParaRPr lang="en-US" dirty="0"/>
           </a:p>
@@ -8254,7 +8255,7 @@
           <a:p>
             <a:fld id="{48A87A34-81AB-432B-8DAE-1953F412C126}" type="datetimeFigureOut">
               <a:rPr lang="en-US" dirty="0"/>
-              <a:t>11/7/2023</a:t>
+              <a:t>11/11/2023</a:t>
             </a:fld>
             <a:endParaRPr lang="en-US" dirty="0"/>
           </a:p>
@@ -8344,7 +8345,7 @@
           <a:p>
             <a:fld id="{48A87A34-81AB-432B-8DAE-1953F412C126}" type="datetimeFigureOut">
               <a:rPr lang="en-US" dirty="0"/>
-              <a:t>11/7/2023</a:t>
+              <a:t>11/11/2023</a:t>
             </a:fld>
             <a:endParaRPr lang="en-US" dirty="0"/>
           </a:p>
@@ -8588,7 +8589,7 @@
           <a:p>
             <a:fld id="{48A87A34-81AB-432B-8DAE-1953F412C126}" type="datetimeFigureOut">
               <a:rPr lang="en-US" dirty="0"/>
-              <a:t>11/7/2023</a:t>
+              <a:t>11/11/2023</a:t>
             </a:fld>
             <a:endParaRPr lang="en-US" dirty="0"/>
           </a:p>
@@ -8863,7 +8864,7 @@
           <a:p>
             <a:fld id="{48A87A34-81AB-432B-8DAE-1953F412C126}" type="datetimeFigureOut">
               <a:rPr lang="en-US" dirty="0"/>
-              <a:t>11/7/2023</a:t>
+              <a:t>11/11/2023</a:t>
             </a:fld>
             <a:endParaRPr lang="en-US" dirty="0"/>
           </a:p>
@@ -8974,7 +8975,7 @@
           <a:noFill/>
           <a:extLst>
             <a:ext uri="{909E8E84-426E-40dd-AFC4-6F175D3DCCD1}">
-              <a14:hiddenFill xmlns:a14="http://schemas.microsoft.com/office/drawing/2010/main" xmlns="">
+              <a14:hiddenFill xmlns="" xmlns:a14="http://schemas.microsoft.com/office/drawing/2010/main">
                 <a:solidFill>
                   <a:srgbClr val="FFFFFF"/>
                 </a:solidFill>
@@ -9048,7 +9049,7 @@
               </a:ln>
               <a:extLst>
                 <a:ext uri="{91240B29-F687-4f45-9708-019B960494DF}">
-                  <a14:hiddenLine xmlns:a14="http://schemas.microsoft.com/office/drawing/2010/main" xmlns="" w="9525">
+                  <a14:hiddenLine xmlns="" xmlns:a14="http://schemas.microsoft.com/office/drawing/2010/main" w="9525">
                     <a:solidFill>
                       <a:srgbClr val="000000"/>
                     </a:solidFill>
@@ -9138,7 +9139,7 @@
               </a:ln>
               <a:extLst>
                 <a:ext uri="{91240B29-F687-4f45-9708-019B960494DF}">
-                  <a14:hiddenLine xmlns:a14="http://schemas.microsoft.com/office/drawing/2010/main" xmlns="" w="9525">
+                  <a14:hiddenLine xmlns="" xmlns:a14="http://schemas.microsoft.com/office/drawing/2010/main" w="9525">
                     <a:solidFill>
                       <a:srgbClr val="000000"/>
                     </a:solidFill>
@@ -9228,7 +9229,7 @@
               </a:ln>
               <a:extLst>
                 <a:ext uri="{91240B29-F687-4f45-9708-019B960494DF}">
-                  <a14:hiddenLine xmlns:a14="http://schemas.microsoft.com/office/drawing/2010/main" xmlns="" w="9525">
+                  <a14:hiddenLine xmlns="" xmlns:a14="http://schemas.microsoft.com/office/drawing/2010/main" w="9525">
                     <a:solidFill>
                       <a:srgbClr val="000000"/>
                     </a:solidFill>
@@ -9290,7 +9291,7 @@
               </a:ln>
               <a:extLst>
                 <a:ext uri="{91240B29-F687-4f45-9708-019B960494DF}">
-                  <a14:hiddenLine xmlns:a14="http://schemas.microsoft.com/office/drawing/2010/main" xmlns="" w="9525">
+                  <a14:hiddenLine xmlns="" xmlns:a14="http://schemas.microsoft.com/office/drawing/2010/main" w="9525">
                     <a:solidFill>
                       <a:srgbClr val="000000"/>
                     </a:solidFill>
@@ -9380,7 +9381,7 @@
               </a:ln>
               <a:extLst>
                 <a:ext uri="{91240B29-F687-4f45-9708-019B960494DF}">
-                  <a14:hiddenLine xmlns:a14="http://schemas.microsoft.com/office/drawing/2010/main" xmlns="" w="9525">
+                  <a14:hiddenLine xmlns="" xmlns:a14="http://schemas.microsoft.com/office/drawing/2010/main" w="9525">
                     <a:solidFill>
                       <a:srgbClr val="000000"/>
                     </a:solidFill>
@@ -9442,7 +9443,7 @@
               </a:ln>
               <a:extLst>
                 <a:ext uri="{91240B29-F687-4f45-9708-019B960494DF}">
-                  <a14:hiddenLine xmlns:a14="http://schemas.microsoft.com/office/drawing/2010/main" xmlns="" w="9525">
+                  <a14:hiddenLine xmlns="" xmlns:a14="http://schemas.microsoft.com/office/drawing/2010/main" w="9525">
                     <a:solidFill>
                       <a:srgbClr val="000000"/>
                     </a:solidFill>
@@ -9504,7 +9505,7 @@
               </a:ln>
               <a:extLst>
                 <a:ext uri="{91240B29-F687-4f45-9708-019B960494DF}">
-                  <a14:hiddenLine xmlns:a14="http://schemas.microsoft.com/office/drawing/2010/main" xmlns="" w="9525">
+                  <a14:hiddenLine xmlns="" xmlns:a14="http://schemas.microsoft.com/office/drawing/2010/main" w="9525">
                     <a:solidFill>
                       <a:srgbClr val="000000"/>
                     </a:solidFill>
@@ -9594,7 +9595,7 @@
               </a:ln>
               <a:extLst>
                 <a:ext uri="{91240B29-F687-4f45-9708-019B960494DF}">
-                  <a14:hiddenLine xmlns:a14="http://schemas.microsoft.com/office/drawing/2010/main" xmlns="" w="9525">
+                  <a14:hiddenLine xmlns="" xmlns:a14="http://schemas.microsoft.com/office/drawing/2010/main" w="9525">
                     <a:solidFill>
                       <a:srgbClr val="000000"/>
                     </a:solidFill>
@@ -9684,7 +9685,7 @@
               </a:ln>
               <a:extLst>
                 <a:ext uri="{91240B29-F687-4f45-9708-019B960494DF}">
-                  <a14:hiddenLine xmlns:a14="http://schemas.microsoft.com/office/drawing/2010/main" xmlns="" w="9525">
+                  <a14:hiddenLine xmlns="" xmlns:a14="http://schemas.microsoft.com/office/drawing/2010/main" w="9525">
                     <a:solidFill>
                       <a:srgbClr val="000000"/>
                     </a:solidFill>
@@ -9746,7 +9747,7 @@
               </a:ln>
               <a:extLst>
                 <a:ext uri="{91240B29-F687-4f45-9708-019B960494DF}">
-                  <a14:hiddenLine xmlns:a14="http://schemas.microsoft.com/office/drawing/2010/main" xmlns="" w="9525">
+                  <a14:hiddenLine xmlns="" xmlns:a14="http://schemas.microsoft.com/office/drawing/2010/main" w="9525">
                     <a:solidFill>
                       <a:srgbClr val="000000"/>
                     </a:solidFill>
@@ -9856,7 +9857,7 @@
               </a:ln>
               <a:extLst>
                 <a:ext uri="{91240B29-F687-4f45-9708-019B960494DF}">
-                  <a14:hiddenLine xmlns:a14="http://schemas.microsoft.com/office/drawing/2010/main" xmlns="" w="9525">
+                  <a14:hiddenLine xmlns="" xmlns:a14="http://schemas.microsoft.com/office/drawing/2010/main" w="9525">
                     <a:solidFill>
                       <a:srgbClr val="000000"/>
                     </a:solidFill>
@@ -9940,7 +9941,7 @@
               </a:ln>
               <a:extLst>
                 <a:ext uri="{91240B29-F687-4f45-9708-019B960494DF}">
-                  <a14:hiddenLine xmlns:a14="http://schemas.microsoft.com/office/drawing/2010/main" xmlns="" w="9525">
+                  <a14:hiddenLine xmlns="" xmlns:a14="http://schemas.microsoft.com/office/drawing/2010/main" w="9525">
                     <a:solidFill>
                       <a:srgbClr val="000000"/>
                     </a:solidFill>
@@ -10002,7 +10003,7 @@
               </a:ln>
               <a:extLst>
                 <a:ext uri="{91240B29-F687-4f45-9708-019B960494DF}">
-                  <a14:hiddenLine xmlns:a14="http://schemas.microsoft.com/office/drawing/2010/main" xmlns="" w="9525">
+                  <a14:hiddenLine xmlns="" xmlns:a14="http://schemas.microsoft.com/office/drawing/2010/main" w="9525">
                     <a:solidFill>
                       <a:srgbClr val="000000"/>
                     </a:solidFill>
@@ -10064,7 +10065,7 @@
               </a:ln>
               <a:extLst>
                 <a:ext uri="{91240B29-F687-4f45-9708-019B960494DF}">
-                  <a14:hiddenLine xmlns:a14="http://schemas.microsoft.com/office/drawing/2010/main" xmlns="" w="9525">
+                  <a14:hiddenLine xmlns="" xmlns:a14="http://schemas.microsoft.com/office/drawing/2010/main" w="9525">
                     <a:solidFill>
                       <a:srgbClr val="000000"/>
                     </a:solidFill>
@@ -10154,7 +10155,7 @@
               </a:ln>
               <a:extLst>
                 <a:ext uri="{91240B29-F687-4f45-9708-019B960494DF}">
-                  <a14:hiddenLine xmlns:a14="http://schemas.microsoft.com/office/drawing/2010/main" xmlns="" w="9525">
+                  <a14:hiddenLine xmlns="" xmlns:a14="http://schemas.microsoft.com/office/drawing/2010/main" w="9525">
                     <a:solidFill>
                       <a:srgbClr val="000000"/>
                     </a:solidFill>
@@ -10188,7 +10189,7 @@
               </a:ln>
               <a:extLst>
                 <a:ext uri="{91240B29-F687-4f45-9708-019B960494DF}">
-                  <a14:hiddenLine xmlns:a14="http://schemas.microsoft.com/office/drawing/2010/main" xmlns="" w="9525">
+                  <a14:hiddenLine xmlns="" xmlns:a14="http://schemas.microsoft.com/office/drawing/2010/main" w="9525">
                     <a:solidFill>
                       <a:srgbClr val="000000"/>
                     </a:solidFill>
@@ -10253,7 +10254,7 @@
               </a:ln>
               <a:extLst>
                 <a:ext uri="{91240B29-F687-4f45-9708-019B960494DF}">
-                  <a14:hiddenLine xmlns:a14="http://schemas.microsoft.com/office/drawing/2010/main" xmlns="" w="9525">
+                  <a14:hiddenLine xmlns="" xmlns:a14="http://schemas.microsoft.com/office/drawing/2010/main" w="9525">
                     <a:solidFill>
                       <a:srgbClr val="000000"/>
                     </a:solidFill>
@@ -10343,7 +10344,7 @@
               </a:ln>
               <a:extLst>
                 <a:ext uri="{91240B29-F687-4f45-9708-019B960494DF}">
-                  <a14:hiddenLine xmlns:a14="http://schemas.microsoft.com/office/drawing/2010/main" xmlns="" w="9525">
+                  <a14:hiddenLine xmlns="" xmlns:a14="http://schemas.microsoft.com/office/drawing/2010/main" w="9525">
                     <a:solidFill>
                       <a:srgbClr val="000000"/>
                     </a:solidFill>
@@ -10405,7 +10406,7 @@
               </a:ln>
               <a:extLst>
                 <a:ext uri="{91240B29-F687-4f45-9708-019B960494DF}">
-                  <a14:hiddenLine xmlns:a14="http://schemas.microsoft.com/office/drawing/2010/main" xmlns="" w="9525">
+                  <a14:hiddenLine xmlns="" xmlns:a14="http://schemas.microsoft.com/office/drawing/2010/main" w="9525">
                     <a:solidFill>
                       <a:srgbClr val="000000"/>
                     </a:solidFill>
@@ -10495,7 +10496,7 @@
               </a:ln>
               <a:extLst>
                 <a:ext uri="{91240B29-F687-4f45-9708-019B960494DF}">
-                  <a14:hiddenLine xmlns:a14="http://schemas.microsoft.com/office/drawing/2010/main" xmlns="" w="9525">
+                  <a14:hiddenLine xmlns="" xmlns:a14="http://schemas.microsoft.com/office/drawing/2010/main" w="9525">
                     <a:solidFill>
                       <a:srgbClr val="000000"/>
                     </a:solidFill>
@@ -10560,7 +10561,7 @@
               </a:ln>
               <a:extLst>
                 <a:ext uri="{91240B29-F687-4f45-9708-019B960494DF}">
-                  <a14:hiddenLine xmlns:a14="http://schemas.microsoft.com/office/drawing/2010/main" xmlns="" w="9525">
+                  <a14:hiddenLine xmlns="" xmlns:a14="http://schemas.microsoft.com/office/drawing/2010/main" w="9525">
                     <a:solidFill>
                       <a:srgbClr val="000000"/>
                     </a:solidFill>
@@ -10622,7 +10623,7 @@
               </a:ln>
               <a:extLst>
                 <a:ext uri="{91240B29-F687-4f45-9708-019B960494DF}">
-                  <a14:hiddenLine xmlns:a14="http://schemas.microsoft.com/office/drawing/2010/main" xmlns="" w="9525">
+                  <a14:hiddenLine xmlns="" xmlns:a14="http://schemas.microsoft.com/office/drawing/2010/main" w="9525">
                     <a:solidFill>
                       <a:srgbClr val="000000"/>
                     </a:solidFill>
@@ -10712,7 +10713,7 @@
               </a:ln>
               <a:extLst>
                 <a:ext uri="{91240B29-F687-4f45-9708-019B960494DF}">
-                  <a14:hiddenLine xmlns:a14="http://schemas.microsoft.com/office/drawing/2010/main" xmlns="" w="9525">
+                  <a14:hiddenLine xmlns="" xmlns:a14="http://schemas.microsoft.com/office/drawing/2010/main" w="9525">
                     <a:solidFill>
                       <a:srgbClr val="000000"/>
                     </a:solidFill>
@@ -10802,7 +10803,7 @@
               </a:ln>
               <a:extLst>
                 <a:ext uri="{91240B29-F687-4f45-9708-019B960494DF}">
-                  <a14:hiddenLine xmlns:a14="http://schemas.microsoft.com/office/drawing/2010/main" xmlns="" w="9525">
+                  <a14:hiddenLine xmlns="" xmlns:a14="http://schemas.microsoft.com/office/drawing/2010/main" w="9525">
                     <a:solidFill>
                       <a:srgbClr val="000000"/>
                     </a:solidFill>
@@ -10867,7 +10868,7 @@
               </a:ln>
               <a:extLst>
                 <a:ext uri="{91240B29-F687-4f45-9708-019B960494DF}">
-                  <a14:hiddenLine xmlns:a14="http://schemas.microsoft.com/office/drawing/2010/main" xmlns="" w="9525">
+                  <a14:hiddenLine xmlns="" xmlns:a14="http://schemas.microsoft.com/office/drawing/2010/main" w="9525">
                     <a:solidFill>
                       <a:srgbClr val="000000"/>
                     </a:solidFill>
@@ -10987,7 +10988,7 @@
               </a:ln>
               <a:extLst>
                 <a:ext uri="{91240B29-F687-4f45-9708-019B960494DF}">
-                  <a14:hiddenLine xmlns:a14="http://schemas.microsoft.com/office/drawing/2010/main" xmlns="" w="9525">
+                  <a14:hiddenLine xmlns="" xmlns:a14="http://schemas.microsoft.com/office/drawing/2010/main" w="9525">
                     <a:solidFill>
                       <a:srgbClr val="000000"/>
                     </a:solidFill>
@@ -11085,7 +11086,7 @@
               </a:ln>
               <a:extLst>
                 <a:ext uri="{91240B29-F687-4f45-9708-019B960494DF}">
-                  <a14:hiddenLine xmlns:a14="http://schemas.microsoft.com/office/drawing/2010/main" xmlns="" w="9525">
+                  <a14:hiddenLine xmlns="" xmlns:a14="http://schemas.microsoft.com/office/drawing/2010/main" w="9525">
                     <a:solidFill>
                       <a:srgbClr val="000000"/>
                     </a:solidFill>
@@ -11200,7 +11201,7 @@
               </a:ln>
               <a:extLst>
                 <a:ext uri="{91240B29-F687-4f45-9708-019B960494DF}">
-                  <a14:hiddenLine xmlns:a14="http://schemas.microsoft.com/office/drawing/2010/main" xmlns="" w="9525">
+                  <a14:hiddenLine xmlns="" xmlns:a14="http://schemas.microsoft.com/office/drawing/2010/main" w="9525">
                     <a:solidFill>
                       <a:srgbClr val="000000"/>
                     </a:solidFill>
@@ -11290,7 +11291,7 @@
               </a:ln>
               <a:extLst>
                 <a:ext uri="{91240B29-F687-4f45-9708-019B960494DF}">
-                  <a14:hiddenLine xmlns:a14="http://schemas.microsoft.com/office/drawing/2010/main" xmlns="" w="9525">
+                  <a14:hiddenLine xmlns="" xmlns:a14="http://schemas.microsoft.com/office/drawing/2010/main" w="9525">
                     <a:solidFill>
                       <a:srgbClr val="000000"/>
                     </a:solidFill>
@@ -11355,7 +11356,7 @@
               </a:ln>
               <a:extLst>
                 <a:ext uri="{91240B29-F687-4f45-9708-019B960494DF}">
-                  <a14:hiddenLine xmlns:a14="http://schemas.microsoft.com/office/drawing/2010/main" xmlns="" w="9525">
+                  <a14:hiddenLine xmlns="" xmlns:a14="http://schemas.microsoft.com/office/drawing/2010/main" w="9525">
                     <a:solidFill>
                       <a:srgbClr val="000000"/>
                     </a:solidFill>
@@ -11445,7 +11446,7 @@
               </a:ln>
               <a:extLst>
                 <a:ext uri="{91240B29-F687-4f45-9708-019B960494DF}">
-                  <a14:hiddenLine xmlns:a14="http://schemas.microsoft.com/office/drawing/2010/main" xmlns="" w="9525">
+                  <a14:hiddenLine xmlns="" xmlns:a14="http://schemas.microsoft.com/office/drawing/2010/main" w="9525">
                     <a:solidFill>
                       <a:srgbClr val="000000"/>
                     </a:solidFill>
@@ -11513,7 +11514,7 @@
               </a:ln>
               <a:extLst>
                 <a:ext uri="{91240B29-F687-4f45-9708-019B960494DF}">
-                  <a14:hiddenLine xmlns:a14="http://schemas.microsoft.com/office/drawing/2010/main" xmlns="" w="9525">
+                  <a14:hiddenLine xmlns="" xmlns:a14="http://schemas.microsoft.com/office/drawing/2010/main" w="9525">
                     <a:solidFill>
                       <a:srgbClr val="000000"/>
                     </a:solidFill>
@@ -11603,7 +11604,7 @@
               </a:ln>
               <a:extLst>
                 <a:ext uri="{91240B29-F687-4f45-9708-019B960494DF}">
-                  <a14:hiddenLine xmlns:a14="http://schemas.microsoft.com/office/drawing/2010/main" xmlns="" w="9525">
+                  <a14:hiddenLine xmlns="" xmlns:a14="http://schemas.microsoft.com/office/drawing/2010/main" w="9525">
                     <a:solidFill>
                       <a:srgbClr val="000000"/>
                     </a:solidFill>
@@ -11671,7 +11672,7 @@
               </a:ln>
               <a:extLst>
                 <a:ext uri="{91240B29-F687-4f45-9708-019B960494DF}">
-                  <a14:hiddenLine xmlns:a14="http://schemas.microsoft.com/office/drawing/2010/main" xmlns="" w="9525">
+                  <a14:hiddenLine xmlns="" xmlns:a14="http://schemas.microsoft.com/office/drawing/2010/main" w="9525">
                     <a:solidFill>
                       <a:srgbClr val="000000"/>
                     </a:solidFill>
@@ -11761,7 +11762,7 @@
               </a:ln>
               <a:extLst>
                 <a:ext uri="{91240B29-F687-4f45-9708-019B960494DF}">
-                  <a14:hiddenLine xmlns:a14="http://schemas.microsoft.com/office/drawing/2010/main" xmlns="" w="9525">
+                  <a14:hiddenLine xmlns="" xmlns:a14="http://schemas.microsoft.com/office/drawing/2010/main" w="9525">
                     <a:solidFill>
                       <a:srgbClr val="000000"/>
                     </a:solidFill>
@@ -11795,7 +11796,7 @@
               </a:ln>
               <a:extLst>
                 <a:ext uri="{91240B29-F687-4f45-9708-019B960494DF}">
-                  <a14:hiddenLine xmlns:a14="http://schemas.microsoft.com/office/drawing/2010/main" xmlns="" w="9525">
+                  <a14:hiddenLine xmlns="" xmlns:a14="http://schemas.microsoft.com/office/drawing/2010/main" w="9525">
                     <a:solidFill>
                       <a:srgbClr val="000000"/>
                     </a:solidFill>
@@ -11936,7 +11937,7 @@
             <a:fld id="{48A87A34-81AB-432B-8DAE-1953F412C126}" type="datetimeFigureOut">
               <a:rPr lang="en-US" dirty="0"/>
               <a:pPr/>
-              <a:t>11/7/2023</a:t>
+              <a:t>11/11/2023</a:t>
             </a:fld>
             <a:endParaRPr lang="en-US" dirty="0"/>
           </a:p>
@@ -13308,6 +13309,174 @@
 </p:sld>
 </file>
 
+<file path=ppt/slides/slide6.xml><?xml version="1.0" encoding="utf-8"?>
+<p:sld xmlns:a="http://schemas.openxmlformats.org/drawingml/2006/main" xmlns:r="http://schemas.openxmlformats.org/officeDocument/2006/relationships" xmlns:p="http://schemas.openxmlformats.org/presentationml/2006/main">
+  <p:cSld>
+    <p:spTree>
+      <p:nvGrpSpPr>
+        <p:cNvPr id="1" name=""/>
+        <p:cNvGrpSpPr/>
+        <p:nvPr/>
+      </p:nvGrpSpPr>
+      <p:grpSpPr>
+        <a:xfrm>
+          <a:off x="0" y="0"/>
+          <a:ext cx="0" cy="0"/>
+          <a:chOff x="0" y="0"/>
+          <a:chExt cx="0" cy="0"/>
+        </a:xfrm>
+      </p:grpSpPr>
+      <p:sp>
+        <p:nvSpPr>
+          <p:cNvPr id="8" name="TextBox 7">
+            <a:extLst>
+              <a:ext uri="{FF2B5EF4-FFF2-40B4-BE49-F238E27FC236}">
+                <a16:creationId xmlns:a16="http://schemas.microsoft.com/office/drawing/2014/main" id="{0865379E-BA95-FC98-90A3-BD996A223D5F}"/>
+              </a:ext>
+            </a:extLst>
+          </p:cNvPr>
+          <p:cNvSpPr txBox="1"/>
+          <p:nvPr/>
+        </p:nvSpPr>
+        <p:spPr>
+          <a:xfrm>
+            <a:off x="1910779" y="1122516"/>
+            <a:ext cx="7718797" cy="1015663"/>
+          </a:xfrm>
+          <a:prstGeom prst="rect">
+            <a:avLst/>
+          </a:prstGeom>
+          <a:noFill/>
+        </p:spPr>
+        <p:txBody>
+          <a:bodyPr wrap="square" rtlCol="0">
+            <a:spAutoFit/>
+          </a:bodyPr>
+          <a:lstStyle/>
+          <a:p>
+            <a:r>
+              <a:rPr lang="en-US" sz="6000" dirty="0" err="1">
+                <a:solidFill>
+                  <a:schemeClr val="bg2">
+                    <a:lumMod val="50000"/>
+                  </a:schemeClr>
+                </a:solidFill>
+                <a:latin typeface="Algerian" panose="04020705040A02060702" pitchFamily="82" charset="0"/>
+              </a:rPr>
+              <a:t>NavBar</a:t>
+            </a:r>
+            <a:endParaRPr lang="en-US" sz="6000" dirty="0">
+              <a:solidFill>
+                <a:schemeClr val="bg2">
+                  <a:lumMod val="50000"/>
+                </a:schemeClr>
+              </a:solidFill>
+              <a:latin typeface="Algerian" panose="04020705040A02060702" pitchFamily="82" charset="0"/>
+            </a:endParaRPr>
+          </a:p>
+        </p:txBody>
+      </p:sp>
+      <p:pic>
+        <p:nvPicPr>
+          <p:cNvPr id="4" name="Picture 3">
+            <a:extLst>
+              <a:ext uri="{FF2B5EF4-FFF2-40B4-BE49-F238E27FC236}">
+                <a16:creationId xmlns:a16="http://schemas.microsoft.com/office/drawing/2014/main" id="{B08DD900-AF4F-F449-4FBE-DB61FDEA635F}"/>
+              </a:ext>
+            </a:extLst>
+          </p:cNvPr>
+          <p:cNvPicPr>
+            <a:picLocks noChangeAspect="1"/>
+          </p:cNvPicPr>
+          <p:nvPr/>
+        </p:nvPicPr>
+        <p:blipFill rotWithShape="1">
+          <a:blip r:embed="rId2"/>
+          <a:srcRect l="8670" t="33108" r="7887" b="41708"/>
+          <a:stretch/>
+        </p:blipFill>
+        <p:spPr>
+          <a:xfrm>
+            <a:off x="1910779" y="2306494"/>
+            <a:ext cx="9629580" cy="1317999"/>
+          </a:xfrm>
+          <a:prstGeom prst="rect">
+            <a:avLst/>
+          </a:prstGeom>
+        </p:spPr>
+      </p:pic>
+      <p:sp>
+        <p:nvSpPr>
+          <p:cNvPr id="5" name="TextBox 4">
+            <a:extLst>
+              <a:ext uri="{FF2B5EF4-FFF2-40B4-BE49-F238E27FC236}">
+                <a16:creationId xmlns:a16="http://schemas.microsoft.com/office/drawing/2014/main" id="{D44DE97A-CE3B-9E76-4203-38A72D7D1FB5}"/>
+              </a:ext>
+            </a:extLst>
+          </p:cNvPr>
+          <p:cNvSpPr txBox="1"/>
+          <p:nvPr/>
+        </p:nvSpPr>
+        <p:spPr>
+          <a:xfrm>
+            <a:off x="2383747" y="3872011"/>
+            <a:ext cx="1578637" cy="923330"/>
+          </a:xfrm>
+          <a:prstGeom prst="rect">
+            <a:avLst/>
+          </a:prstGeom>
+          <a:noFill/>
+        </p:spPr>
+        <p:txBody>
+          <a:bodyPr wrap="none" rtlCol="0">
+            <a:spAutoFit/>
+          </a:bodyPr>
+          <a:lstStyle/>
+          <a:p>
+            <a:pPr marL="285750" indent="-285750">
+              <a:buFont typeface="Wingdings" panose="05000000000000000000" pitchFamily="2" charset="2"/>
+              <a:buChar char="q"/>
+            </a:pPr>
+            <a:r>
+              <a:rPr lang="en-US" dirty="0"/>
+              <a:t>Log</a:t>
+            </a:r>
+          </a:p>
+          <a:p>
+            <a:pPr marL="285750" indent="-285750">
+              <a:buFont typeface="Wingdings" panose="05000000000000000000" pitchFamily="2" charset="2"/>
+              <a:buChar char="q"/>
+            </a:pPr>
+            <a:r>
+              <a:rPr lang="en-US" dirty="0"/>
+              <a:t>Brand name</a:t>
+            </a:r>
+          </a:p>
+          <a:p>
+            <a:pPr marL="285750" indent="-285750">
+              <a:buFont typeface="Wingdings" panose="05000000000000000000" pitchFamily="2" charset="2"/>
+              <a:buChar char="q"/>
+            </a:pPr>
+            <a:r>
+              <a:rPr lang="en-US" dirty="0"/>
+              <a:t>Menu etc.</a:t>
+            </a:r>
+          </a:p>
+        </p:txBody>
+      </p:sp>
+    </p:spTree>
+    <p:extLst>
+      <p:ext uri="{BB962C8B-B14F-4D97-AF65-F5344CB8AC3E}">
+        <p14:creationId xmlns:p14="http://schemas.microsoft.com/office/powerpoint/2010/main" val="2704306446"/>
+      </p:ext>
+    </p:extLst>
+  </p:cSld>
+  <p:clrMapOvr>
+    <a:masterClrMapping/>
+  </p:clrMapOvr>
+</p:sld>
+</file>
+
 <file path=ppt/theme/theme1.xml><?xml version="1.0" encoding="utf-8"?>
 <a:theme xmlns:a="http://schemas.openxmlformats.org/drawingml/2006/main" name="Circuit">
   <a:themeElements>
